--- a/Report & PPT/MinorProject.pptx
+++ b/Report & PPT/MinorProject.pptx
@@ -5,12 +5,24 @@
     <p:sldMasterId id="2147483677" r:id="rId1"/>
   </p:sldMasterIdLst>
   <p:sldIdLst>
-    <p:sldId id="257" r:id="rId2"/>
-    <p:sldId id="258" r:id="rId3"/>
-    <p:sldId id="259" r:id="rId4"/>
-    <p:sldId id="260" r:id="rId5"/>
-    <p:sldId id="261" r:id="rId6"/>
-    <p:sldId id="262" r:id="rId7"/>
+    <p:sldId id="268" r:id="rId2"/>
+    <p:sldId id="270" r:id="rId3"/>
+    <p:sldId id="269" r:id="rId4"/>
+    <p:sldId id="264" r:id="rId5"/>
+    <p:sldId id="272" r:id="rId6"/>
+    <p:sldId id="273" r:id="rId7"/>
+    <p:sldId id="263" r:id="rId8"/>
+    <p:sldId id="271" r:id="rId9"/>
+    <p:sldId id="257" r:id="rId10"/>
+    <p:sldId id="258" r:id="rId11"/>
+    <p:sldId id="259" r:id="rId12"/>
+    <p:sldId id="260" r:id="rId13"/>
+    <p:sldId id="261" r:id="rId14"/>
+    <p:sldId id="262" r:id="rId15"/>
+    <p:sldId id="265" r:id="rId16"/>
+    <p:sldId id="267" r:id="rId17"/>
+    <p:sldId id="274" r:id="rId18"/>
+    <p:sldId id="266" r:id="rId19"/>
   </p:sldIdLst>
   <p:sldSz cx="12192000" cy="6858000"/>
   <p:notesSz cx="6858000" cy="9144000"/>
@@ -109,6 +121,11 @@
       </a:defRPr>
     </a:lvl9pPr>
   </p:defaultTextStyle>
+  <p:extLst>
+    <p:ext uri="{EFAFB233-063F-42B5-8137-9DF3F51BA10A}">
+      <p15:sldGuideLst xmlns:p15="http://schemas.microsoft.com/office/powerpoint/2012/main"/>
+    </p:ext>
+  </p:extLst>
 </p:presentation>
 </file>
 
@@ -338,7 +355,7 @@
           <a:p>
             <a:fld id="{A4B49C0B-3B81-4A19-BD7F-B61C83BB967D}" type="datetimeFigureOut">
               <a:rPr lang="en-US" smtClean="0"/>
-              <a:t>01-May-18</a:t>
+              <a:t>02-May-18</a:t>
             </a:fld>
             <a:endParaRPr lang="en-US"/>
           </a:p>
@@ -546,7 +563,7 @@
           <a:p>
             <a:fld id="{A4B49C0B-3B81-4A19-BD7F-B61C83BB967D}" type="datetimeFigureOut">
               <a:rPr lang="en-US" smtClean="0"/>
-              <a:t>01-May-18</a:t>
+              <a:t>02-May-18</a:t>
             </a:fld>
             <a:endParaRPr lang="en-US"/>
           </a:p>
@@ -802,7 +819,7 @@
           <a:p>
             <a:fld id="{A4B49C0B-3B81-4A19-BD7F-B61C83BB967D}" type="datetimeFigureOut">
               <a:rPr lang="en-US" smtClean="0"/>
-              <a:t>01-May-18</a:t>
+              <a:t>02-May-18</a:t>
             </a:fld>
             <a:endParaRPr lang="en-US"/>
           </a:p>
@@ -976,7 +993,7 @@
           <a:p>
             <a:fld id="{A4B49C0B-3B81-4A19-BD7F-B61C83BB967D}" type="datetimeFigureOut">
               <a:rPr lang="en-US" smtClean="0"/>
-              <a:t>01-May-18</a:t>
+              <a:t>02-May-18</a:t>
             </a:fld>
             <a:endParaRPr lang="en-US"/>
           </a:p>
@@ -1319,7 +1336,7 @@
           <a:p>
             <a:fld id="{A4B49C0B-3B81-4A19-BD7F-B61C83BB967D}" type="datetimeFigureOut">
               <a:rPr lang="en-US" smtClean="0"/>
-              <a:t>01-May-18</a:t>
+              <a:t>02-May-18</a:t>
             </a:fld>
             <a:endParaRPr lang="en-US"/>
           </a:p>
@@ -1594,7 +1611,7 @@
           <a:p>
             <a:fld id="{A4B49C0B-3B81-4A19-BD7F-B61C83BB967D}" type="datetimeFigureOut">
               <a:rPr lang="en-US" smtClean="0"/>
-              <a:t>01-May-18</a:t>
+              <a:t>02-May-18</a:t>
             </a:fld>
             <a:endParaRPr lang="en-US"/>
           </a:p>
@@ -1973,7 +1990,7 @@
           <a:p>
             <a:fld id="{A4B49C0B-3B81-4A19-BD7F-B61C83BB967D}" type="datetimeFigureOut">
               <a:rPr lang="en-US" smtClean="0"/>
-              <a:t>01-May-18</a:t>
+              <a:t>02-May-18</a:t>
             </a:fld>
             <a:endParaRPr lang="en-US"/>
           </a:p>
@@ -2091,7 +2108,7 @@
           <a:p>
             <a:fld id="{A4B49C0B-3B81-4A19-BD7F-B61C83BB967D}" type="datetimeFigureOut">
               <a:rPr lang="en-US" smtClean="0"/>
-              <a:t>01-May-18</a:t>
+              <a:t>02-May-18</a:t>
             </a:fld>
             <a:endParaRPr lang="en-US"/>
           </a:p>
@@ -2262,7 +2279,7 @@
           <a:p>
             <a:fld id="{A4B49C0B-3B81-4A19-BD7F-B61C83BB967D}" type="datetimeFigureOut">
               <a:rPr lang="en-US" smtClean="0"/>
-              <a:t>01-May-18</a:t>
+              <a:t>02-May-18</a:t>
             </a:fld>
             <a:endParaRPr lang="en-US"/>
           </a:p>
@@ -2616,7 +2633,7 @@
           <a:p>
             <a:fld id="{A4B49C0B-3B81-4A19-BD7F-B61C83BB967D}" type="datetimeFigureOut">
               <a:rPr lang="en-US" smtClean="0"/>
-              <a:t>01-May-18</a:t>
+              <a:t>02-May-18</a:t>
             </a:fld>
             <a:endParaRPr lang="en-US"/>
           </a:p>
@@ -2998,7 +3015,7 @@
           <a:p>
             <a:fld id="{A4B49C0B-3B81-4A19-BD7F-B61C83BB967D}" type="datetimeFigureOut">
               <a:rPr lang="en-US" smtClean="0"/>
-              <a:t>01-May-18</a:t>
+              <a:t>02-May-18</a:t>
             </a:fld>
             <a:endParaRPr lang="en-US"/>
           </a:p>
@@ -3285,7 +3302,7 @@
           <a:p>
             <a:fld id="{A4B49C0B-3B81-4A19-BD7F-B61C83BB967D}" type="datetimeFigureOut">
               <a:rPr lang="en-US" smtClean="0"/>
-              <a:t>01-May-18</a:t>
+              <a:t>02-May-18</a:t>
             </a:fld>
             <a:endParaRPr lang="en-US"/>
           </a:p>
@@ -3811,7 +3828,7 @@
       </p:grpSpPr>
       <p:sp>
         <p:nvSpPr>
-          <p:cNvPr id="4" name="Title 3"/>
+          <p:cNvPr id="2" name="Title 1"/>
           <p:cNvSpPr>
             <a:spLocks noGrp="1"/>
           </p:cNvSpPr>
@@ -3824,9 +3841,10 @@
           <a:bodyPr/>
           <a:lstStyle/>
           <a:p>
+            <a:pPr algn="ctr"/>
             <a:r>
               <a:rPr lang="en-US" dirty="0" smtClean="0"/>
-              <a:t>Decision Tree</a:t>
+              <a:t>Minor Project</a:t>
             </a:r>
             <a:endParaRPr lang="en-US" dirty="0"/>
           </a:p>
@@ -3834,7 +3852,7 @@
       </p:sp>
       <p:sp>
         <p:nvSpPr>
-          <p:cNvPr id="5" name="Content Placeholder 4"/>
+          <p:cNvPr id="3" name="Content Placeholder 2"/>
           <p:cNvSpPr>
             <a:spLocks noGrp="1"/>
           </p:cNvSpPr>
@@ -3845,111 +3863,205 @@
         <p:spPr/>
         <p:txBody>
           <a:bodyPr>
-            <a:normAutofit/>
+            <a:normAutofit fontScale="92500" lnSpcReduction="10000"/>
           </a:bodyPr>
           <a:lstStyle/>
           <a:p>
-            <a:pPr>
-              <a:buFont typeface="Wingdings" panose="05000000000000000000" pitchFamily="2" charset="2"/>
-              <a:buChar char="Ø"/>
-            </a:pPr>
-            <a:endParaRPr lang="en-US" dirty="0" smtClean="0"/>
-          </a:p>
-          <a:p>
-            <a:pPr lvl="1">
-              <a:buFont typeface="Wingdings" panose="05000000000000000000" pitchFamily="2" charset="2"/>
-              <a:buChar char="Ø"/>
-            </a:pPr>
-            <a:r>
-              <a:rPr lang="en-US" sz="2000" dirty="0" smtClean="0"/>
-              <a:t>Decision </a:t>
-            </a:r>
-            <a:r>
-              <a:rPr lang="en-US" sz="2000" dirty="0"/>
-              <a:t>tree builds regression </a:t>
-            </a:r>
-            <a:r>
-              <a:rPr lang="en-US" sz="2000" dirty="0" smtClean="0"/>
-              <a:t>models </a:t>
-            </a:r>
-            <a:r>
-              <a:rPr lang="en-US" sz="2000" dirty="0"/>
-              <a:t>in the form of a tree structure. It brakes down a dataset into smaller and smaller subsets while at the same time an associated decision tree is incrementally developed. The final result is a tree with </a:t>
-            </a:r>
-            <a:r>
-              <a:rPr lang="en-US" sz="2000" b="1" dirty="0"/>
-              <a:t>decision nodes</a:t>
-            </a:r>
-            <a:r>
-              <a:rPr lang="en-US" sz="2000" dirty="0"/>
-              <a:t> and </a:t>
-            </a:r>
-            <a:r>
-              <a:rPr lang="en-US" sz="2000" b="1" dirty="0"/>
-              <a:t>leaf nodes</a:t>
-            </a:r>
-            <a:r>
-              <a:rPr lang="en-US" sz="2000" dirty="0" smtClean="0"/>
-              <a:t>.</a:t>
-            </a:r>
-          </a:p>
-          <a:p>
-            <a:pPr lvl="1">
-              <a:buFont typeface="Wingdings" panose="05000000000000000000" pitchFamily="2" charset="2"/>
-              <a:buChar char="Ø"/>
-            </a:pPr>
-            <a:r>
-              <a:rPr lang="en-US" sz="2000" dirty="0" smtClean="0"/>
-              <a:t>Leaf nodes are nothing but indication of survival time.</a:t>
-            </a:r>
-          </a:p>
-          <a:p>
-            <a:pPr lvl="1">
-              <a:buFont typeface="Wingdings" panose="05000000000000000000" pitchFamily="2" charset="2"/>
-              <a:buChar char="Ø"/>
-            </a:pPr>
-            <a:r>
-              <a:rPr lang="en-US" sz="2000" dirty="0" smtClean="0"/>
-              <a:t>For </a:t>
-            </a:r>
-            <a:r>
-              <a:rPr lang="en-US" sz="2000" dirty="0"/>
-              <a:t>regression decision trees </a:t>
-            </a:r>
-            <a:r>
-              <a:rPr lang="en-US" sz="2000" dirty="0" smtClean="0"/>
-              <a:t>there are </a:t>
-            </a:r>
-            <a:r>
-              <a:rPr lang="en-US" sz="2000" dirty="0"/>
-              <a:t>more classifications than in a typical classification decision tree </a:t>
-            </a:r>
-            <a:r>
-              <a:rPr lang="en-US" sz="2000" dirty="0" smtClean="0"/>
-              <a:t>that makes </a:t>
-            </a:r>
-            <a:r>
-              <a:rPr lang="en-US" sz="2000" dirty="0"/>
-              <a:t>the outcomes near </a:t>
-            </a:r>
-            <a:r>
-              <a:rPr lang="en-US" sz="2000" dirty="0" smtClean="0"/>
-              <a:t>continuous.</a:t>
-            </a:r>
-          </a:p>
-          <a:p>
-            <a:pPr lvl="1">
-              <a:buFont typeface="Wingdings" panose="05000000000000000000" pitchFamily="2" charset="2"/>
-              <a:buChar char="Ø"/>
-            </a:pPr>
-            <a:endParaRPr lang="en-US" sz="2000" dirty="0"/>
+            <a:pPr algn="ctr"/>
+            <a:r>
+              <a:rPr lang="en-US" sz="3600" dirty="0" smtClean="0"/>
+              <a:t>“Prediction of lung cancer patient survival via supervised machine learning classification techniques”</a:t>
+            </a:r>
+          </a:p>
+          <a:p>
+            <a:pPr algn="ctr"/>
+            <a:endParaRPr lang="en-US" sz="3600" dirty="0" smtClean="0"/>
+          </a:p>
+          <a:p>
+            <a:pPr algn="ctr"/>
+            <a:r>
+              <a:rPr lang="en-US" sz="3600" dirty="0" smtClean="0"/>
+              <a:t>Team:</a:t>
+            </a:r>
+            <a:endParaRPr lang="en-US" sz="3600" dirty="0"/>
+          </a:p>
+          <a:p>
+            <a:pPr algn="ctr"/>
+            <a:r>
+              <a:rPr lang="en-US" sz="3600" dirty="0" smtClean="0"/>
+              <a:t>-Shreyansh Sancheti</a:t>
+            </a:r>
+          </a:p>
+          <a:p>
+            <a:pPr algn="ctr"/>
+            <a:r>
+              <a:rPr lang="en-US" sz="3600" dirty="0" smtClean="0"/>
+              <a:t>-Manohar </a:t>
+            </a:r>
+            <a:r>
+              <a:rPr lang="en-US" sz="3600" dirty="0" err="1" smtClean="0"/>
+              <a:t>Madanu</a:t>
+            </a:r>
+            <a:endParaRPr lang="en-US" sz="3600" dirty="0" smtClean="0"/>
+          </a:p>
+          <a:p>
+            <a:pPr algn="ctr"/>
+            <a:r>
+              <a:rPr lang="en-US" sz="3600" dirty="0" smtClean="0"/>
+              <a:t>-Aditya Sharma</a:t>
+            </a:r>
+            <a:endParaRPr lang="en-US" sz="3000" dirty="0" smtClean="0"/>
           </a:p>
         </p:txBody>
       </p:sp>
     </p:spTree>
     <p:extLst>
       <p:ext uri="{BB962C8B-B14F-4D97-AF65-F5344CB8AC3E}">
-        <p14:creationId xmlns:p14="http://schemas.microsoft.com/office/powerpoint/2010/main" val="2275649481"/>
+        <p14:creationId xmlns:p14="http://schemas.microsoft.com/office/powerpoint/2010/main" val="995387466"/>
+      </p:ext>
+    </p:extLst>
+  </p:cSld>
+  <p:clrMapOvr>
+    <a:masterClrMapping/>
+  </p:clrMapOvr>
+</p:sld>
+</file>
+
+<file path=ppt/slides/slide10.xml><?xml version="1.0" encoding="utf-8"?>
+<p:sld xmlns:a="http://schemas.openxmlformats.org/drawingml/2006/main" xmlns:r="http://schemas.openxmlformats.org/officeDocument/2006/relationships" xmlns:p="http://schemas.openxmlformats.org/presentationml/2006/main">
+  <p:cSld>
+    <p:spTree>
+      <p:nvGrpSpPr>
+        <p:cNvPr id="1" name=""/>
+        <p:cNvGrpSpPr/>
+        <p:nvPr/>
+      </p:nvGrpSpPr>
+      <p:grpSpPr>
+        <a:xfrm>
+          <a:off x="0" y="0"/>
+          <a:ext cx="0" cy="0"/>
+          <a:chOff x="0" y="0"/>
+          <a:chExt cx="0" cy="0"/>
+        </a:xfrm>
+      </p:grpSpPr>
+      <p:sp>
+        <p:nvSpPr>
+          <p:cNvPr id="2" name="Title 1"/>
+          <p:cNvSpPr>
+            <a:spLocks noGrp="1"/>
+          </p:cNvSpPr>
+          <p:nvPr>
+            <p:ph type="title"/>
+          </p:nvPr>
+        </p:nvSpPr>
+        <p:spPr/>
+        <p:txBody>
+          <a:bodyPr/>
+          <a:lstStyle/>
+          <a:p>
+            <a:r>
+              <a:rPr lang="en-US" dirty="0" smtClean="0"/>
+              <a:t>Random Forests</a:t>
+            </a:r>
+            <a:endParaRPr lang="en-US" dirty="0"/>
+          </a:p>
+        </p:txBody>
+      </p:sp>
+      <p:sp>
+        <p:nvSpPr>
+          <p:cNvPr id="3" name="Content Placeholder 2"/>
+          <p:cNvSpPr>
+            <a:spLocks noGrp="1"/>
+          </p:cNvSpPr>
+          <p:nvPr>
+            <p:ph idx="1"/>
+          </p:nvPr>
+        </p:nvSpPr>
+        <p:spPr/>
+        <p:txBody>
+          <a:bodyPr/>
+          <a:lstStyle/>
+          <a:p>
+            <a:pPr>
+              <a:buFont typeface="Wingdings" panose="05000000000000000000" pitchFamily="2" charset="2"/>
+              <a:buChar char="Ø"/>
+            </a:pPr>
+            <a:r>
+              <a:rPr lang="en-US" dirty="0" smtClean="0"/>
+              <a:t>A Random Forest </a:t>
+            </a:r>
+            <a:r>
+              <a:rPr lang="en-US" dirty="0" err="1" smtClean="0"/>
+              <a:t>Regressor</a:t>
+            </a:r>
+            <a:r>
+              <a:rPr lang="en-US" dirty="0" smtClean="0"/>
+              <a:t>.</a:t>
+            </a:r>
+          </a:p>
+          <a:p>
+            <a:pPr>
+              <a:buFont typeface="Wingdings" panose="05000000000000000000" pitchFamily="2" charset="2"/>
+              <a:buChar char="Ø"/>
+            </a:pPr>
+            <a:r>
+              <a:rPr lang="en-US" dirty="0" smtClean="0"/>
+              <a:t>The Random Forest technique generates a number of decision trees during training which are allowed to split randomly from a seed point. This results in a “forest” of randomly generated decision trees whose outcomes are ensemble by the Random Forest Algorithm to predict more accurately than a single tree does alone.</a:t>
+            </a:r>
+          </a:p>
+          <a:p>
+            <a:pPr>
+              <a:buFont typeface="Wingdings" panose="05000000000000000000" pitchFamily="2" charset="2"/>
+              <a:buChar char="Ø"/>
+            </a:pPr>
+            <a:r>
+              <a:rPr lang="en-US" dirty="0" smtClean="0"/>
+              <a:t>A </a:t>
+            </a:r>
+            <a:r>
+              <a:rPr lang="en-US" dirty="0"/>
+              <a:t>random forest is a meta estimator that fits a number of classifying decision trees on various sub-samples of the dataset and use averaging to improve the predictive accuracy and control </a:t>
+            </a:r>
+            <a:r>
+              <a:rPr lang="en-US" dirty="0" smtClean="0"/>
+              <a:t>over-fitting.</a:t>
+            </a:r>
+          </a:p>
+          <a:p>
+            <a:pPr>
+              <a:buFont typeface="Wingdings" panose="05000000000000000000" pitchFamily="2" charset="2"/>
+              <a:buChar char="Ø"/>
+            </a:pPr>
+            <a:r>
+              <a:rPr lang="en-US" dirty="0"/>
+              <a:t>T</a:t>
+            </a:r>
+            <a:r>
+              <a:rPr lang="en-US" dirty="0" smtClean="0"/>
+              <a:t>he </a:t>
+            </a:r>
+            <a:r>
+              <a:rPr lang="en-US" dirty="0"/>
+              <a:t>number of trees was set to </a:t>
+            </a:r>
+            <a:r>
+              <a:rPr lang="en-US" dirty="0" smtClean="0"/>
+              <a:t>500.</a:t>
+            </a:r>
+          </a:p>
+          <a:p>
+            <a:pPr>
+              <a:buFont typeface="Wingdings" panose="05000000000000000000" pitchFamily="2" charset="2"/>
+              <a:buChar char="Ø"/>
+            </a:pPr>
+            <a:endParaRPr lang="en-US" dirty="0"/>
+          </a:p>
+        </p:txBody>
+      </p:sp>
+    </p:spTree>
+    <p:extLst>
+      <p:ext uri="{BB962C8B-B14F-4D97-AF65-F5344CB8AC3E}">
+        <p14:creationId xmlns:p14="http://schemas.microsoft.com/office/powerpoint/2010/main" val="3195690604"/>
       </p:ext>
     </p:extLst>
   </p:cSld>
@@ -3963,6 +4075,1712 @@
       </p:par>
     </p:tnLst>
   </p:timing>
+</p:sld>
+</file>
+
+<file path=ppt/slides/slide11.xml><?xml version="1.0" encoding="utf-8"?>
+<p:sld xmlns:a="http://schemas.openxmlformats.org/drawingml/2006/main" xmlns:r="http://schemas.openxmlformats.org/officeDocument/2006/relationships" xmlns:p="http://schemas.openxmlformats.org/presentationml/2006/main">
+  <p:cSld>
+    <p:spTree>
+      <p:nvGrpSpPr>
+        <p:cNvPr id="1" name=""/>
+        <p:cNvGrpSpPr/>
+        <p:nvPr/>
+      </p:nvGrpSpPr>
+      <p:grpSpPr>
+        <a:xfrm>
+          <a:off x="0" y="0"/>
+          <a:ext cx="0" cy="0"/>
+          <a:chOff x="0" y="0"/>
+          <a:chExt cx="0" cy="0"/>
+        </a:xfrm>
+      </p:grpSpPr>
+      <p:sp>
+        <p:nvSpPr>
+          <p:cNvPr id="2" name="Title 1"/>
+          <p:cNvSpPr>
+            <a:spLocks noGrp="1"/>
+          </p:cNvSpPr>
+          <p:nvPr>
+            <p:ph type="title"/>
+          </p:nvPr>
+        </p:nvSpPr>
+        <p:spPr/>
+        <p:txBody>
+          <a:bodyPr/>
+          <a:lstStyle/>
+          <a:p>
+            <a:r>
+              <a:rPr lang="en-US" dirty="0" smtClean="0"/>
+              <a:t>Gradient Boosting Machines</a:t>
+            </a:r>
+            <a:endParaRPr lang="en-US" dirty="0"/>
+          </a:p>
+        </p:txBody>
+      </p:sp>
+      <p:sp>
+        <p:nvSpPr>
+          <p:cNvPr id="3" name="Content Placeholder 2"/>
+          <p:cNvSpPr>
+            <a:spLocks noGrp="1"/>
+          </p:cNvSpPr>
+          <p:nvPr>
+            <p:ph idx="1"/>
+          </p:nvPr>
+        </p:nvSpPr>
+        <p:spPr/>
+        <p:txBody>
+          <a:bodyPr/>
+          <a:lstStyle/>
+          <a:p>
+            <a:pPr>
+              <a:buFont typeface="Wingdings" panose="05000000000000000000" pitchFamily="2" charset="2"/>
+              <a:buChar char="Ø"/>
+            </a:pPr>
+            <a:r>
+              <a:rPr lang="en-US" dirty="0"/>
+              <a:t>Gradient Boosting for regression.</a:t>
+            </a:r>
+          </a:p>
+          <a:p>
+            <a:pPr>
+              <a:buFont typeface="Wingdings" panose="05000000000000000000" pitchFamily="2" charset="2"/>
+              <a:buChar char="Ø"/>
+            </a:pPr>
+            <a:r>
+              <a:rPr lang="en-US" dirty="0"/>
+              <a:t>GB builds an additive model in a forward stage-wise fashion; it allows for the optimization of arbitrary differentiable loss functions. In each stage a regression tree is fit on the negative gradient of the given loss function</a:t>
+            </a:r>
+            <a:r>
+              <a:rPr lang="en-US" dirty="0" smtClean="0"/>
+              <a:t>.</a:t>
+            </a:r>
+          </a:p>
+          <a:p>
+            <a:pPr>
+              <a:buFont typeface="Wingdings" panose="05000000000000000000" pitchFamily="2" charset="2"/>
+              <a:buChar char="Ø"/>
+            </a:pPr>
+            <a:r>
+              <a:rPr lang="en-US" dirty="0"/>
+              <a:t>L</a:t>
+            </a:r>
+            <a:r>
+              <a:rPr lang="en-US" dirty="0" smtClean="0"/>
+              <a:t>oss </a:t>
+            </a:r>
+            <a:r>
+              <a:rPr lang="en-US" dirty="0"/>
+              <a:t>function to be </a:t>
+            </a:r>
+            <a:r>
+              <a:rPr lang="en-US" dirty="0" smtClean="0"/>
+              <a:t>optimized </a:t>
+            </a:r>
+            <a:r>
+              <a:rPr lang="en-US" dirty="0" err="1" smtClean="0"/>
+              <a:t>i.e</a:t>
+            </a:r>
+            <a:r>
+              <a:rPr lang="en-US" dirty="0" smtClean="0"/>
+              <a:t> least </a:t>
+            </a:r>
+            <a:r>
+              <a:rPr lang="en-US" dirty="0"/>
+              <a:t>squares </a:t>
+            </a:r>
+            <a:r>
+              <a:rPr lang="en-US" dirty="0" smtClean="0"/>
+              <a:t>regression.</a:t>
+            </a:r>
+            <a:endParaRPr lang="en-US" dirty="0"/>
+          </a:p>
+          <a:p>
+            <a:pPr>
+              <a:buFont typeface="Wingdings" panose="05000000000000000000" pitchFamily="2" charset="2"/>
+              <a:buChar char="Ø"/>
+            </a:pPr>
+            <a:r>
+              <a:rPr lang="en-US" dirty="0"/>
+              <a:t>L</a:t>
+            </a:r>
+            <a:r>
+              <a:rPr lang="en-US" dirty="0" smtClean="0"/>
+              <a:t>earning </a:t>
+            </a:r>
+            <a:r>
+              <a:rPr lang="en-US" dirty="0"/>
+              <a:t>rate shrinks the contribution of each tree by </a:t>
+            </a:r>
+            <a:r>
+              <a:rPr lang="en-US" dirty="0" smtClean="0"/>
+              <a:t>learning rate</a:t>
+            </a:r>
+            <a:r>
+              <a:rPr lang="en-US" dirty="0"/>
+              <a:t>. There is a trade-off between </a:t>
+            </a:r>
+            <a:r>
+              <a:rPr lang="en-US" dirty="0" smtClean="0"/>
+              <a:t>learning rate </a:t>
+            </a:r>
+            <a:r>
+              <a:rPr lang="en-US" dirty="0"/>
+              <a:t>and </a:t>
+            </a:r>
+            <a:r>
+              <a:rPr lang="en-US" dirty="0" smtClean="0"/>
+              <a:t>n-estimators</a:t>
+            </a:r>
+          </a:p>
+          <a:p>
+            <a:pPr>
+              <a:buFont typeface="Wingdings" panose="05000000000000000000" pitchFamily="2" charset="2"/>
+              <a:buChar char="Ø"/>
+            </a:pPr>
+            <a:r>
+              <a:rPr lang="en-US" dirty="0" smtClean="0"/>
+              <a:t>The </a:t>
+            </a:r>
+            <a:r>
+              <a:rPr lang="en-US" dirty="0"/>
+              <a:t>number of boosting stages to </a:t>
+            </a:r>
+            <a:r>
+              <a:rPr lang="en-US" dirty="0" smtClean="0"/>
+              <a:t>perform are 100. </a:t>
+            </a:r>
+            <a:r>
+              <a:rPr lang="en-US" dirty="0"/>
+              <a:t>Gradient boosting is fairly robust to over-fitting so a large number usually results in better </a:t>
+            </a:r>
+            <a:r>
+              <a:rPr lang="en-US" dirty="0" smtClean="0"/>
+              <a:t>performance</a:t>
+            </a:r>
+          </a:p>
+          <a:p>
+            <a:pPr>
+              <a:buFont typeface="Wingdings" panose="05000000000000000000" pitchFamily="2" charset="2"/>
+              <a:buChar char="Ø"/>
+            </a:pPr>
+            <a:r>
+              <a:rPr lang="en-US" dirty="0" smtClean="0"/>
+              <a:t>The maximum depth of </a:t>
+            </a:r>
+            <a:r>
+              <a:rPr lang="en-US" dirty="0"/>
+              <a:t>the individual regression </a:t>
+            </a:r>
+            <a:r>
+              <a:rPr lang="en-US" dirty="0" smtClean="0"/>
+              <a:t>estimators is 3 .It </a:t>
+            </a:r>
+            <a:r>
+              <a:rPr lang="en-US" dirty="0"/>
+              <a:t>limits the number of nodes in the tree</a:t>
+            </a:r>
+          </a:p>
+        </p:txBody>
+      </p:sp>
+    </p:spTree>
+    <p:extLst>
+      <p:ext uri="{BB962C8B-B14F-4D97-AF65-F5344CB8AC3E}">
+        <p14:creationId xmlns:p14="http://schemas.microsoft.com/office/powerpoint/2010/main" val="3963204261"/>
+      </p:ext>
+    </p:extLst>
+  </p:cSld>
+  <p:clrMapOvr>
+    <a:masterClrMapping/>
+  </p:clrMapOvr>
+  <p:timing>
+    <p:tnLst>
+      <p:par>
+        <p:cTn id="1" dur="indefinite" restart="never" nodeType="tmRoot"/>
+      </p:par>
+    </p:tnLst>
+  </p:timing>
+</p:sld>
+</file>
+
+<file path=ppt/slides/slide12.xml><?xml version="1.0" encoding="utf-8"?>
+<p:sld xmlns:a="http://schemas.openxmlformats.org/drawingml/2006/main" xmlns:r="http://schemas.openxmlformats.org/officeDocument/2006/relationships" xmlns:p="http://schemas.openxmlformats.org/presentationml/2006/main">
+  <p:cSld>
+    <p:spTree>
+      <p:nvGrpSpPr>
+        <p:cNvPr id="1" name=""/>
+        <p:cNvGrpSpPr/>
+        <p:nvPr/>
+      </p:nvGrpSpPr>
+      <p:grpSpPr>
+        <a:xfrm>
+          <a:off x="0" y="0"/>
+          <a:ext cx="0" cy="0"/>
+          <a:chOff x="0" y="0"/>
+          <a:chExt cx="0" cy="0"/>
+        </a:xfrm>
+      </p:grpSpPr>
+      <p:sp>
+        <p:nvSpPr>
+          <p:cNvPr id="2" name="Title 1"/>
+          <p:cNvSpPr>
+            <a:spLocks noGrp="1"/>
+          </p:cNvSpPr>
+          <p:nvPr>
+            <p:ph type="title"/>
+          </p:nvPr>
+        </p:nvSpPr>
+        <p:spPr/>
+        <p:txBody>
+          <a:bodyPr/>
+          <a:lstStyle/>
+          <a:p>
+            <a:r>
+              <a:rPr lang="en-US" dirty="0" smtClean="0"/>
+              <a:t>Support Vector Machines</a:t>
+            </a:r>
+            <a:endParaRPr lang="en-US" dirty="0"/>
+          </a:p>
+        </p:txBody>
+      </p:sp>
+      <p:sp>
+        <p:nvSpPr>
+          <p:cNvPr id="3" name="Content Placeholder 2"/>
+          <p:cNvSpPr>
+            <a:spLocks noGrp="1"/>
+          </p:cNvSpPr>
+          <p:nvPr>
+            <p:ph idx="1"/>
+          </p:nvPr>
+        </p:nvSpPr>
+        <p:spPr/>
+        <p:txBody>
+          <a:bodyPr/>
+          <a:lstStyle/>
+          <a:p>
+            <a:pPr>
+              <a:buFont typeface="Wingdings" panose="05000000000000000000" pitchFamily="2" charset="2"/>
+              <a:buChar char="Ø"/>
+            </a:pPr>
+            <a:r>
+              <a:rPr lang="en-US" dirty="0" smtClean="0"/>
+              <a:t> Epsilon-Support </a:t>
+            </a:r>
+            <a:r>
+              <a:rPr lang="en-US" dirty="0"/>
+              <a:t>Vector </a:t>
+            </a:r>
+            <a:r>
+              <a:rPr lang="en-US" dirty="0" smtClean="0"/>
+              <a:t>Regression.</a:t>
+            </a:r>
+          </a:p>
+          <a:p>
+            <a:pPr>
+              <a:buFont typeface="Wingdings" panose="05000000000000000000" pitchFamily="2" charset="2"/>
+              <a:buChar char="Ø"/>
+            </a:pPr>
+            <a:r>
+              <a:rPr lang="en-US" dirty="0"/>
+              <a:t> </a:t>
+            </a:r>
+            <a:r>
+              <a:rPr lang="en-US" dirty="0" smtClean="0"/>
+              <a:t>Assuming </a:t>
+            </a:r>
+            <a:r>
+              <a:rPr lang="en-US" dirty="0"/>
+              <a:t>that a set of training data has been labeled </a:t>
+            </a:r>
+            <a:r>
+              <a:rPr lang="en-US" dirty="0" smtClean="0"/>
+              <a:t>as belonging </a:t>
+            </a:r>
+            <a:r>
+              <a:rPr lang="en-US" dirty="0"/>
+              <a:t>to one of two sets, the algorithm represents them in </a:t>
+            </a:r>
+            <a:r>
+              <a:rPr lang="en-US" dirty="0" smtClean="0"/>
+              <a:t>space and </a:t>
+            </a:r>
+            <a:r>
+              <a:rPr lang="en-US" dirty="0"/>
+              <a:t>specifies a hyper-plane maximally distant from both to </a:t>
+            </a:r>
+            <a:r>
+              <a:rPr lang="en-US" dirty="0" smtClean="0"/>
+              <a:t>separate them</a:t>
+            </a:r>
+            <a:r>
+              <a:rPr lang="en-US" dirty="0"/>
+              <a:t>. The plane is called “the maximal margin hyper-plane.” If a </a:t>
+            </a:r>
+            <a:r>
+              <a:rPr lang="en-US" dirty="0" smtClean="0"/>
+              <a:t>linear separation </a:t>
+            </a:r>
+            <a:r>
+              <a:rPr lang="en-US" dirty="0"/>
+              <a:t>is not possible, the algorithm employs kernel methods </a:t>
+            </a:r>
+            <a:r>
+              <a:rPr lang="en-US" dirty="0" smtClean="0"/>
+              <a:t>to obtain </a:t>
+            </a:r>
+            <a:r>
+              <a:rPr lang="en-US" dirty="0"/>
+              <a:t>a non-linear mapping to a feature </a:t>
+            </a:r>
+            <a:r>
+              <a:rPr lang="en-US" dirty="0" smtClean="0"/>
+              <a:t>space.</a:t>
+            </a:r>
+          </a:p>
+          <a:p>
+            <a:pPr>
+              <a:buFont typeface="Wingdings" panose="05000000000000000000" pitchFamily="2" charset="2"/>
+              <a:buChar char="Ø"/>
+            </a:pPr>
+            <a:r>
+              <a:rPr lang="en-US" dirty="0" smtClean="0"/>
+              <a:t>Kernel method selected is </a:t>
+            </a:r>
+            <a:r>
+              <a:rPr lang="en-US" dirty="0" err="1" smtClean="0"/>
+              <a:t>rbf</a:t>
+            </a:r>
+            <a:endParaRPr lang="en-US" dirty="0" smtClean="0"/>
+          </a:p>
+          <a:p>
+            <a:pPr>
+              <a:buFont typeface="Wingdings" panose="05000000000000000000" pitchFamily="2" charset="2"/>
+              <a:buChar char="Ø"/>
+            </a:pPr>
+            <a:r>
+              <a:rPr lang="en-US" dirty="0" smtClean="0"/>
+              <a:t>A </a:t>
+            </a:r>
+            <a:r>
+              <a:rPr lang="en-US" dirty="0"/>
+              <a:t>drawback of SVM is that the method can be subject </a:t>
+            </a:r>
+            <a:r>
+              <a:rPr lang="en-US" dirty="0" smtClean="0"/>
+              <a:t>to over-fitting </a:t>
+            </a:r>
+            <a:r>
+              <a:rPr lang="en-US" dirty="0"/>
+              <a:t>when the data is noisy.</a:t>
+            </a:r>
+            <a:endParaRPr lang="en-US" dirty="0" smtClean="0"/>
+          </a:p>
+        </p:txBody>
+      </p:sp>
+    </p:spTree>
+    <p:extLst>
+      <p:ext uri="{BB962C8B-B14F-4D97-AF65-F5344CB8AC3E}">
+        <p14:creationId xmlns:p14="http://schemas.microsoft.com/office/powerpoint/2010/main" val="1896965442"/>
+      </p:ext>
+    </p:extLst>
+  </p:cSld>
+  <p:clrMapOvr>
+    <a:masterClrMapping/>
+  </p:clrMapOvr>
+  <p:timing>
+    <p:tnLst>
+      <p:par>
+        <p:cTn id="1" dur="indefinite" restart="never" nodeType="tmRoot"/>
+      </p:par>
+    </p:tnLst>
+  </p:timing>
+</p:sld>
+</file>
+
+<file path=ppt/slides/slide13.xml><?xml version="1.0" encoding="utf-8"?>
+<p:sld xmlns:a="http://schemas.openxmlformats.org/drawingml/2006/main" xmlns:r="http://schemas.openxmlformats.org/officeDocument/2006/relationships" xmlns:p="http://schemas.openxmlformats.org/presentationml/2006/main">
+  <p:cSld>
+    <p:spTree>
+      <p:nvGrpSpPr>
+        <p:cNvPr id="1" name=""/>
+        <p:cNvGrpSpPr/>
+        <p:nvPr/>
+      </p:nvGrpSpPr>
+      <p:grpSpPr>
+        <a:xfrm>
+          <a:off x="0" y="0"/>
+          <a:ext cx="0" cy="0"/>
+          <a:chOff x="0" y="0"/>
+          <a:chExt cx="0" cy="0"/>
+        </a:xfrm>
+      </p:grpSpPr>
+      <p:sp>
+        <p:nvSpPr>
+          <p:cNvPr id="2" name="Title 1"/>
+          <p:cNvSpPr>
+            <a:spLocks noGrp="1"/>
+          </p:cNvSpPr>
+          <p:nvPr>
+            <p:ph type="title"/>
+          </p:nvPr>
+        </p:nvSpPr>
+        <p:spPr/>
+        <p:txBody>
+          <a:bodyPr/>
+          <a:lstStyle/>
+          <a:p>
+            <a:r>
+              <a:rPr lang="en-US" dirty="0" smtClean="0"/>
+              <a:t>Ensemble</a:t>
+            </a:r>
+            <a:endParaRPr lang="en-US" dirty="0"/>
+          </a:p>
+        </p:txBody>
+      </p:sp>
+      <p:sp>
+        <p:nvSpPr>
+          <p:cNvPr id="3" name="Content Placeholder 2"/>
+          <p:cNvSpPr>
+            <a:spLocks noGrp="1"/>
+          </p:cNvSpPr>
+          <p:nvPr>
+            <p:ph idx="1"/>
+          </p:nvPr>
+        </p:nvSpPr>
+        <p:spPr/>
+        <p:txBody>
+          <a:bodyPr/>
+          <a:lstStyle/>
+          <a:p>
+            <a:pPr>
+              <a:buFont typeface="Wingdings" panose="05000000000000000000" pitchFamily="2" charset="2"/>
+              <a:buChar char="Ø"/>
+            </a:pPr>
+            <a:r>
+              <a:rPr lang="en-US" dirty="0" smtClean="0"/>
+              <a:t>A </a:t>
+            </a:r>
+            <a:r>
+              <a:rPr lang="en-US" dirty="0"/>
+              <a:t>custom ensemble method was used to bring all </a:t>
+            </a:r>
+            <a:r>
+              <a:rPr lang="en-US" dirty="0" smtClean="0"/>
+              <a:t>these models together </a:t>
+            </a:r>
+            <a:r>
+              <a:rPr lang="en-US" dirty="0"/>
+              <a:t>for a more accurate </a:t>
+            </a:r>
+            <a:r>
+              <a:rPr lang="en-US" dirty="0" smtClean="0"/>
+              <a:t>prediction.</a:t>
+            </a:r>
+          </a:p>
+          <a:p>
+            <a:pPr>
+              <a:buFont typeface="Wingdings" panose="05000000000000000000" pitchFamily="2" charset="2"/>
+              <a:buChar char="Ø"/>
+            </a:pPr>
+            <a:r>
+              <a:rPr lang="en-US" dirty="0" smtClean="0"/>
+              <a:t>The </a:t>
+            </a:r>
+            <a:r>
+              <a:rPr lang="en-US" dirty="0"/>
+              <a:t>results were expected to be better with </a:t>
+            </a:r>
+            <a:r>
+              <a:rPr lang="en-US" dirty="0" smtClean="0"/>
+              <a:t>the custom </a:t>
+            </a:r>
+            <a:r>
+              <a:rPr lang="en-US" dirty="0"/>
+              <a:t>ensemble than with any single approach, and the ensemble </a:t>
+            </a:r>
+            <a:r>
+              <a:rPr lang="en-US" dirty="0" smtClean="0"/>
+              <a:t>was simple </a:t>
+            </a:r>
+            <a:r>
+              <a:rPr lang="en-US" dirty="0"/>
+              <a:t>to implement and easily adaptable to model </a:t>
+            </a:r>
+            <a:r>
+              <a:rPr lang="en-US" dirty="0" smtClean="0"/>
+              <a:t>adjustments.</a:t>
+            </a:r>
+          </a:p>
+          <a:p>
+            <a:pPr>
+              <a:buFont typeface="Wingdings" panose="05000000000000000000" pitchFamily="2" charset="2"/>
+              <a:buChar char="Ø"/>
+            </a:pPr>
+            <a:endParaRPr lang="en-US" dirty="0" smtClean="0"/>
+          </a:p>
+          <a:p>
+            <a:pPr>
+              <a:buFont typeface="Wingdings" panose="05000000000000000000" pitchFamily="2" charset="2"/>
+              <a:buChar char="Ø"/>
+            </a:pPr>
+            <a:endParaRPr lang="en-US" dirty="0"/>
+          </a:p>
+        </p:txBody>
+      </p:sp>
+    </p:spTree>
+    <p:extLst>
+      <p:ext uri="{BB962C8B-B14F-4D97-AF65-F5344CB8AC3E}">
+        <p14:creationId xmlns:p14="http://schemas.microsoft.com/office/powerpoint/2010/main" val="2556044572"/>
+      </p:ext>
+    </p:extLst>
+  </p:cSld>
+  <p:clrMapOvr>
+    <a:masterClrMapping/>
+  </p:clrMapOvr>
+  <p:timing>
+    <p:tnLst>
+      <p:par>
+        <p:cTn id="1" dur="indefinite" restart="never" nodeType="tmRoot"/>
+      </p:par>
+    </p:tnLst>
+  </p:timing>
+</p:sld>
+</file>
+
+<file path=ppt/slides/slide14.xml><?xml version="1.0" encoding="utf-8"?>
+<p:sld xmlns:a="http://schemas.openxmlformats.org/drawingml/2006/main" xmlns:r="http://schemas.openxmlformats.org/officeDocument/2006/relationships" xmlns:p="http://schemas.openxmlformats.org/presentationml/2006/main">
+  <p:cSld>
+    <p:spTree>
+      <p:nvGrpSpPr>
+        <p:cNvPr id="1" name=""/>
+        <p:cNvGrpSpPr/>
+        <p:nvPr/>
+      </p:nvGrpSpPr>
+      <p:grpSpPr>
+        <a:xfrm>
+          <a:off x="0" y="0"/>
+          <a:ext cx="0" cy="0"/>
+          <a:chOff x="0" y="0"/>
+          <a:chExt cx="0" cy="0"/>
+        </a:xfrm>
+      </p:grpSpPr>
+      <p:sp>
+        <p:nvSpPr>
+          <p:cNvPr id="2" name="Title 1"/>
+          <p:cNvSpPr>
+            <a:spLocks noGrp="1"/>
+          </p:cNvSpPr>
+          <p:nvPr>
+            <p:ph type="title"/>
+          </p:nvPr>
+        </p:nvSpPr>
+        <p:spPr/>
+        <p:txBody>
+          <a:bodyPr/>
+          <a:lstStyle/>
+          <a:p>
+            <a:r>
+              <a:rPr lang="en-US" dirty="0" smtClean="0"/>
+              <a:t>Deep Learning</a:t>
+            </a:r>
+            <a:endParaRPr lang="en-US" dirty="0"/>
+          </a:p>
+        </p:txBody>
+      </p:sp>
+      <p:sp>
+        <p:nvSpPr>
+          <p:cNvPr id="3" name="Content Placeholder 2"/>
+          <p:cNvSpPr>
+            <a:spLocks noGrp="1"/>
+          </p:cNvSpPr>
+          <p:nvPr>
+            <p:ph idx="1"/>
+          </p:nvPr>
+        </p:nvSpPr>
+        <p:spPr/>
+        <p:txBody>
+          <a:bodyPr/>
+          <a:lstStyle/>
+          <a:p>
+            <a:pPr>
+              <a:buFont typeface="Wingdings" panose="05000000000000000000" pitchFamily="2" charset="2"/>
+              <a:buChar char="Ø"/>
+            </a:pPr>
+            <a:r>
+              <a:rPr lang="en-US" dirty="0" smtClean="0"/>
+              <a:t>Deep learning for regression models can be done.</a:t>
+            </a:r>
+          </a:p>
+          <a:p>
+            <a:pPr>
+              <a:buFont typeface="Wingdings" panose="05000000000000000000" pitchFamily="2" charset="2"/>
+              <a:buChar char="Ø"/>
+            </a:pPr>
+            <a:r>
+              <a:rPr lang="en-US" dirty="0" smtClean="0"/>
+              <a:t>Tensor-flow can be used.</a:t>
+            </a:r>
+          </a:p>
+          <a:p>
+            <a:pPr>
+              <a:buFont typeface="Wingdings" panose="05000000000000000000" pitchFamily="2" charset="2"/>
+              <a:buChar char="Ø"/>
+            </a:pPr>
+            <a:r>
+              <a:rPr lang="en-US" dirty="0" smtClean="0"/>
+              <a:t>Due to time constraints and unavailability of resources that was not possible.</a:t>
+            </a:r>
+            <a:endParaRPr lang="en-US" dirty="0"/>
+          </a:p>
+        </p:txBody>
+      </p:sp>
+    </p:spTree>
+    <p:extLst>
+      <p:ext uri="{BB962C8B-B14F-4D97-AF65-F5344CB8AC3E}">
+        <p14:creationId xmlns:p14="http://schemas.microsoft.com/office/powerpoint/2010/main" val="3744584940"/>
+      </p:ext>
+    </p:extLst>
+  </p:cSld>
+  <p:clrMapOvr>
+    <a:masterClrMapping/>
+  </p:clrMapOvr>
+  <p:timing>
+    <p:tnLst>
+      <p:par>
+        <p:cTn id="1" dur="indefinite" restart="never" nodeType="tmRoot"/>
+      </p:par>
+    </p:tnLst>
+  </p:timing>
+</p:sld>
+</file>
+
+<file path=ppt/slides/slide15.xml><?xml version="1.0" encoding="utf-8"?>
+<p:sld xmlns:a="http://schemas.openxmlformats.org/drawingml/2006/main" xmlns:r="http://schemas.openxmlformats.org/officeDocument/2006/relationships" xmlns:p="http://schemas.openxmlformats.org/presentationml/2006/main">
+  <p:cSld>
+    <p:spTree>
+      <p:nvGrpSpPr>
+        <p:cNvPr id="1" name=""/>
+        <p:cNvGrpSpPr/>
+        <p:nvPr/>
+      </p:nvGrpSpPr>
+      <p:grpSpPr>
+        <a:xfrm>
+          <a:off x="0" y="0"/>
+          <a:ext cx="0" cy="0"/>
+          <a:chOff x="0" y="0"/>
+          <a:chExt cx="0" cy="0"/>
+        </a:xfrm>
+      </p:grpSpPr>
+      <p:sp>
+        <p:nvSpPr>
+          <p:cNvPr id="2" name="Title 1"/>
+          <p:cNvSpPr>
+            <a:spLocks noGrp="1"/>
+          </p:cNvSpPr>
+          <p:nvPr>
+            <p:ph type="title"/>
+          </p:nvPr>
+        </p:nvSpPr>
+        <p:spPr/>
+        <p:txBody>
+          <a:bodyPr/>
+          <a:lstStyle/>
+          <a:p>
+            <a:r>
+              <a:rPr lang="en-US" dirty="0" smtClean="0"/>
+              <a:t>Results</a:t>
+            </a:r>
+            <a:endParaRPr lang="en-US" dirty="0"/>
+          </a:p>
+        </p:txBody>
+      </p:sp>
+      <p:graphicFrame>
+        <p:nvGraphicFramePr>
+          <p:cNvPr id="4" name="Content Placeholder 3"/>
+          <p:cNvGraphicFramePr>
+            <a:graphicFrameLocks noGrp="1"/>
+          </p:cNvGraphicFramePr>
+          <p:nvPr>
+            <p:ph idx="1"/>
+            <p:extLst>
+              <p:ext uri="{D42A27DB-BD31-4B8C-83A1-F6EECF244321}">
+                <p14:modId xmlns:p14="http://schemas.microsoft.com/office/powerpoint/2010/main" val="1904280185"/>
+              </p:ext>
+            </p:extLst>
+          </p:nvPr>
+        </p:nvGraphicFramePr>
+        <p:xfrm>
+          <a:off x="1096963" y="1846263"/>
+          <a:ext cx="10058400" cy="2595880"/>
+        </p:xfrm>
+        <a:graphic>
+          <a:graphicData uri="http://schemas.openxmlformats.org/drawingml/2006/table">
+            <a:tbl>
+              <a:tblPr firstRow="1" bandRow="1">
+                <a:tableStyleId>{5C22544A-7EE6-4342-B048-85BDC9FD1C3A}</a:tableStyleId>
+              </a:tblPr>
+              <a:tblGrid>
+                <a:gridCol w="2011680">
+                  <a:extLst>
+                    <a:ext uri="{9D8B030D-6E8A-4147-A177-3AD203B41FA5}">
+                      <a16:colId xmlns:a16="http://schemas.microsoft.com/office/drawing/2014/main" val="2475604174"/>
+                    </a:ext>
+                  </a:extLst>
+                </a:gridCol>
+                <a:gridCol w="2011680">
+                  <a:extLst>
+                    <a:ext uri="{9D8B030D-6E8A-4147-A177-3AD203B41FA5}">
+                      <a16:colId xmlns:a16="http://schemas.microsoft.com/office/drawing/2014/main" val="3915612079"/>
+                    </a:ext>
+                  </a:extLst>
+                </a:gridCol>
+                <a:gridCol w="2011680">
+                  <a:extLst>
+                    <a:ext uri="{9D8B030D-6E8A-4147-A177-3AD203B41FA5}">
+                      <a16:colId xmlns:a16="http://schemas.microsoft.com/office/drawing/2014/main" val="283118251"/>
+                    </a:ext>
+                  </a:extLst>
+                </a:gridCol>
+                <a:gridCol w="2011680">
+                  <a:extLst>
+                    <a:ext uri="{9D8B030D-6E8A-4147-A177-3AD203B41FA5}">
+                      <a16:colId xmlns:a16="http://schemas.microsoft.com/office/drawing/2014/main" val="2953790153"/>
+                    </a:ext>
+                  </a:extLst>
+                </a:gridCol>
+                <a:gridCol w="2011680">
+                  <a:extLst>
+                    <a:ext uri="{9D8B030D-6E8A-4147-A177-3AD203B41FA5}">
+                      <a16:colId xmlns:a16="http://schemas.microsoft.com/office/drawing/2014/main" val="2949022343"/>
+                    </a:ext>
+                  </a:extLst>
+                </a:gridCol>
+              </a:tblGrid>
+              <a:tr h="370840">
+                <a:tc>
+                  <a:txBody>
+                    <a:bodyPr/>
+                    <a:lstStyle/>
+                    <a:p>
+                      <a:r>
+                        <a:rPr lang="en-US" dirty="0" smtClean="0"/>
+                        <a:t>Model</a:t>
+                      </a:r>
+                      <a:endParaRPr lang="en-US" dirty="0"/>
+                    </a:p>
+                  </a:txBody>
+                  <a:tcPr/>
+                </a:tc>
+                <a:tc>
+                  <a:txBody>
+                    <a:bodyPr/>
+                    <a:lstStyle/>
+                    <a:p>
+                      <a:r>
+                        <a:rPr lang="en-US" dirty="0" smtClean="0"/>
+                        <a:t>RMSE</a:t>
+                      </a:r>
+                      <a:endParaRPr lang="en-US" dirty="0"/>
+                    </a:p>
+                  </a:txBody>
+                  <a:tcPr/>
+                </a:tc>
+                <a:tc>
+                  <a:txBody>
+                    <a:bodyPr/>
+                    <a:lstStyle/>
+                    <a:p>
+                      <a:r>
+                        <a:rPr lang="en-US" dirty="0" smtClean="0"/>
+                        <a:t>Standard deviation</a:t>
+                      </a:r>
+                      <a:endParaRPr lang="en-US" dirty="0"/>
+                    </a:p>
+                  </a:txBody>
+                  <a:tcPr/>
+                </a:tc>
+                <a:tc>
+                  <a:txBody>
+                    <a:bodyPr/>
+                    <a:lstStyle/>
+                    <a:p>
+                      <a:r>
+                        <a:rPr lang="en-US" dirty="0" smtClean="0"/>
+                        <a:t>SD of residuals</a:t>
+                      </a:r>
+                      <a:endParaRPr lang="en-US" dirty="0"/>
+                    </a:p>
+                  </a:txBody>
+                  <a:tcPr/>
+                </a:tc>
+                <a:tc>
+                  <a:txBody>
+                    <a:bodyPr/>
+                    <a:lstStyle/>
+                    <a:p>
+                      <a:r>
+                        <a:rPr lang="en-US" dirty="0" smtClean="0"/>
+                        <a:t>Mean</a:t>
+                      </a:r>
+                      <a:endParaRPr lang="en-US" dirty="0"/>
+                    </a:p>
+                  </a:txBody>
+                  <a:tcPr/>
+                </a:tc>
+                <a:extLst>
+                  <a:ext uri="{0D108BD9-81ED-4DB2-BD59-A6C34878D82A}">
+                    <a16:rowId xmlns:a16="http://schemas.microsoft.com/office/drawing/2014/main" val="3992154834"/>
+                  </a:ext>
+                </a:extLst>
+              </a:tr>
+              <a:tr h="370840">
+                <a:tc>
+                  <a:txBody>
+                    <a:bodyPr/>
+                    <a:lstStyle/>
+                    <a:p>
+                      <a:r>
+                        <a:rPr lang="en-US" dirty="0" smtClean="0"/>
+                        <a:t>Linear Regression</a:t>
+                      </a:r>
+                      <a:endParaRPr lang="en-US" dirty="0"/>
+                    </a:p>
+                  </a:txBody>
+                  <a:tcPr/>
+                </a:tc>
+                <a:tc>
+                  <a:txBody>
+                    <a:bodyPr/>
+                    <a:lstStyle/>
+                    <a:p>
+                      <a:r>
+                        <a:rPr lang="en-US" dirty="0" smtClean="0"/>
+                        <a:t>15.492</a:t>
+                      </a:r>
+                      <a:endParaRPr lang="en-US" dirty="0"/>
+                    </a:p>
+                  </a:txBody>
+                  <a:tcPr/>
+                </a:tc>
+                <a:tc>
+                  <a:txBody>
+                    <a:bodyPr/>
+                    <a:lstStyle/>
+                    <a:p>
+                      <a:r>
+                        <a:rPr lang="en-US" dirty="0" smtClean="0"/>
+                        <a:t>10.171</a:t>
+                      </a:r>
+                      <a:endParaRPr lang="en-US" dirty="0"/>
+                    </a:p>
+                  </a:txBody>
+                  <a:tcPr/>
+                </a:tc>
+                <a:tc>
+                  <a:txBody>
+                    <a:bodyPr/>
+                    <a:lstStyle/>
+                    <a:p>
+                      <a:r>
+                        <a:rPr lang="en-US" dirty="0" smtClean="0"/>
+                        <a:t>15.490</a:t>
+                      </a:r>
+                      <a:endParaRPr lang="en-US" dirty="0"/>
+                    </a:p>
+                  </a:txBody>
+                  <a:tcPr/>
+                </a:tc>
+                <a:tc>
+                  <a:txBody>
+                    <a:bodyPr/>
+                    <a:lstStyle/>
+                    <a:p>
+                      <a:r>
+                        <a:rPr lang="en-US" dirty="0" smtClean="0"/>
+                        <a:t>14.992</a:t>
+                      </a:r>
+                      <a:endParaRPr lang="en-US" dirty="0"/>
+                    </a:p>
+                  </a:txBody>
+                  <a:tcPr/>
+                </a:tc>
+                <a:extLst>
+                  <a:ext uri="{0D108BD9-81ED-4DB2-BD59-A6C34878D82A}">
+                    <a16:rowId xmlns:a16="http://schemas.microsoft.com/office/drawing/2014/main" val="2121442556"/>
+                  </a:ext>
+                </a:extLst>
+              </a:tr>
+              <a:tr h="370840">
+                <a:tc>
+                  <a:txBody>
+                    <a:bodyPr/>
+                    <a:lstStyle/>
+                    <a:p>
+                      <a:r>
+                        <a:rPr lang="en-US" dirty="0" smtClean="0"/>
+                        <a:t>GBM</a:t>
+                      </a:r>
+                      <a:endParaRPr lang="en-US" dirty="0"/>
+                    </a:p>
+                  </a:txBody>
+                  <a:tcPr/>
+                </a:tc>
+                <a:tc>
+                  <a:txBody>
+                    <a:bodyPr/>
+                    <a:lstStyle/>
+                    <a:p>
+                      <a:r>
+                        <a:rPr lang="en-US" dirty="0" smtClean="0"/>
+                        <a:t>16.328</a:t>
+                      </a:r>
+                      <a:endParaRPr lang="en-US" dirty="0"/>
+                    </a:p>
+                  </a:txBody>
+                  <a:tcPr/>
+                </a:tc>
+                <a:tc>
+                  <a:txBody>
+                    <a:bodyPr/>
+                    <a:lstStyle/>
+                    <a:p>
+                      <a:r>
+                        <a:rPr lang="en-US" dirty="0" smtClean="0"/>
+                        <a:t>4.323</a:t>
+                      </a:r>
+                      <a:endParaRPr lang="en-US" dirty="0"/>
+                    </a:p>
+                  </a:txBody>
+                  <a:tcPr/>
+                </a:tc>
+                <a:tc>
+                  <a:txBody>
+                    <a:bodyPr/>
+                    <a:lstStyle/>
+                    <a:p>
+                      <a:r>
+                        <a:rPr lang="en-US" dirty="0" smtClean="0"/>
+                        <a:t>16.331</a:t>
+                      </a:r>
+                      <a:endParaRPr lang="en-US" dirty="0"/>
+                    </a:p>
+                  </a:txBody>
+                  <a:tcPr/>
+                </a:tc>
+                <a:tc>
+                  <a:txBody>
+                    <a:bodyPr/>
+                    <a:lstStyle/>
+                    <a:p>
+                      <a:r>
+                        <a:rPr lang="en-US" dirty="0" smtClean="0"/>
+                        <a:t>15.171</a:t>
+                      </a:r>
+                      <a:endParaRPr lang="en-US" dirty="0"/>
+                    </a:p>
+                  </a:txBody>
+                  <a:tcPr/>
+                </a:tc>
+                <a:extLst>
+                  <a:ext uri="{0D108BD9-81ED-4DB2-BD59-A6C34878D82A}">
+                    <a16:rowId xmlns:a16="http://schemas.microsoft.com/office/drawing/2014/main" val="3814150028"/>
+                  </a:ext>
+                </a:extLst>
+              </a:tr>
+              <a:tr h="370840">
+                <a:tc>
+                  <a:txBody>
+                    <a:bodyPr/>
+                    <a:lstStyle/>
+                    <a:p>
+                      <a:r>
+                        <a:rPr lang="en-US" dirty="0" smtClean="0"/>
+                        <a:t>Decision Tree</a:t>
+                      </a:r>
+                      <a:endParaRPr lang="en-US" dirty="0"/>
+                    </a:p>
+                  </a:txBody>
+                  <a:tcPr/>
+                </a:tc>
+                <a:tc>
+                  <a:txBody>
+                    <a:bodyPr/>
+                    <a:lstStyle/>
+                    <a:p>
+                      <a:r>
+                        <a:rPr lang="en-US" dirty="0" smtClean="0"/>
+                        <a:t>15.252</a:t>
+                      </a:r>
+                      <a:endParaRPr lang="en-US" dirty="0"/>
+                    </a:p>
+                  </a:txBody>
+                  <a:tcPr/>
+                </a:tc>
+                <a:tc>
+                  <a:txBody>
+                    <a:bodyPr/>
+                    <a:lstStyle/>
+                    <a:p>
+                      <a:r>
+                        <a:rPr lang="en-US" dirty="0" smtClean="0"/>
+                        <a:t>10.786</a:t>
+                      </a:r>
+                      <a:endParaRPr lang="en-US" dirty="0"/>
+                    </a:p>
+                  </a:txBody>
+                  <a:tcPr/>
+                </a:tc>
+                <a:tc>
+                  <a:txBody>
+                    <a:bodyPr/>
+                    <a:lstStyle/>
+                    <a:p>
+                      <a:r>
+                        <a:rPr lang="en-US" dirty="0" smtClean="0"/>
+                        <a:t>15.264</a:t>
+                      </a:r>
+                      <a:endParaRPr lang="en-US" dirty="0"/>
+                    </a:p>
+                  </a:txBody>
+                  <a:tcPr/>
+                </a:tc>
+                <a:tc>
+                  <a:txBody>
+                    <a:bodyPr/>
+                    <a:lstStyle/>
+                    <a:p>
+                      <a:r>
+                        <a:rPr lang="en-US" dirty="0" smtClean="0"/>
+                        <a:t>15.253</a:t>
+                      </a:r>
+                      <a:endParaRPr lang="en-US" dirty="0"/>
+                    </a:p>
+                  </a:txBody>
+                  <a:tcPr/>
+                </a:tc>
+                <a:extLst>
+                  <a:ext uri="{0D108BD9-81ED-4DB2-BD59-A6C34878D82A}">
+                    <a16:rowId xmlns:a16="http://schemas.microsoft.com/office/drawing/2014/main" val="302751323"/>
+                  </a:ext>
+                </a:extLst>
+              </a:tr>
+              <a:tr h="370840">
+                <a:tc>
+                  <a:txBody>
+                    <a:bodyPr/>
+                    <a:lstStyle/>
+                    <a:p>
+                      <a:r>
+                        <a:rPr lang="en-US" dirty="0" smtClean="0"/>
+                        <a:t>Random Forest</a:t>
+                      </a:r>
+                      <a:endParaRPr lang="en-US" dirty="0"/>
+                    </a:p>
+                  </a:txBody>
+                  <a:tcPr/>
+                </a:tc>
+                <a:tc>
+                  <a:txBody>
+                    <a:bodyPr/>
+                    <a:lstStyle/>
+                    <a:p>
+                      <a:r>
+                        <a:rPr lang="en-US" dirty="0" smtClean="0"/>
+                        <a:t>15.197</a:t>
+                      </a:r>
+                      <a:endParaRPr lang="en-US" dirty="0"/>
+                    </a:p>
+                  </a:txBody>
+                  <a:tcPr/>
+                </a:tc>
+                <a:tc>
+                  <a:txBody>
+                    <a:bodyPr/>
+                    <a:lstStyle/>
+                    <a:p>
+                      <a:r>
+                        <a:rPr lang="en-US" dirty="0" smtClean="0"/>
+                        <a:t>10.453</a:t>
+                      </a:r>
+                      <a:endParaRPr lang="en-US" dirty="0"/>
+                    </a:p>
+                  </a:txBody>
+                  <a:tcPr/>
+                </a:tc>
+                <a:tc>
+                  <a:txBody>
+                    <a:bodyPr/>
+                    <a:lstStyle/>
+                    <a:p>
+                      <a:r>
+                        <a:rPr lang="en-US" dirty="0" smtClean="0"/>
+                        <a:t>15.199</a:t>
+                      </a:r>
+                      <a:endParaRPr lang="en-US" dirty="0"/>
+                    </a:p>
+                  </a:txBody>
+                  <a:tcPr/>
+                </a:tc>
+                <a:tc>
+                  <a:txBody>
+                    <a:bodyPr/>
+                    <a:lstStyle/>
+                    <a:p>
+                      <a:r>
+                        <a:rPr lang="en-US" dirty="0" smtClean="0"/>
+                        <a:t>15.075</a:t>
+                      </a:r>
+                      <a:endParaRPr lang="en-US" dirty="0"/>
+                    </a:p>
+                  </a:txBody>
+                  <a:tcPr/>
+                </a:tc>
+                <a:extLst>
+                  <a:ext uri="{0D108BD9-81ED-4DB2-BD59-A6C34878D82A}">
+                    <a16:rowId xmlns:a16="http://schemas.microsoft.com/office/drawing/2014/main" val="764300978"/>
+                  </a:ext>
+                </a:extLst>
+              </a:tr>
+              <a:tr h="370840">
+                <a:tc>
+                  <a:txBody>
+                    <a:bodyPr/>
+                    <a:lstStyle/>
+                    <a:p>
+                      <a:r>
+                        <a:rPr lang="en-US" dirty="0" smtClean="0"/>
+                        <a:t>SVM</a:t>
+                      </a:r>
+                      <a:endParaRPr lang="en-US" dirty="0"/>
+                    </a:p>
+                  </a:txBody>
+                  <a:tcPr/>
+                </a:tc>
+                <a:tc>
+                  <a:txBody>
+                    <a:bodyPr/>
+                    <a:lstStyle/>
+                    <a:p>
+                      <a:r>
+                        <a:rPr lang="en-US" dirty="0" smtClean="0"/>
+                        <a:t>18.073</a:t>
+                      </a:r>
+                      <a:endParaRPr lang="en-US" dirty="0"/>
+                    </a:p>
+                  </a:txBody>
+                  <a:tcPr/>
+                </a:tc>
+                <a:tc>
+                  <a:txBody>
+                    <a:bodyPr/>
+                    <a:lstStyle/>
+                    <a:p>
+                      <a:r>
+                        <a:rPr lang="en-US" dirty="0" smtClean="0"/>
+                        <a:t>4.988</a:t>
+                      </a:r>
+                      <a:endParaRPr lang="en-US" dirty="0"/>
+                    </a:p>
+                  </a:txBody>
+                  <a:tcPr/>
+                </a:tc>
+                <a:tc>
+                  <a:txBody>
+                    <a:bodyPr/>
+                    <a:lstStyle/>
+                    <a:p>
+                      <a:r>
+                        <a:rPr lang="en-US" dirty="0" smtClean="0"/>
+                        <a:t>16.867</a:t>
+                      </a:r>
+                      <a:endParaRPr lang="en-US" dirty="0"/>
+                    </a:p>
+                  </a:txBody>
+                  <a:tcPr/>
+                </a:tc>
+                <a:tc>
+                  <a:txBody>
+                    <a:bodyPr/>
+                    <a:lstStyle/>
+                    <a:p>
+                      <a:r>
+                        <a:rPr lang="en-US" dirty="0" smtClean="0"/>
+                        <a:t>8.697</a:t>
+                      </a:r>
+                      <a:endParaRPr lang="en-US" dirty="0"/>
+                    </a:p>
+                  </a:txBody>
+                  <a:tcPr/>
+                </a:tc>
+                <a:extLst>
+                  <a:ext uri="{0D108BD9-81ED-4DB2-BD59-A6C34878D82A}">
+                    <a16:rowId xmlns:a16="http://schemas.microsoft.com/office/drawing/2014/main" val="1689838983"/>
+                  </a:ext>
+                </a:extLst>
+              </a:tr>
+              <a:tr h="370840">
+                <a:tc>
+                  <a:txBody>
+                    <a:bodyPr/>
+                    <a:lstStyle/>
+                    <a:p>
+                      <a:r>
+                        <a:rPr lang="en-US" dirty="0" smtClean="0"/>
+                        <a:t>Ensemble</a:t>
+                      </a:r>
+                      <a:endParaRPr lang="en-US" dirty="0"/>
+                    </a:p>
+                  </a:txBody>
+                  <a:tcPr/>
+                </a:tc>
+                <a:tc>
+                  <a:txBody>
+                    <a:bodyPr/>
+                    <a:lstStyle/>
+                    <a:p>
+                      <a:r>
+                        <a:rPr lang="en-US" dirty="0" smtClean="0"/>
+                        <a:t>15.811</a:t>
+                      </a:r>
+                      <a:endParaRPr lang="en-US" dirty="0"/>
+                    </a:p>
+                  </a:txBody>
+                  <a:tcPr/>
+                </a:tc>
+                <a:tc>
+                  <a:txBody>
+                    <a:bodyPr/>
+                    <a:lstStyle/>
+                    <a:p>
+                      <a:r>
+                        <a:rPr lang="en-US" dirty="0" smtClean="0"/>
+                        <a:t>5.967</a:t>
+                      </a:r>
+                      <a:endParaRPr lang="en-US" dirty="0"/>
+                    </a:p>
+                  </a:txBody>
+                  <a:tcPr/>
+                </a:tc>
+                <a:tc>
+                  <a:txBody>
+                    <a:bodyPr/>
+                    <a:lstStyle/>
+                    <a:p>
+                      <a:r>
+                        <a:rPr lang="en-US" dirty="0" smtClean="0"/>
+                        <a:t>5.967</a:t>
+                      </a:r>
+                      <a:endParaRPr lang="en-US" dirty="0"/>
+                    </a:p>
+                  </a:txBody>
+                  <a:tcPr/>
+                </a:tc>
+                <a:tc>
+                  <a:txBody>
+                    <a:bodyPr/>
+                    <a:lstStyle/>
+                    <a:p>
+                      <a:r>
+                        <a:rPr lang="en-US" dirty="0" smtClean="0"/>
+                        <a:t>14.893</a:t>
+                      </a:r>
+                      <a:endParaRPr lang="en-US" dirty="0"/>
+                    </a:p>
+                  </a:txBody>
+                  <a:tcPr/>
+                </a:tc>
+                <a:extLst>
+                  <a:ext uri="{0D108BD9-81ED-4DB2-BD59-A6C34878D82A}">
+                    <a16:rowId xmlns:a16="http://schemas.microsoft.com/office/drawing/2014/main" val="952695877"/>
+                  </a:ext>
+                </a:extLst>
+              </a:tr>
+            </a:tbl>
+          </a:graphicData>
+        </a:graphic>
+      </p:graphicFrame>
+    </p:spTree>
+    <p:extLst>
+      <p:ext uri="{BB962C8B-B14F-4D97-AF65-F5344CB8AC3E}">
+        <p14:creationId xmlns:p14="http://schemas.microsoft.com/office/powerpoint/2010/main" val="3146668291"/>
+      </p:ext>
+    </p:extLst>
+  </p:cSld>
+  <p:clrMapOvr>
+    <a:masterClrMapping/>
+  </p:clrMapOvr>
+</p:sld>
+</file>
+
+<file path=ppt/slides/slide16.xml><?xml version="1.0" encoding="utf-8"?>
+<p:sld xmlns:a="http://schemas.openxmlformats.org/drawingml/2006/main" xmlns:r="http://schemas.openxmlformats.org/officeDocument/2006/relationships" xmlns:p="http://schemas.openxmlformats.org/presentationml/2006/main">
+  <p:cSld>
+    <p:spTree>
+      <p:nvGrpSpPr>
+        <p:cNvPr id="1" name=""/>
+        <p:cNvGrpSpPr/>
+        <p:nvPr/>
+      </p:nvGrpSpPr>
+      <p:grpSpPr>
+        <a:xfrm>
+          <a:off x="0" y="0"/>
+          <a:ext cx="0" cy="0"/>
+          <a:chOff x="0" y="0"/>
+          <a:chExt cx="0" cy="0"/>
+        </a:xfrm>
+      </p:grpSpPr>
+      <p:sp>
+        <p:nvSpPr>
+          <p:cNvPr id="2" name="Title 1"/>
+          <p:cNvSpPr>
+            <a:spLocks noGrp="1"/>
+          </p:cNvSpPr>
+          <p:nvPr>
+            <p:ph type="title"/>
+          </p:nvPr>
+        </p:nvSpPr>
+        <p:spPr/>
+        <p:txBody>
+          <a:bodyPr/>
+          <a:lstStyle/>
+          <a:p>
+            <a:r>
+              <a:rPr lang="en-US" dirty="0" smtClean="0"/>
+              <a:t>Conclusions</a:t>
+            </a:r>
+            <a:endParaRPr lang="en-US" dirty="0"/>
+          </a:p>
+        </p:txBody>
+      </p:sp>
+      <p:sp>
+        <p:nvSpPr>
+          <p:cNvPr id="3" name="Content Placeholder 2"/>
+          <p:cNvSpPr>
+            <a:spLocks noGrp="1"/>
+          </p:cNvSpPr>
+          <p:nvPr>
+            <p:ph idx="1"/>
+          </p:nvPr>
+        </p:nvSpPr>
+        <p:spPr/>
+        <p:txBody>
+          <a:bodyPr/>
+          <a:lstStyle/>
+          <a:p>
+            <a:pPr>
+              <a:buFont typeface="Wingdings" panose="05000000000000000000" pitchFamily="2" charset="2"/>
+              <a:buChar char="Ø"/>
+            </a:pPr>
+            <a:r>
+              <a:rPr lang="en-US" dirty="0"/>
+              <a:t>The results from this study suggest that a correlational approach via supervised machine learning may be applicable to lung cancer patient survival prognosis, in the sense that meaningful predictions can be made with reasonable accuracy bands describable by the resulting statistics</a:t>
+            </a:r>
+            <a:r>
+              <a:rPr lang="en-US" dirty="0" smtClean="0"/>
+              <a:t>.</a:t>
+            </a:r>
+          </a:p>
+          <a:p>
+            <a:pPr>
+              <a:buFont typeface="Wingdings" panose="05000000000000000000" pitchFamily="2" charset="2"/>
+              <a:buChar char="Ø"/>
+            </a:pPr>
+            <a:r>
+              <a:rPr lang="en-US" dirty="0"/>
+              <a:t>The only model that may be non-applicable is Decision Trees, as it has too few discrete outputs. Despite the issues with the other models investigated, no model other than Decision Trees seems truly lacking, with the more advanced GBM model displaying stronger performance, and the SVM being worthy of independent attention as it predicts </a:t>
+            </a:r>
+            <a:r>
+              <a:rPr lang="en-US" dirty="0" smtClean="0"/>
+              <a:t>scores </a:t>
+            </a:r>
+            <a:r>
+              <a:rPr lang="en-US" dirty="0"/>
+              <a:t>similarly to the others</a:t>
+            </a:r>
+            <a:r>
+              <a:rPr lang="en-US" dirty="0" smtClean="0"/>
+              <a:t>.</a:t>
+            </a:r>
+          </a:p>
+          <a:p>
+            <a:pPr marL="0" indent="0">
+              <a:buNone/>
+            </a:pPr>
+            <a:endParaRPr lang="en-US" dirty="0"/>
+          </a:p>
+        </p:txBody>
+      </p:sp>
+    </p:spTree>
+    <p:extLst>
+      <p:ext uri="{BB962C8B-B14F-4D97-AF65-F5344CB8AC3E}">
+        <p14:creationId xmlns:p14="http://schemas.microsoft.com/office/powerpoint/2010/main" val="1813079553"/>
+      </p:ext>
+    </p:extLst>
+  </p:cSld>
+  <p:clrMapOvr>
+    <a:masterClrMapping/>
+  </p:clrMapOvr>
+</p:sld>
+</file>
+
+<file path=ppt/slides/slide17.xml><?xml version="1.0" encoding="utf-8"?>
+<p:sld xmlns:a="http://schemas.openxmlformats.org/drawingml/2006/main" xmlns:r="http://schemas.openxmlformats.org/officeDocument/2006/relationships" xmlns:p="http://schemas.openxmlformats.org/presentationml/2006/main">
+  <p:cSld>
+    <p:spTree>
+      <p:nvGrpSpPr>
+        <p:cNvPr id="1" name=""/>
+        <p:cNvGrpSpPr/>
+        <p:nvPr/>
+      </p:nvGrpSpPr>
+      <p:grpSpPr>
+        <a:xfrm>
+          <a:off x="0" y="0"/>
+          <a:ext cx="0" cy="0"/>
+          <a:chOff x="0" y="0"/>
+          <a:chExt cx="0" cy="0"/>
+        </a:xfrm>
+      </p:grpSpPr>
+      <p:sp>
+        <p:nvSpPr>
+          <p:cNvPr id="2" name="Title 1"/>
+          <p:cNvSpPr>
+            <a:spLocks noGrp="1"/>
+          </p:cNvSpPr>
+          <p:nvPr>
+            <p:ph type="title"/>
+          </p:nvPr>
+        </p:nvSpPr>
+        <p:spPr/>
+        <p:txBody>
+          <a:bodyPr/>
+          <a:lstStyle/>
+          <a:p>
+            <a:r>
+              <a:rPr lang="en-US" dirty="0" smtClean="0"/>
+              <a:t>Future work</a:t>
+            </a:r>
+            <a:endParaRPr lang="en-US" dirty="0"/>
+          </a:p>
+        </p:txBody>
+      </p:sp>
+      <p:sp>
+        <p:nvSpPr>
+          <p:cNvPr id="3" name="Content Placeholder 2"/>
+          <p:cNvSpPr>
+            <a:spLocks noGrp="1"/>
+          </p:cNvSpPr>
+          <p:nvPr>
+            <p:ph idx="1"/>
+          </p:nvPr>
+        </p:nvSpPr>
+        <p:spPr/>
+        <p:txBody>
+          <a:bodyPr/>
+          <a:lstStyle/>
+          <a:p>
+            <a:pPr>
+              <a:buFont typeface="Wingdings" panose="05000000000000000000" pitchFamily="2" charset="2"/>
+              <a:buChar char="Ø"/>
+            </a:pPr>
+            <a:r>
+              <a:rPr lang="en-US" dirty="0"/>
+              <a:t>Future work could reevaluate the inputs for the selected models. While RMSE was chosen during our up-front design, other metrics may be warranted; the scores and standard deviations of linear regression and SVMs suggest that a deeper analysis may prove fruitful</a:t>
+            </a:r>
+            <a:r>
+              <a:rPr lang="en-US" dirty="0" smtClean="0"/>
+              <a:t>.</a:t>
+            </a:r>
+          </a:p>
+          <a:p>
+            <a:pPr>
+              <a:buFont typeface="Wingdings" panose="05000000000000000000" pitchFamily="2" charset="2"/>
+              <a:buChar char="Ø"/>
+            </a:pPr>
+            <a:r>
+              <a:rPr lang="en-US" dirty="0"/>
+              <a:t>A new effort to evaluate each individual criteria and how it relates to patient survival, especially in the case of longer-lived patients, could be key to more accurate and predictive correlational supervised machine learning algorithms.</a:t>
+            </a:r>
+            <a:endParaRPr lang="en-US" dirty="0"/>
+          </a:p>
+          <a:p>
+            <a:r>
+              <a:rPr lang="en-US" dirty="0"/>
+              <a:t/>
+            </a:r>
+            <a:br>
+              <a:rPr lang="en-US" dirty="0"/>
+            </a:br>
+            <a:endParaRPr lang="en-US" dirty="0"/>
+          </a:p>
+        </p:txBody>
+      </p:sp>
+    </p:spTree>
+    <p:extLst>
+      <p:ext uri="{BB962C8B-B14F-4D97-AF65-F5344CB8AC3E}">
+        <p14:creationId xmlns:p14="http://schemas.microsoft.com/office/powerpoint/2010/main" val="565399344"/>
+      </p:ext>
+    </p:extLst>
+  </p:cSld>
+  <p:clrMapOvr>
+    <a:masterClrMapping/>
+  </p:clrMapOvr>
+</p:sld>
+</file>
+
+<file path=ppt/slides/slide18.xml><?xml version="1.0" encoding="utf-8"?>
+<p:sld xmlns:a="http://schemas.openxmlformats.org/drawingml/2006/main" xmlns:r="http://schemas.openxmlformats.org/officeDocument/2006/relationships" xmlns:p="http://schemas.openxmlformats.org/presentationml/2006/main">
+  <p:cSld>
+    <p:spTree>
+      <p:nvGrpSpPr>
+        <p:cNvPr id="1" name=""/>
+        <p:cNvGrpSpPr/>
+        <p:nvPr/>
+      </p:nvGrpSpPr>
+      <p:grpSpPr>
+        <a:xfrm>
+          <a:off x="0" y="0"/>
+          <a:ext cx="0" cy="0"/>
+          <a:chOff x="0" y="0"/>
+          <a:chExt cx="0" cy="0"/>
+        </a:xfrm>
+      </p:grpSpPr>
+      <p:sp>
+        <p:nvSpPr>
+          <p:cNvPr id="2" name="Title 1"/>
+          <p:cNvSpPr>
+            <a:spLocks noGrp="1"/>
+          </p:cNvSpPr>
+          <p:nvPr>
+            <p:ph type="title"/>
+          </p:nvPr>
+        </p:nvSpPr>
+        <p:spPr/>
+        <p:txBody>
+          <a:bodyPr/>
+          <a:lstStyle/>
+          <a:p>
+            <a:r>
+              <a:rPr lang="en-US" dirty="0" smtClean="0"/>
+              <a:t>Individual Contributions</a:t>
+            </a:r>
+            <a:endParaRPr lang="en-US" dirty="0"/>
+          </a:p>
+        </p:txBody>
+      </p:sp>
+      <p:sp>
+        <p:nvSpPr>
+          <p:cNvPr id="3" name="Content Placeholder 2"/>
+          <p:cNvSpPr>
+            <a:spLocks noGrp="1"/>
+          </p:cNvSpPr>
+          <p:nvPr>
+            <p:ph idx="1"/>
+          </p:nvPr>
+        </p:nvSpPr>
+        <p:spPr/>
+        <p:txBody>
+          <a:bodyPr/>
+          <a:lstStyle/>
+          <a:p>
+            <a:pPr>
+              <a:buFont typeface="Wingdings" panose="05000000000000000000" pitchFamily="2" charset="2"/>
+              <a:buChar char="Ø"/>
+            </a:pPr>
+            <a:r>
+              <a:rPr lang="en-US" dirty="0" smtClean="0"/>
+              <a:t>Shreyansh</a:t>
+            </a:r>
+          </a:p>
+          <a:p>
+            <a:pPr marL="0" indent="0">
+              <a:buNone/>
+            </a:pPr>
+            <a:r>
+              <a:rPr lang="en-US" dirty="0" smtClean="0"/>
+              <a:t>	Collection of raw data</a:t>
+            </a:r>
+          </a:p>
+          <a:p>
+            <a:pPr marL="0" indent="0">
+              <a:buNone/>
+            </a:pPr>
+            <a:r>
+              <a:rPr lang="en-US" dirty="0" smtClean="0"/>
+              <a:t>	Helped in preprocessing</a:t>
+            </a:r>
+          </a:p>
+          <a:p>
+            <a:pPr marL="0" indent="0">
+              <a:buNone/>
+            </a:pPr>
+            <a:r>
+              <a:rPr lang="en-US" dirty="0" smtClean="0"/>
+              <a:t>	Decision Tree &amp; Custom Ensemble</a:t>
+            </a:r>
+          </a:p>
+          <a:p>
+            <a:pPr>
+              <a:buFont typeface="Wingdings" panose="05000000000000000000" pitchFamily="2" charset="2"/>
+              <a:buChar char="Ø"/>
+            </a:pPr>
+            <a:r>
+              <a:rPr lang="en-US" dirty="0" smtClean="0"/>
+              <a:t>Manohar</a:t>
+            </a:r>
+          </a:p>
+          <a:p>
+            <a:pPr marL="0" indent="0">
+              <a:buNone/>
+            </a:pPr>
+            <a:r>
+              <a:rPr lang="en-US" dirty="0" smtClean="0"/>
+              <a:t>	Pre Processing Data</a:t>
+            </a:r>
+          </a:p>
+          <a:p>
+            <a:pPr marL="0" indent="0">
+              <a:buNone/>
+            </a:pPr>
+            <a:r>
+              <a:rPr lang="en-US" dirty="0" smtClean="0"/>
+              <a:t>	Linear Regression &amp; GBM</a:t>
+            </a:r>
+          </a:p>
+          <a:p>
+            <a:pPr>
+              <a:buFont typeface="Wingdings" panose="05000000000000000000" pitchFamily="2" charset="2"/>
+              <a:buChar char="Ø"/>
+            </a:pPr>
+            <a:r>
+              <a:rPr lang="en-US" dirty="0" smtClean="0"/>
+              <a:t>Aditya </a:t>
+            </a:r>
+          </a:p>
+          <a:p>
+            <a:pPr marL="0" indent="0">
+              <a:buNone/>
+            </a:pPr>
+            <a:r>
+              <a:rPr lang="en-US" dirty="0" smtClean="0"/>
+              <a:t>	SVM &amp; </a:t>
+            </a:r>
+            <a:r>
+              <a:rPr lang="en-US" dirty="0"/>
+              <a:t>Random Forest</a:t>
+            </a:r>
+          </a:p>
+        </p:txBody>
+      </p:sp>
+    </p:spTree>
+    <p:extLst>
+      <p:ext uri="{BB962C8B-B14F-4D97-AF65-F5344CB8AC3E}">
+        <p14:creationId xmlns:p14="http://schemas.microsoft.com/office/powerpoint/2010/main" val="3042541433"/>
+      </p:ext>
+    </p:extLst>
+  </p:cSld>
+  <p:clrMapOvr>
+    <a:masterClrMapping/>
+  </p:clrMapOvr>
 </p:sld>
 </file>
 
@@ -4000,7 +5818,7 @@
           <a:p>
             <a:r>
               <a:rPr lang="en-US" dirty="0" smtClean="0"/>
-              <a:t>Random Forests</a:t>
+              <a:t>Problem Statement</a:t>
             </a:r>
             <a:endParaRPr lang="en-US" dirty="0"/>
           </a:p>
@@ -4021,96 +5839,24 @@
           <a:bodyPr/>
           <a:lstStyle/>
           <a:p>
-            <a:pPr>
-              <a:buFont typeface="Wingdings" panose="05000000000000000000" pitchFamily="2" charset="2"/>
-              <a:buChar char="Ø"/>
-            </a:pPr>
-            <a:r>
-              <a:rPr lang="en-US" dirty="0" smtClean="0"/>
-              <a:t>A Random Forest </a:t>
-            </a:r>
-            <a:r>
-              <a:rPr lang="en-US" dirty="0" err="1" smtClean="0"/>
-              <a:t>Regressor</a:t>
-            </a:r>
-            <a:endParaRPr lang="en-US" dirty="0" smtClean="0"/>
-          </a:p>
-          <a:p>
-            <a:pPr>
-              <a:buFont typeface="Wingdings" panose="05000000000000000000" pitchFamily="2" charset="2"/>
-              <a:buChar char="Ø"/>
-            </a:pPr>
-            <a:r>
-              <a:rPr lang="en-US" dirty="0" smtClean="0"/>
-              <a:t>The Random Forest technique generates a number of decision trees during training which are allowed to split randomly from a seed point. This results in a “forest” of randomly generated decision trees whose outcomes are ensemble by the Random Forest Algorithm to predict more accurately than a single tree does alone.</a:t>
-            </a:r>
-          </a:p>
-          <a:p>
-            <a:pPr>
-              <a:buFont typeface="Wingdings" panose="05000000000000000000" pitchFamily="2" charset="2"/>
-              <a:buChar char="Ø"/>
-            </a:pPr>
-            <a:r>
-              <a:rPr lang="en-US" dirty="0" smtClean="0"/>
-              <a:t>A </a:t>
-            </a:r>
-            <a:r>
-              <a:rPr lang="en-US" dirty="0"/>
-              <a:t>random forest is a meta estimator that fits a number of classifying decision trees on various sub-samples of the dataset and use averaging to improve the predictive accuracy and control </a:t>
-            </a:r>
-            <a:r>
-              <a:rPr lang="en-US" dirty="0" smtClean="0"/>
-              <a:t>over-fitting.</a:t>
-            </a:r>
-          </a:p>
-          <a:p>
-            <a:pPr>
-              <a:buFont typeface="Wingdings" panose="05000000000000000000" pitchFamily="2" charset="2"/>
-              <a:buChar char="Ø"/>
-            </a:pPr>
-            <a:r>
-              <a:rPr lang="en-US" dirty="0"/>
-              <a:t>T</a:t>
-            </a:r>
-            <a:r>
-              <a:rPr lang="en-US" dirty="0" smtClean="0"/>
-              <a:t>he </a:t>
-            </a:r>
-            <a:r>
-              <a:rPr lang="en-US" dirty="0"/>
-              <a:t>number of trees was set to </a:t>
-            </a:r>
-            <a:r>
-              <a:rPr lang="en-US" dirty="0" smtClean="0"/>
-              <a:t>500.</a:t>
-            </a:r>
-          </a:p>
-          <a:p>
-            <a:pPr>
-              <a:buFont typeface="Wingdings" panose="05000000000000000000" pitchFamily="2" charset="2"/>
-              <a:buChar char="Ø"/>
-            </a:pPr>
-            <a:endParaRPr lang="en-US" dirty="0"/>
+            <a:r>
+              <a:rPr lang="en-US" sz="3600" dirty="0" smtClean="0"/>
+              <a:t>To predict the survival time of the patient suffering from lung cancer using various machine learning techniques.</a:t>
+            </a:r>
+            <a:endParaRPr lang="en-US" sz="3600" dirty="0"/>
           </a:p>
         </p:txBody>
       </p:sp>
     </p:spTree>
     <p:extLst>
       <p:ext uri="{BB962C8B-B14F-4D97-AF65-F5344CB8AC3E}">
-        <p14:creationId xmlns:p14="http://schemas.microsoft.com/office/powerpoint/2010/main" val="3195690604"/>
+        <p14:creationId xmlns:p14="http://schemas.microsoft.com/office/powerpoint/2010/main" val="781307909"/>
       </p:ext>
     </p:extLst>
   </p:cSld>
   <p:clrMapOvr>
     <a:masterClrMapping/>
   </p:clrMapOvr>
-  <p:timing>
-    <p:tnLst>
-      <p:par>
-        <p:cTn id="1" dur="indefinite" restart="never" nodeType="tmRoot"/>
-      </p:par>
-    </p:tnLst>
-  </p:timing>
 </p:sld>
 </file>
 
@@ -4148,7 +5894,7 @@
           <a:p>
             <a:r>
               <a:rPr lang="en-US" dirty="0" smtClean="0"/>
-              <a:t>Gradient Boosting Machines</a:t>
+              <a:t>Introduction</a:t>
             </a:r>
             <a:endParaRPr lang="en-US" dirty="0"/>
           </a:p>
@@ -4166,7 +5912,9 @@
         </p:nvSpPr>
         <p:spPr/>
         <p:txBody>
-          <a:bodyPr/>
+          <a:bodyPr>
+            <a:normAutofit/>
+          </a:bodyPr>
           <a:lstStyle/>
           <a:p>
             <a:pPr>
@@ -4175,7 +5923,35 @@
             </a:pPr>
             <a:r>
               <a:rPr lang="en-US" dirty="0"/>
-              <a:t>Gradient Boosting for regression.</a:t>
+              <a:t>Machine learning uses mathematical algorithms implemented as computer </a:t>
+            </a:r>
+            <a:r>
+              <a:rPr lang="en-US" dirty="0" smtClean="0"/>
+              <a:t>programs to </a:t>
+            </a:r>
+            <a:r>
+              <a:rPr lang="en-US" dirty="0"/>
+              <a:t>identify patterns in large datasets, and to iteratively improve in performing </a:t>
+            </a:r>
+            <a:r>
+              <a:rPr lang="en-US" dirty="0" smtClean="0"/>
+              <a:t>this identification </a:t>
+            </a:r>
+            <a:r>
+              <a:rPr lang="en-US" dirty="0"/>
+              <a:t>with additional data. The algorithms are commonly used in different </a:t>
+            </a:r>
+            <a:r>
+              <a:rPr lang="en-US" dirty="0" smtClean="0"/>
+              <a:t>domains and </a:t>
+            </a:r>
+            <a:r>
+              <a:rPr lang="en-US" dirty="0"/>
+              <a:t>diverse applications. Using these techniques to evaluate disease outcomes can </a:t>
+            </a:r>
+            <a:r>
+              <a:rPr lang="en-US" dirty="0" smtClean="0"/>
+              <a:t>be challenging.</a:t>
             </a:r>
           </a:p>
           <a:p>
@@ -4185,7 +5961,31 @@
             </a:pPr>
             <a:r>
               <a:rPr lang="en-US" dirty="0"/>
-              <a:t>GB builds an additive model in a forward stage-wise fashion; it allows for the optimization of arbitrary differentiable loss functions. In each stage a regression tree is fit on the negative gradient of the given loss function</a:t>
+              <a:t>Machine learning techniques are applied to </a:t>
+            </a:r>
+            <a:r>
+              <a:rPr lang="en-US" dirty="0" smtClean="0"/>
+              <a:t>SEER </a:t>
+            </a:r>
+            <a:r>
+              <a:rPr lang="en-US" dirty="0"/>
+              <a:t>dataset to </a:t>
+            </a:r>
+            <a:r>
+              <a:rPr lang="en-US" dirty="0" err="1"/>
+              <a:t>analyse</a:t>
+            </a:r>
+            <a:r>
+              <a:rPr lang="en-US" dirty="0"/>
+              <a:t> data specific to </a:t>
+            </a:r>
+            <a:r>
+              <a:rPr lang="en-US" dirty="0" smtClean="0"/>
+              <a:t>lung cancer</a:t>
+            </a:r>
+            <a:r>
+              <a:rPr lang="en-US" dirty="0"/>
+              <a:t>, with the goal to evaluate the predictive power of this techniques</a:t>
             </a:r>
             <a:r>
               <a:rPr lang="en-US" dirty="0" smtClean="0"/>
@@ -4198,38 +5998,30 @@
               <a:buChar char="Ø"/>
             </a:pPr>
             <a:r>
+              <a:rPr lang="en-US" dirty="0" smtClean="0"/>
+              <a:t> </a:t>
+            </a:r>
+            <a:r>
               <a:rPr lang="en-US" dirty="0"/>
-              <a:t>L</a:t>
+              <a:t>Lung cancer </a:t>
             </a:r>
             <a:r>
               <a:rPr lang="en-US" dirty="0" smtClean="0"/>
-              <a:t>oss </a:t>
+              <a:t>was chosen </a:t>
             </a:r>
             <a:r>
               <a:rPr lang="en-US" dirty="0"/>
-              <a:t>function to be </a:t>
+              <a:t>as it ranks as a leading cause of cancer-related death, with dismal 5-year </a:t>
             </a:r>
             <a:r>
               <a:rPr lang="en-US" dirty="0" smtClean="0"/>
-              <a:t>optimized </a:t>
-            </a:r>
-            <a:r>
-              <a:rPr lang="en-US" dirty="0" err="1" smtClean="0"/>
-              <a:t>i.e</a:t>
-            </a:r>
-            <a:r>
-              <a:rPr lang="en-US" dirty="0" smtClean="0"/>
-              <a:t> least </a:t>
+              <a:t>survival rates</a:t>
             </a:r>
             <a:r>
               <a:rPr lang="en-US" dirty="0"/>
-              <a:t>squares </a:t>
-            </a:r>
-            <a:r>
-              <a:rPr lang="en-US" dirty="0" smtClean="0"/>
-              <a:t>regression.</a:t>
-            </a:r>
-            <a:endParaRPr lang="en-US" dirty="0"/>
+              <a:t>. </a:t>
+            </a:r>
+            <a:endParaRPr lang="en-US" dirty="0" smtClean="0"/>
           </a:p>
           <a:p>
             <a:pPr>
@@ -4237,84 +6029,44 @@
               <a:buChar char="Ø"/>
             </a:pPr>
             <a:r>
+              <a:rPr lang="en-US" dirty="0" smtClean="0"/>
+              <a:t>Given </a:t>
+            </a:r>
+            <a:r>
               <a:rPr lang="en-US" dirty="0"/>
-              <a:t>L</a:t>
+              <a:t>a dataset of lung cancer patients with particular demographic (e.g., age</a:t>
             </a:r>
             <a:r>
               <a:rPr lang="en-US" dirty="0" smtClean="0"/>
-              <a:t>earning </a:t>
+              <a:t>), diagnostic </a:t>
             </a:r>
             <a:r>
               <a:rPr lang="en-US" dirty="0"/>
-              <a:t>rate shrinks the contribution of each tree by </a:t>
+              <a:t>(e.g., </a:t>
+            </a:r>
+            <a:r>
+              <a:rPr lang="en-US" dirty="0" err="1"/>
+              <a:t>tumour</a:t>
+            </a:r>
+            <a:r>
+              <a:rPr lang="en-US" dirty="0"/>
+              <a:t> size), and procedural information (e.g., Radiation and/or </a:t>
             </a:r>
             <a:r>
               <a:rPr lang="en-US" dirty="0" smtClean="0"/>
-              <a:t>learning rate</a:t>
+              <a:t>Surgery applied</a:t>
             </a:r>
             <a:r>
               <a:rPr lang="en-US" dirty="0"/>
-              <a:t>. There is a trade-off between </a:t>
+              <a:t>), the question is whether patient survival can be computationally predicted with </a:t>
             </a:r>
             <a:r>
               <a:rPr lang="en-US" dirty="0" smtClean="0"/>
-              <a:t>learning rate </a:t>
+              <a:t>any precision</a:t>
             </a:r>
             <a:r>
               <a:rPr lang="en-US" dirty="0"/>
-              <a:t>and </a:t>
-            </a:r>
-            <a:r>
-              <a:rPr lang="en-US" dirty="0" smtClean="0"/>
-              <a:t>n-estimators</a:t>
-            </a:r>
-          </a:p>
-          <a:p>
-            <a:pPr>
-              <a:buFont typeface="Wingdings" panose="05000000000000000000" pitchFamily="2" charset="2"/>
-              <a:buChar char="Ø"/>
-            </a:pPr>
-            <a:r>
-              <a:rPr lang="en-US" dirty="0" smtClean="0"/>
-              <a:t>The </a:t>
-            </a:r>
-            <a:r>
-              <a:rPr lang="en-US" dirty="0"/>
-              <a:t>number of boosting stages to </a:t>
-            </a:r>
-            <a:r>
-              <a:rPr lang="en-US" dirty="0" smtClean="0"/>
-              <a:t>perform are 100. </a:t>
-            </a:r>
-            <a:r>
-              <a:rPr lang="en-US" dirty="0"/>
-              <a:t>Gradient boosting is fairly robust to over-fitting so a large number usually results in better </a:t>
-            </a:r>
-            <a:r>
-              <a:rPr lang="en-US" dirty="0" smtClean="0"/>
-              <a:t>performance</a:t>
-            </a:r>
-          </a:p>
-          <a:p>
-            <a:pPr>
-              <a:buFont typeface="Wingdings" panose="05000000000000000000" pitchFamily="2" charset="2"/>
-              <a:buChar char="Ø"/>
-            </a:pPr>
-            <a:r>
-              <a:rPr lang="en-US" dirty="0" smtClean="0"/>
-              <a:t>The maximum depth of </a:t>
-            </a:r>
-            <a:r>
-              <a:rPr lang="en-US" dirty="0"/>
-              <a:t>the individual regression </a:t>
-            </a:r>
-            <a:r>
-              <a:rPr lang="en-US" dirty="0" smtClean="0"/>
-              <a:t>estimators is 3 .It </a:t>
-            </a:r>
-            <a:r>
-              <a:rPr lang="en-US" dirty="0"/>
-              <a:t>limits the number of nodes in the tree</a:t>
+              <a:t>.</a:t>
             </a:r>
             <a:endParaRPr lang="en-US" dirty="0"/>
           </a:p>
@@ -4323,20 +6075,13 @@
     </p:spTree>
     <p:extLst>
       <p:ext uri="{BB962C8B-B14F-4D97-AF65-F5344CB8AC3E}">
-        <p14:creationId xmlns:p14="http://schemas.microsoft.com/office/powerpoint/2010/main" val="3963204261"/>
+        <p14:creationId xmlns:p14="http://schemas.microsoft.com/office/powerpoint/2010/main" val="3964740925"/>
       </p:ext>
     </p:extLst>
   </p:cSld>
   <p:clrMapOvr>
     <a:masterClrMapping/>
   </p:clrMapOvr>
-  <p:timing>
-    <p:tnLst>
-      <p:par>
-        <p:cTn id="1" dur="indefinite" restart="never" nodeType="tmRoot"/>
-      </p:par>
-    </p:tnLst>
-  </p:timing>
 </p:sld>
 </file>
 
@@ -4374,7 +6119,7 @@
           <a:p>
             <a:r>
               <a:rPr lang="en-US" dirty="0" smtClean="0"/>
-              <a:t>Support Vector Machines</a:t>
+              <a:t>Pre-processing raw data</a:t>
             </a:r>
             <a:endParaRPr lang="en-US" dirty="0"/>
           </a:p>
@@ -4401,15 +6146,7 @@
             </a:pPr>
             <a:r>
               <a:rPr lang="en-US" dirty="0" smtClean="0"/>
-              <a:t> Epsilon-Support </a:t>
-            </a:r>
-            <a:r>
-              <a:rPr lang="en-US" dirty="0"/>
-              <a:t>Vector </a:t>
-            </a:r>
-            <a:r>
-              <a:rPr lang="en-US" dirty="0" smtClean="0"/>
-              <a:t>Regression.</a:t>
+              <a:t>We are converting raw data to comma separated csv file.</a:t>
             </a:r>
           </a:p>
           <a:p>
@@ -4418,60 +6155,8 @@
               <a:buChar char="Ø"/>
             </a:pPr>
             <a:r>
-              <a:rPr lang="en-US" dirty="0"/>
-              <a:t> </a:t>
-            </a:r>
-            <a:r>
               <a:rPr lang="en-US" dirty="0" smtClean="0"/>
-              <a:t>Assuming </a:t>
-            </a:r>
-            <a:r>
-              <a:rPr lang="en-US" dirty="0"/>
-              <a:t>that a set of training data has been labeled </a:t>
-            </a:r>
-            <a:r>
-              <a:rPr lang="en-US" dirty="0" smtClean="0"/>
-              <a:t>as belonging </a:t>
-            </a:r>
-            <a:r>
-              <a:rPr lang="en-US" dirty="0"/>
-              <a:t>to one of two sets, the algorithm represents them in </a:t>
-            </a:r>
-            <a:r>
-              <a:rPr lang="en-US" dirty="0" smtClean="0"/>
-              <a:t>space and </a:t>
-            </a:r>
-            <a:r>
-              <a:rPr lang="en-US" dirty="0"/>
-              <a:t>specifies a hyper-plane maximally distant from both to </a:t>
-            </a:r>
-            <a:r>
-              <a:rPr lang="en-US" dirty="0" smtClean="0"/>
-              <a:t>separate them</a:t>
-            </a:r>
-            <a:r>
-              <a:rPr lang="en-US" dirty="0"/>
-              <a:t>. The plane is called “the maximal margin hyper-plane.” If a </a:t>
-            </a:r>
-            <a:r>
-              <a:rPr lang="en-US" dirty="0" smtClean="0"/>
-              <a:t>linear separation </a:t>
-            </a:r>
-            <a:r>
-              <a:rPr lang="en-US" dirty="0"/>
-              <a:t>is not possible, the algorithm employs kernel methods </a:t>
-            </a:r>
-            <a:r>
-              <a:rPr lang="en-US" dirty="0" smtClean="0"/>
-              <a:t>to obtain </a:t>
-            </a:r>
-            <a:r>
-              <a:rPr lang="en-US" dirty="0"/>
-              <a:t>a non-linear mapping to a feature </a:t>
-            </a:r>
-            <a:r>
-              <a:rPr lang="en-US" dirty="0" smtClean="0"/>
-              <a:t>space.</a:t>
+              <a:t>On this dataset required 19 features are selected.</a:t>
             </a:r>
           </a:p>
           <a:p>
@@ -4481,56 +6166,27 @@
             </a:pPr>
             <a:r>
               <a:rPr lang="en-US" dirty="0" smtClean="0"/>
-              <a:t>Kernel method selected is </a:t>
-            </a:r>
-            <a:r>
-              <a:rPr lang="en-US" dirty="0" err="1" smtClean="0"/>
-              <a:t>rbf</a:t>
-            </a:r>
-            <a:endParaRPr lang="en-US" dirty="0" smtClean="0"/>
-          </a:p>
-          <a:p>
-            <a:pPr>
-              <a:buFont typeface="Wingdings" panose="05000000000000000000" pitchFamily="2" charset="2"/>
-              <a:buChar char="Ø"/>
+              <a:t>Replacing missing and unknown values with zeros</a:t>
+            </a:r>
+          </a:p>
+          <a:p>
+            <a:pPr marL="0" indent="0">
+              <a:buNone/>
             </a:pPr>
-            <a:r>
-              <a:rPr lang="en-US" dirty="0" smtClean="0"/>
-              <a:t>A </a:t>
-            </a:r>
-            <a:r>
-              <a:rPr lang="en-US" dirty="0"/>
-              <a:t>drawback of SVM is that the method can be subject </a:t>
-            </a:r>
-            <a:r>
-              <a:rPr lang="en-US" dirty="0" smtClean="0"/>
-              <a:t>to over-fitting </a:t>
-            </a:r>
-            <a:r>
-              <a:rPr lang="en-US" dirty="0"/>
-              <a:t>when the data is noisy.</a:t>
-            </a:r>
-            <a:endParaRPr lang="en-US" dirty="0" smtClean="0"/>
+            <a:endParaRPr lang="en-US" dirty="0"/>
           </a:p>
         </p:txBody>
       </p:sp>
     </p:spTree>
     <p:extLst>
       <p:ext uri="{BB962C8B-B14F-4D97-AF65-F5344CB8AC3E}">
-        <p14:creationId xmlns:p14="http://schemas.microsoft.com/office/powerpoint/2010/main" val="1896965442"/>
+        <p14:creationId xmlns:p14="http://schemas.microsoft.com/office/powerpoint/2010/main" val="3429045123"/>
       </p:ext>
     </p:extLst>
   </p:cSld>
   <p:clrMapOvr>
     <a:masterClrMapping/>
   </p:clrMapOvr>
-  <p:timing>
-    <p:tnLst>
-      <p:par>
-        <p:cTn id="1" dur="indefinite" restart="never" nodeType="tmRoot"/>
-      </p:par>
-    </p:tnLst>
-  </p:timing>
 </p:sld>
 </file>
 
@@ -4568,119 +6224,4232 @@
           <a:p>
             <a:r>
               <a:rPr lang="en-US" dirty="0" smtClean="0"/>
-              <a:t>Ensemble</a:t>
+              <a:t>Feature Vector</a:t>
             </a:r>
             <a:endParaRPr lang="en-US" dirty="0"/>
           </a:p>
         </p:txBody>
       </p:sp>
-      <p:sp>
-        <p:nvSpPr>
-          <p:cNvPr id="3" name="Content Placeholder 2"/>
-          <p:cNvSpPr>
-            <a:spLocks noGrp="1"/>
-          </p:cNvSpPr>
+      <p:graphicFrame>
+        <p:nvGraphicFramePr>
+          <p:cNvPr id="4" name="Content Placeholder 3"/>
+          <p:cNvGraphicFramePr>
+            <a:graphicFrameLocks noGrp="1"/>
+          </p:cNvGraphicFramePr>
           <p:nvPr>
             <p:ph idx="1"/>
+            <p:extLst>
+              <p:ext uri="{D42A27DB-BD31-4B8C-83A1-F6EECF244321}">
+                <p14:modId xmlns:p14="http://schemas.microsoft.com/office/powerpoint/2010/main" val="3531917561"/>
+              </p:ext>
+            </p:extLst>
           </p:nvPr>
-        </p:nvSpPr>
-        <p:spPr/>
-        <p:txBody>
-          <a:bodyPr/>
-          <a:lstStyle/>
-          <a:p>
-            <a:pPr>
-              <a:buFont typeface="Wingdings" panose="05000000000000000000" pitchFamily="2" charset="2"/>
-              <a:buChar char="Ø"/>
-            </a:pPr>
-            <a:r>
-              <a:rPr lang="en-US" dirty="0" smtClean="0"/>
-              <a:t>A </a:t>
-            </a:r>
-            <a:r>
-              <a:rPr lang="en-US" dirty="0"/>
-              <a:t>custom ensemble method was used to bring all </a:t>
-            </a:r>
-            <a:r>
-              <a:rPr lang="en-US" dirty="0" smtClean="0"/>
-              <a:t>these models together </a:t>
-            </a:r>
-            <a:r>
-              <a:rPr lang="en-US" dirty="0"/>
-              <a:t>for a more accurate </a:t>
-            </a:r>
-            <a:r>
-              <a:rPr lang="en-US" dirty="0" smtClean="0"/>
-              <a:t>prediction.</a:t>
-            </a:r>
-          </a:p>
-          <a:p>
-            <a:pPr>
-              <a:buFont typeface="Wingdings" panose="05000000000000000000" pitchFamily="2" charset="2"/>
-              <a:buChar char="Ø"/>
-            </a:pPr>
-            <a:r>
-              <a:rPr lang="en-US" dirty="0" smtClean="0"/>
-              <a:t>The </a:t>
-            </a:r>
-            <a:r>
-              <a:rPr lang="en-US" dirty="0"/>
-              <a:t>results were expected to be better with </a:t>
-            </a:r>
-            <a:r>
-              <a:rPr lang="en-US" dirty="0" smtClean="0"/>
-              <a:t>the custom </a:t>
-            </a:r>
-            <a:r>
-              <a:rPr lang="en-US" dirty="0"/>
-              <a:t>ensemble than with any single approach, and the ensemble </a:t>
-            </a:r>
-            <a:r>
-              <a:rPr lang="en-US" dirty="0" smtClean="0"/>
-              <a:t>was simple </a:t>
-            </a:r>
-            <a:r>
-              <a:rPr lang="en-US" dirty="0"/>
-              <a:t>to implement and easily adaptable to model </a:t>
-            </a:r>
-            <a:r>
-              <a:rPr lang="en-US" dirty="0" smtClean="0"/>
-              <a:t>adjustments.</a:t>
-            </a:r>
-          </a:p>
-          <a:p>
-            <a:pPr>
-              <a:buFont typeface="Wingdings" panose="05000000000000000000" pitchFamily="2" charset="2"/>
-              <a:buChar char="Ø"/>
-            </a:pPr>
-            <a:endParaRPr lang="en-US" dirty="0" smtClean="0"/>
-          </a:p>
-          <a:p>
-            <a:pPr>
-              <a:buFont typeface="Wingdings" panose="05000000000000000000" pitchFamily="2" charset="2"/>
-              <a:buChar char="Ø"/>
-            </a:pPr>
-            <a:endParaRPr lang="en-US" dirty="0"/>
-          </a:p>
-        </p:txBody>
-      </p:sp>
+        </p:nvGraphicFramePr>
+        <p:xfrm>
+          <a:off x="1870365" y="1768626"/>
+          <a:ext cx="8880761" cy="4163211"/>
+        </p:xfrm>
+        <a:graphic>
+          <a:graphicData uri="http://schemas.openxmlformats.org/drawingml/2006/table">
+            <a:tbl>
+              <a:tblPr/>
+              <a:tblGrid>
+                <a:gridCol w="1288165">
+                  <a:extLst>
+                    <a:ext uri="{9D8B030D-6E8A-4147-A177-3AD203B41FA5}">
+                      <a16:colId xmlns:a16="http://schemas.microsoft.com/office/drawing/2014/main" val="1975930165"/>
+                    </a:ext>
+                  </a:extLst>
+                </a:gridCol>
+                <a:gridCol w="6304431">
+                  <a:extLst>
+                    <a:ext uri="{9D8B030D-6E8A-4147-A177-3AD203B41FA5}">
+                      <a16:colId xmlns:a16="http://schemas.microsoft.com/office/drawing/2014/main" val="2754160951"/>
+                    </a:ext>
+                  </a:extLst>
+                </a:gridCol>
+                <a:gridCol w="1288165">
+                  <a:extLst>
+                    <a:ext uri="{9D8B030D-6E8A-4147-A177-3AD203B41FA5}">
+                      <a16:colId xmlns:a16="http://schemas.microsoft.com/office/drawing/2014/main" val="1960496330"/>
+                    </a:ext>
+                  </a:extLst>
+                </a:gridCol>
+              </a:tblGrid>
+              <a:tr h="194648">
+                <a:tc>
+                  <a:txBody>
+                    <a:bodyPr/>
+                    <a:lstStyle/>
+                    <a:p>
+                      <a:pPr algn="ctr" rtl="0" fontAlgn="t">
+                        <a:spcBef>
+                          <a:spcPts val="0"/>
+                        </a:spcBef>
+                        <a:spcAft>
+                          <a:spcPts val="0"/>
+                        </a:spcAft>
+                      </a:pPr>
+                      <a:r>
+                        <a:rPr lang="en-US" sz="900" b="0" i="0" u="none" strike="noStrike">
+                          <a:solidFill>
+                            <a:srgbClr val="000000"/>
+                          </a:solidFill>
+                          <a:effectLst/>
+                          <a:latin typeface="Times New Roman" panose="02020603050405020304" pitchFamily="18" charset="0"/>
+                        </a:rPr>
+                        <a:t>Number</a:t>
+                      </a:r>
+                      <a:endParaRPr lang="en-US" sz="1300">
+                        <a:effectLst/>
+                      </a:endParaRPr>
+                    </a:p>
+                  </a:txBody>
+                  <a:tcPr marL="48662" marR="48662" marT="32441" marB="32441">
+                    <a:lnL w="6350" cap="flat" cmpd="sng" algn="ctr">
+                      <a:solidFill>
+                        <a:srgbClr val="000000"/>
+                      </a:solidFill>
+                      <a:prstDash val="solid"/>
+                      <a:round/>
+                      <a:headEnd type="none" w="med" len="med"/>
+                      <a:tailEnd type="none" w="med" len="med"/>
+                    </a:lnL>
+                    <a:lnR w="6350" cap="flat" cmpd="sng" algn="ctr">
+                      <a:solidFill>
+                        <a:srgbClr val="000000"/>
+                      </a:solidFill>
+                      <a:prstDash val="solid"/>
+                      <a:round/>
+                      <a:headEnd type="none" w="med" len="med"/>
+                      <a:tailEnd type="none" w="med" len="med"/>
+                    </a:lnR>
+                    <a:lnT w="6350" cap="flat" cmpd="sng" algn="ctr">
+                      <a:solidFill>
+                        <a:srgbClr val="000000"/>
+                      </a:solidFill>
+                      <a:prstDash val="solid"/>
+                      <a:round/>
+                      <a:headEnd type="none" w="med" len="med"/>
+                      <a:tailEnd type="none" w="med" len="med"/>
+                    </a:lnT>
+                    <a:lnB w="6350" cap="flat" cmpd="sng" algn="ctr">
+                      <a:solidFill>
+                        <a:srgbClr val="000000"/>
+                      </a:solidFill>
+                      <a:prstDash val="solid"/>
+                      <a:round/>
+                      <a:headEnd type="none" w="med" len="med"/>
+                      <a:tailEnd type="none" w="med" len="med"/>
+                    </a:lnB>
+                  </a:tcPr>
+                </a:tc>
+                <a:tc>
+                  <a:txBody>
+                    <a:bodyPr/>
+                    <a:lstStyle/>
+                    <a:p>
+                      <a:pPr rtl="0" fontAlgn="t">
+                        <a:spcBef>
+                          <a:spcPts val="0"/>
+                        </a:spcBef>
+                        <a:spcAft>
+                          <a:spcPts val="0"/>
+                        </a:spcAft>
+                      </a:pPr>
+                      <a:r>
+                        <a:rPr lang="en-US" sz="900" b="0" i="0" u="none" strike="noStrike">
+                          <a:solidFill>
+                            <a:srgbClr val="000000"/>
+                          </a:solidFill>
+                          <a:effectLst/>
+                          <a:latin typeface="Times New Roman" panose="02020603050405020304" pitchFamily="18" charset="0"/>
+                        </a:rPr>
+                        <a:t>Attribute</a:t>
+                      </a:r>
+                      <a:endParaRPr lang="en-US" sz="1300">
+                        <a:effectLst/>
+                      </a:endParaRPr>
+                    </a:p>
+                  </a:txBody>
+                  <a:tcPr marL="48662" marR="48662" marT="32441" marB="32441">
+                    <a:lnL w="6350" cap="flat" cmpd="sng" algn="ctr">
+                      <a:solidFill>
+                        <a:srgbClr val="000000"/>
+                      </a:solidFill>
+                      <a:prstDash val="solid"/>
+                      <a:round/>
+                      <a:headEnd type="none" w="med" len="med"/>
+                      <a:tailEnd type="none" w="med" len="med"/>
+                    </a:lnL>
+                    <a:lnR w="6350" cap="flat" cmpd="sng" algn="ctr">
+                      <a:solidFill>
+                        <a:srgbClr val="000000"/>
+                      </a:solidFill>
+                      <a:prstDash val="solid"/>
+                      <a:round/>
+                      <a:headEnd type="none" w="med" len="med"/>
+                      <a:tailEnd type="none" w="med" len="med"/>
+                    </a:lnR>
+                    <a:lnT w="6350" cap="flat" cmpd="sng" algn="ctr">
+                      <a:solidFill>
+                        <a:srgbClr val="000000"/>
+                      </a:solidFill>
+                      <a:prstDash val="solid"/>
+                      <a:round/>
+                      <a:headEnd type="none" w="med" len="med"/>
+                      <a:tailEnd type="none" w="med" len="med"/>
+                    </a:lnT>
+                    <a:lnB w="6350" cap="flat" cmpd="sng" algn="ctr">
+                      <a:solidFill>
+                        <a:srgbClr val="000000"/>
+                      </a:solidFill>
+                      <a:prstDash val="solid"/>
+                      <a:round/>
+                      <a:headEnd type="none" w="med" len="med"/>
+                      <a:tailEnd type="none" w="med" len="med"/>
+                    </a:lnB>
+                  </a:tcPr>
+                </a:tc>
+                <a:tc>
+                  <a:txBody>
+                    <a:bodyPr/>
+                    <a:lstStyle/>
+                    <a:p>
+                      <a:pPr algn="ctr" rtl="0" fontAlgn="t">
+                        <a:spcBef>
+                          <a:spcPts val="0"/>
+                        </a:spcBef>
+                        <a:spcAft>
+                          <a:spcPts val="0"/>
+                        </a:spcAft>
+                      </a:pPr>
+                      <a:r>
+                        <a:rPr lang="en-US" sz="900" b="0" i="0" u="none" strike="noStrike">
+                          <a:solidFill>
+                            <a:srgbClr val="000000"/>
+                          </a:solidFill>
+                          <a:effectLst/>
+                          <a:latin typeface="Times New Roman" panose="02020603050405020304" pitchFamily="18" charset="0"/>
+                        </a:rPr>
+                        <a:t>Type</a:t>
+                      </a:r>
+                      <a:endParaRPr lang="en-US" sz="1300">
+                        <a:effectLst/>
+                      </a:endParaRPr>
+                    </a:p>
+                  </a:txBody>
+                  <a:tcPr marL="48662" marR="48662" marT="32441" marB="32441">
+                    <a:lnL w="6350" cap="flat" cmpd="sng" algn="ctr">
+                      <a:solidFill>
+                        <a:srgbClr val="000000"/>
+                      </a:solidFill>
+                      <a:prstDash val="solid"/>
+                      <a:round/>
+                      <a:headEnd type="none" w="med" len="med"/>
+                      <a:tailEnd type="none" w="med" len="med"/>
+                    </a:lnL>
+                    <a:lnR w="6350" cap="flat" cmpd="sng" algn="ctr">
+                      <a:solidFill>
+                        <a:srgbClr val="000000"/>
+                      </a:solidFill>
+                      <a:prstDash val="solid"/>
+                      <a:round/>
+                      <a:headEnd type="none" w="med" len="med"/>
+                      <a:tailEnd type="none" w="med" len="med"/>
+                    </a:lnR>
+                    <a:lnT w="6350" cap="flat" cmpd="sng" algn="ctr">
+                      <a:solidFill>
+                        <a:srgbClr val="000000"/>
+                      </a:solidFill>
+                      <a:prstDash val="solid"/>
+                      <a:round/>
+                      <a:headEnd type="none" w="med" len="med"/>
+                      <a:tailEnd type="none" w="med" len="med"/>
+                    </a:lnT>
+                    <a:lnB w="6350" cap="flat" cmpd="sng" algn="ctr">
+                      <a:solidFill>
+                        <a:srgbClr val="000000"/>
+                      </a:solidFill>
+                      <a:prstDash val="solid"/>
+                      <a:round/>
+                      <a:headEnd type="none" w="med" len="med"/>
+                      <a:tailEnd type="none" w="med" len="med"/>
+                    </a:lnB>
+                  </a:tcPr>
+                </a:tc>
+                <a:extLst>
+                  <a:ext uri="{0D108BD9-81ED-4DB2-BD59-A6C34878D82A}">
+                    <a16:rowId xmlns:a16="http://schemas.microsoft.com/office/drawing/2014/main" val="1643778887"/>
+                  </a:ext>
+                </a:extLst>
+              </a:tr>
+              <a:tr h="194648">
+                <a:tc>
+                  <a:txBody>
+                    <a:bodyPr/>
+                    <a:lstStyle/>
+                    <a:p>
+                      <a:pPr algn="ctr" rtl="0" fontAlgn="t">
+                        <a:spcBef>
+                          <a:spcPts val="0"/>
+                        </a:spcBef>
+                        <a:spcAft>
+                          <a:spcPts val="0"/>
+                        </a:spcAft>
+                      </a:pPr>
+                      <a:r>
+                        <a:rPr lang="en-US" sz="900" b="0" i="0" u="none" strike="noStrike">
+                          <a:solidFill>
+                            <a:srgbClr val="000000"/>
+                          </a:solidFill>
+                          <a:effectLst/>
+                          <a:latin typeface="Times New Roman" panose="02020603050405020304" pitchFamily="18" charset="0"/>
+                        </a:rPr>
+                        <a:t>1</a:t>
+                      </a:r>
+                      <a:endParaRPr lang="en-US" sz="1300">
+                        <a:effectLst/>
+                      </a:endParaRPr>
+                    </a:p>
+                  </a:txBody>
+                  <a:tcPr marL="48662" marR="48662" marT="32441" marB="32441">
+                    <a:lnL w="6350" cap="flat" cmpd="sng" algn="ctr">
+                      <a:solidFill>
+                        <a:srgbClr val="000000"/>
+                      </a:solidFill>
+                      <a:prstDash val="solid"/>
+                      <a:round/>
+                      <a:headEnd type="none" w="med" len="med"/>
+                      <a:tailEnd type="none" w="med" len="med"/>
+                    </a:lnL>
+                    <a:lnR w="6350" cap="flat" cmpd="sng" algn="ctr">
+                      <a:solidFill>
+                        <a:srgbClr val="000000"/>
+                      </a:solidFill>
+                      <a:prstDash val="solid"/>
+                      <a:round/>
+                      <a:headEnd type="none" w="med" len="med"/>
+                      <a:tailEnd type="none" w="med" len="med"/>
+                    </a:lnR>
+                    <a:lnT w="6350" cap="flat" cmpd="sng" algn="ctr">
+                      <a:solidFill>
+                        <a:srgbClr val="000000"/>
+                      </a:solidFill>
+                      <a:prstDash val="solid"/>
+                      <a:round/>
+                      <a:headEnd type="none" w="med" len="med"/>
+                      <a:tailEnd type="none" w="med" len="med"/>
+                    </a:lnT>
+                    <a:lnB w="6350" cap="flat" cmpd="sng" algn="ctr">
+                      <a:solidFill>
+                        <a:srgbClr val="000000"/>
+                      </a:solidFill>
+                      <a:prstDash val="solid"/>
+                      <a:round/>
+                      <a:headEnd type="none" w="med" len="med"/>
+                      <a:tailEnd type="none" w="med" len="med"/>
+                    </a:lnB>
+                  </a:tcPr>
+                </a:tc>
+                <a:tc>
+                  <a:txBody>
+                    <a:bodyPr/>
+                    <a:lstStyle/>
+                    <a:p>
+                      <a:pPr rtl="0" fontAlgn="t">
+                        <a:spcBef>
+                          <a:spcPts val="0"/>
+                        </a:spcBef>
+                        <a:spcAft>
+                          <a:spcPts val="0"/>
+                        </a:spcAft>
+                      </a:pPr>
+                      <a:r>
+                        <a:rPr lang="en-US" sz="900" b="0" i="0" u="none" strike="noStrike">
+                          <a:solidFill>
+                            <a:srgbClr val="000000"/>
+                          </a:solidFill>
+                          <a:effectLst/>
+                          <a:latin typeface="Times New Roman" panose="02020603050405020304" pitchFamily="18" charset="0"/>
+                        </a:rPr>
+                        <a:t>Age</a:t>
+                      </a:r>
+                      <a:endParaRPr lang="en-US" sz="1300">
+                        <a:effectLst/>
+                      </a:endParaRPr>
+                    </a:p>
+                  </a:txBody>
+                  <a:tcPr marL="48662" marR="48662" marT="32441" marB="32441">
+                    <a:lnL w="6350" cap="flat" cmpd="sng" algn="ctr">
+                      <a:solidFill>
+                        <a:srgbClr val="000000"/>
+                      </a:solidFill>
+                      <a:prstDash val="solid"/>
+                      <a:round/>
+                      <a:headEnd type="none" w="med" len="med"/>
+                      <a:tailEnd type="none" w="med" len="med"/>
+                    </a:lnL>
+                    <a:lnR w="6350" cap="flat" cmpd="sng" algn="ctr">
+                      <a:solidFill>
+                        <a:srgbClr val="000000"/>
+                      </a:solidFill>
+                      <a:prstDash val="solid"/>
+                      <a:round/>
+                      <a:headEnd type="none" w="med" len="med"/>
+                      <a:tailEnd type="none" w="med" len="med"/>
+                    </a:lnR>
+                    <a:lnT w="6350" cap="flat" cmpd="sng" algn="ctr">
+                      <a:solidFill>
+                        <a:srgbClr val="000000"/>
+                      </a:solidFill>
+                      <a:prstDash val="solid"/>
+                      <a:round/>
+                      <a:headEnd type="none" w="med" len="med"/>
+                      <a:tailEnd type="none" w="med" len="med"/>
+                    </a:lnT>
+                    <a:lnB w="6350" cap="flat" cmpd="sng" algn="ctr">
+                      <a:solidFill>
+                        <a:srgbClr val="000000"/>
+                      </a:solidFill>
+                      <a:prstDash val="solid"/>
+                      <a:round/>
+                      <a:headEnd type="none" w="med" len="med"/>
+                      <a:tailEnd type="none" w="med" len="med"/>
+                    </a:lnB>
+                  </a:tcPr>
+                </a:tc>
+                <a:tc>
+                  <a:txBody>
+                    <a:bodyPr/>
+                    <a:lstStyle/>
+                    <a:p>
+                      <a:pPr algn="ctr" rtl="0" fontAlgn="t">
+                        <a:spcBef>
+                          <a:spcPts val="0"/>
+                        </a:spcBef>
+                        <a:spcAft>
+                          <a:spcPts val="0"/>
+                        </a:spcAft>
+                      </a:pPr>
+                      <a:r>
+                        <a:rPr lang="en-US" sz="900" b="0" i="0" u="none" strike="noStrike">
+                          <a:solidFill>
+                            <a:srgbClr val="000000"/>
+                          </a:solidFill>
+                          <a:effectLst/>
+                          <a:latin typeface="Times New Roman" panose="02020603050405020304" pitchFamily="18" charset="0"/>
+                        </a:rPr>
+                        <a:t>Discrete</a:t>
+                      </a:r>
+                      <a:endParaRPr lang="en-US" sz="1300">
+                        <a:effectLst/>
+                      </a:endParaRPr>
+                    </a:p>
+                  </a:txBody>
+                  <a:tcPr marL="48662" marR="48662" marT="32441" marB="32441">
+                    <a:lnL w="6350" cap="flat" cmpd="sng" algn="ctr">
+                      <a:solidFill>
+                        <a:srgbClr val="000000"/>
+                      </a:solidFill>
+                      <a:prstDash val="solid"/>
+                      <a:round/>
+                      <a:headEnd type="none" w="med" len="med"/>
+                      <a:tailEnd type="none" w="med" len="med"/>
+                    </a:lnL>
+                    <a:lnR w="6350" cap="flat" cmpd="sng" algn="ctr">
+                      <a:solidFill>
+                        <a:srgbClr val="000000"/>
+                      </a:solidFill>
+                      <a:prstDash val="solid"/>
+                      <a:round/>
+                      <a:headEnd type="none" w="med" len="med"/>
+                      <a:tailEnd type="none" w="med" len="med"/>
+                    </a:lnR>
+                    <a:lnT w="6350" cap="flat" cmpd="sng" algn="ctr">
+                      <a:solidFill>
+                        <a:srgbClr val="000000"/>
+                      </a:solidFill>
+                      <a:prstDash val="solid"/>
+                      <a:round/>
+                      <a:headEnd type="none" w="med" len="med"/>
+                      <a:tailEnd type="none" w="med" len="med"/>
+                    </a:lnT>
+                    <a:lnB w="6350" cap="flat" cmpd="sng" algn="ctr">
+                      <a:solidFill>
+                        <a:srgbClr val="000000"/>
+                      </a:solidFill>
+                      <a:prstDash val="solid"/>
+                      <a:round/>
+                      <a:headEnd type="none" w="med" len="med"/>
+                      <a:tailEnd type="none" w="med" len="med"/>
+                    </a:lnB>
+                  </a:tcPr>
+                </a:tc>
+                <a:extLst>
+                  <a:ext uri="{0D108BD9-81ED-4DB2-BD59-A6C34878D82A}">
+                    <a16:rowId xmlns:a16="http://schemas.microsoft.com/office/drawing/2014/main" val="186105224"/>
+                  </a:ext>
+                </a:extLst>
+              </a:tr>
+              <a:tr h="194648">
+                <a:tc>
+                  <a:txBody>
+                    <a:bodyPr/>
+                    <a:lstStyle/>
+                    <a:p>
+                      <a:pPr algn="ctr" rtl="0" fontAlgn="t">
+                        <a:spcBef>
+                          <a:spcPts val="0"/>
+                        </a:spcBef>
+                        <a:spcAft>
+                          <a:spcPts val="0"/>
+                        </a:spcAft>
+                      </a:pPr>
+                      <a:r>
+                        <a:rPr lang="en-US" sz="900" b="0" i="0" u="none" strike="noStrike">
+                          <a:solidFill>
+                            <a:srgbClr val="000000"/>
+                          </a:solidFill>
+                          <a:effectLst/>
+                          <a:latin typeface="Times New Roman" panose="02020603050405020304" pitchFamily="18" charset="0"/>
+                        </a:rPr>
+                        <a:t>2</a:t>
+                      </a:r>
+                      <a:endParaRPr lang="en-US" sz="1300">
+                        <a:effectLst/>
+                      </a:endParaRPr>
+                    </a:p>
+                  </a:txBody>
+                  <a:tcPr marL="48662" marR="48662" marT="32441" marB="32441">
+                    <a:lnL w="6350" cap="flat" cmpd="sng" algn="ctr">
+                      <a:solidFill>
+                        <a:srgbClr val="000000"/>
+                      </a:solidFill>
+                      <a:prstDash val="solid"/>
+                      <a:round/>
+                      <a:headEnd type="none" w="med" len="med"/>
+                      <a:tailEnd type="none" w="med" len="med"/>
+                    </a:lnL>
+                    <a:lnR w="6350" cap="flat" cmpd="sng" algn="ctr">
+                      <a:solidFill>
+                        <a:srgbClr val="000000"/>
+                      </a:solidFill>
+                      <a:prstDash val="solid"/>
+                      <a:round/>
+                      <a:headEnd type="none" w="med" len="med"/>
+                      <a:tailEnd type="none" w="med" len="med"/>
+                    </a:lnR>
+                    <a:lnT w="6350" cap="flat" cmpd="sng" algn="ctr">
+                      <a:solidFill>
+                        <a:srgbClr val="000000"/>
+                      </a:solidFill>
+                      <a:prstDash val="solid"/>
+                      <a:round/>
+                      <a:headEnd type="none" w="med" len="med"/>
+                      <a:tailEnd type="none" w="med" len="med"/>
+                    </a:lnT>
+                    <a:lnB w="6350" cap="flat" cmpd="sng" algn="ctr">
+                      <a:solidFill>
+                        <a:srgbClr val="000000"/>
+                      </a:solidFill>
+                      <a:prstDash val="solid"/>
+                      <a:round/>
+                      <a:headEnd type="none" w="med" len="med"/>
+                      <a:tailEnd type="none" w="med" len="med"/>
+                    </a:lnB>
+                  </a:tcPr>
+                </a:tc>
+                <a:tc>
+                  <a:txBody>
+                    <a:bodyPr/>
+                    <a:lstStyle/>
+                    <a:p>
+                      <a:pPr rtl="0" fontAlgn="t">
+                        <a:spcBef>
+                          <a:spcPts val="0"/>
+                        </a:spcBef>
+                        <a:spcAft>
+                          <a:spcPts val="0"/>
+                        </a:spcAft>
+                      </a:pPr>
+                      <a:r>
+                        <a:rPr lang="en-US" sz="900" b="0" i="0" u="none" strike="noStrike">
+                          <a:solidFill>
+                            <a:srgbClr val="000000"/>
+                          </a:solidFill>
+                          <a:effectLst/>
+                          <a:latin typeface="Times New Roman" panose="02020603050405020304" pitchFamily="18" charset="0"/>
+                        </a:rPr>
+                        <a:t>Grade</a:t>
+                      </a:r>
+                      <a:endParaRPr lang="en-US" sz="1300">
+                        <a:effectLst/>
+                      </a:endParaRPr>
+                    </a:p>
+                  </a:txBody>
+                  <a:tcPr marL="48662" marR="48662" marT="32441" marB="32441">
+                    <a:lnL w="6350" cap="flat" cmpd="sng" algn="ctr">
+                      <a:solidFill>
+                        <a:srgbClr val="000000"/>
+                      </a:solidFill>
+                      <a:prstDash val="solid"/>
+                      <a:round/>
+                      <a:headEnd type="none" w="med" len="med"/>
+                      <a:tailEnd type="none" w="med" len="med"/>
+                    </a:lnL>
+                    <a:lnR w="6350" cap="flat" cmpd="sng" algn="ctr">
+                      <a:solidFill>
+                        <a:srgbClr val="000000"/>
+                      </a:solidFill>
+                      <a:prstDash val="solid"/>
+                      <a:round/>
+                      <a:headEnd type="none" w="med" len="med"/>
+                      <a:tailEnd type="none" w="med" len="med"/>
+                    </a:lnR>
+                    <a:lnT w="6350" cap="flat" cmpd="sng" algn="ctr">
+                      <a:solidFill>
+                        <a:srgbClr val="000000"/>
+                      </a:solidFill>
+                      <a:prstDash val="solid"/>
+                      <a:round/>
+                      <a:headEnd type="none" w="med" len="med"/>
+                      <a:tailEnd type="none" w="med" len="med"/>
+                    </a:lnT>
+                    <a:lnB w="6350" cap="flat" cmpd="sng" algn="ctr">
+                      <a:solidFill>
+                        <a:srgbClr val="000000"/>
+                      </a:solidFill>
+                      <a:prstDash val="solid"/>
+                      <a:round/>
+                      <a:headEnd type="none" w="med" len="med"/>
+                      <a:tailEnd type="none" w="med" len="med"/>
+                    </a:lnB>
+                  </a:tcPr>
+                </a:tc>
+                <a:tc>
+                  <a:txBody>
+                    <a:bodyPr/>
+                    <a:lstStyle/>
+                    <a:p>
+                      <a:pPr algn="ctr" rtl="0" fontAlgn="t">
+                        <a:spcBef>
+                          <a:spcPts val="0"/>
+                        </a:spcBef>
+                        <a:spcAft>
+                          <a:spcPts val="0"/>
+                        </a:spcAft>
+                      </a:pPr>
+                      <a:r>
+                        <a:rPr lang="en-US" sz="900" b="0" i="0" u="none" strike="noStrike">
+                          <a:solidFill>
+                            <a:srgbClr val="000000"/>
+                          </a:solidFill>
+                          <a:effectLst/>
+                          <a:latin typeface="Times New Roman" panose="02020603050405020304" pitchFamily="18" charset="0"/>
+                        </a:rPr>
+                        <a:t>Numeric</a:t>
+                      </a:r>
+                      <a:endParaRPr lang="en-US" sz="1300">
+                        <a:effectLst/>
+                      </a:endParaRPr>
+                    </a:p>
+                  </a:txBody>
+                  <a:tcPr marL="48662" marR="48662" marT="32441" marB="32441">
+                    <a:lnL w="6350" cap="flat" cmpd="sng" algn="ctr">
+                      <a:solidFill>
+                        <a:srgbClr val="000000"/>
+                      </a:solidFill>
+                      <a:prstDash val="solid"/>
+                      <a:round/>
+                      <a:headEnd type="none" w="med" len="med"/>
+                      <a:tailEnd type="none" w="med" len="med"/>
+                    </a:lnL>
+                    <a:lnR w="6350" cap="flat" cmpd="sng" algn="ctr">
+                      <a:solidFill>
+                        <a:srgbClr val="000000"/>
+                      </a:solidFill>
+                      <a:prstDash val="solid"/>
+                      <a:round/>
+                      <a:headEnd type="none" w="med" len="med"/>
+                      <a:tailEnd type="none" w="med" len="med"/>
+                    </a:lnR>
+                    <a:lnT w="6350" cap="flat" cmpd="sng" algn="ctr">
+                      <a:solidFill>
+                        <a:srgbClr val="000000"/>
+                      </a:solidFill>
+                      <a:prstDash val="solid"/>
+                      <a:round/>
+                      <a:headEnd type="none" w="med" len="med"/>
+                      <a:tailEnd type="none" w="med" len="med"/>
+                    </a:lnT>
+                    <a:lnB w="6350" cap="flat" cmpd="sng" algn="ctr">
+                      <a:solidFill>
+                        <a:srgbClr val="000000"/>
+                      </a:solidFill>
+                      <a:prstDash val="solid"/>
+                      <a:round/>
+                      <a:headEnd type="none" w="med" len="med"/>
+                      <a:tailEnd type="none" w="med" len="med"/>
+                    </a:lnB>
+                  </a:tcPr>
+                </a:tc>
+                <a:extLst>
+                  <a:ext uri="{0D108BD9-81ED-4DB2-BD59-A6C34878D82A}">
+                    <a16:rowId xmlns:a16="http://schemas.microsoft.com/office/drawing/2014/main" val="117379747"/>
+                  </a:ext>
+                </a:extLst>
+              </a:tr>
+              <a:tr h="194648">
+                <a:tc>
+                  <a:txBody>
+                    <a:bodyPr/>
+                    <a:lstStyle/>
+                    <a:p>
+                      <a:pPr algn="ctr" rtl="0" fontAlgn="t">
+                        <a:spcBef>
+                          <a:spcPts val="0"/>
+                        </a:spcBef>
+                        <a:spcAft>
+                          <a:spcPts val="0"/>
+                        </a:spcAft>
+                      </a:pPr>
+                      <a:r>
+                        <a:rPr lang="en-US" sz="900" b="0" i="0" u="none" strike="noStrike">
+                          <a:solidFill>
+                            <a:srgbClr val="000000"/>
+                          </a:solidFill>
+                          <a:effectLst/>
+                          <a:latin typeface="Times New Roman" panose="02020603050405020304" pitchFamily="18" charset="0"/>
+                        </a:rPr>
+                        <a:t>3</a:t>
+                      </a:r>
+                      <a:endParaRPr lang="en-US" sz="1300">
+                        <a:effectLst/>
+                      </a:endParaRPr>
+                    </a:p>
+                  </a:txBody>
+                  <a:tcPr marL="48662" marR="48662" marT="32441" marB="32441">
+                    <a:lnL w="6350" cap="flat" cmpd="sng" algn="ctr">
+                      <a:solidFill>
+                        <a:srgbClr val="000000"/>
+                      </a:solidFill>
+                      <a:prstDash val="solid"/>
+                      <a:round/>
+                      <a:headEnd type="none" w="med" len="med"/>
+                      <a:tailEnd type="none" w="med" len="med"/>
+                    </a:lnL>
+                    <a:lnR w="6350" cap="flat" cmpd="sng" algn="ctr">
+                      <a:solidFill>
+                        <a:srgbClr val="000000"/>
+                      </a:solidFill>
+                      <a:prstDash val="solid"/>
+                      <a:round/>
+                      <a:headEnd type="none" w="med" len="med"/>
+                      <a:tailEnd type="none" w="med" len="med"/>
+                    </a:lnR>
+                    <a:lnT w="6350" cap="flat" cmpd="sng" algn="ctr">
+                      <a:solidFill>
+                        <a:srgbClr val="000000"/>
+                      </a:solidFill>
+                      <a:prstDash val="solid"/>
+                      <a:round/>
+                      <a:headEnd type="none" w="med" len="med"/>
+                      <a:tailEnd type="none" w="med" len="med"/>
+                    </a:lnT>
+                    <a:lnB w="6350" cap="flat" cmpd="sng" algn="ctr">
+                      <a:solidFill>
+                        <a:srgbClr val="000000"/>
+                      </a:solidFill>
+                      <a:prstDash val="solid"/>
+                      <a:round/>
+                      <a:headEnd type="none" w="med" len="med"/>
+                      <a:tailEnd type="none" w="med" len="med"/>
+                    </a:lnB>
+                  </a:tcPr>
+                </a:tc>
+                <a:tc>
+                  <a:txBody>
+                    <a:bodyPr/>
+                    <a:lstStyle/>
+                    <a:p>
+                      <a:pPr rtl="0" fontAlgn="t">
+                        <a:spcBef>
+                          <a:spcPts val="0"/>
+                        </a:spcBef>
+                        <a:spcAft>
+                          <a:spcPts val="0"/>
+                        </a:spcAft>
+                      </a:pPr>
+                      <a:r>
+                        <a:rPr lang="en-US" sz="900" b="0" i="0" u="none" strike="noStrike">
+                          <a:solidFill>
+                            <a:srgbClr val="000000"/>
+                          </a:solidFill>
+                          <a:effectLst/>
+                          <a:latin typeface="Times New Roman" panose="02020603050405020304" pitchFamily="18" charset="0"/>
+                        </a:rPr>
+                        <a:t>Radiation Sequence with surgery</a:t>
+                      </a:r>
+                      <a:endParaRPr lang="en-US" sz="1300">
+                        <a:effectLst/>
+                      </a:endParaRPr>
+                    </a:p>
+                  </a:txBody>
+                  <a:tcPr marL="48662" marR="48662" marT="32441" marB="32441">
+                    <a:lnL w="6350" cap="flat" cmpd="sng" algn="ctr">
+                      <a:solidFill>
+                        <a:srgbClr val="000000"/>
+                      </a:solidFill>
+                      <a:prstDash val="solid"/>
+                      <a:round/>
+                      <a:headEnd type="none" w="med" len="med"/>
+                      <a:tailEnd type="none" w="med" len="med"/>
+                    </a:lnL>
+                    <a:lnR w="6350" cap="flat" cmpd="sng" algn="ctr">
+                      <a:solidFill>
+                        <a:srgbClr val="000000"/>
+                      </a:solidFill>
+                      <a:prstDash val="solid"/>
+                      <a:round/>
+                      <a:headEnd type="none" w="med" len="med"/>
+                      <a:tailEnd type="none" w="med" len="med"/>
+                    </a:lnR>
+                    <a:lnT w="6350" cap="flat" cmpd="sng" algn="ctr">
+                      <a:solidFill>
+                        <a:srgbClr val="000000"/>
+                      </a:solidFill>
+                      <a:prstDash val="solid"/>
+                      <a:round/>
+                      <a:headEnd type="none" w="med" len="med"/>
+                      <a:tailEnd type="none" w="med" len="med"/>
+                    </a:lnT>
+                    <a:lnB w="6350" cap="flat" cmpd="sng" algn="ctr">
+                      <a:solidFill>
+                        <a:srgbClr val="000000"/>
+                      </a:solidFill>
+                      <a:prstDash val="solid"/>
+                      <a:round/>
+                      <a:headEnd type="none" w="med" len="med"/>
+                      <a:tailEnd type="none" w="med" len="med"/>
+                    </a:lnB>
+                  </a:tcPr>
+                </a:tc>
+                <a:tc>
+                  <a:txBody>
+                    <a:bodyPr/>
+                    <a:lstStyle/>
+                    <a:p>
+                      <a:pPr algn="ctr" rtl="0" fontAlgn="t">
+                        <a:spcBef>
+                          <a:spcPts val="0"/>
+                        </a:spcBef>
+                        <a:spcAft>
+                          <a:spcPts val="0"/>
+                        </a:spcAft>
+                      </a:pPr>
+                      <a:r>
+                        <a:rPr lang="en-US" sz="900" b="0" i="0" u="none" strike="noStrike">
+                          <a:solidFill>
+                            <a:srgbClr val="000000"/>
+                          </a:solidFill>
+                          <a:effectLst/>
+                          <a:latin typeface="Times New Roman" panose="02020603050405020304" pitchFamily="18" charset="0"/>
+                        </a:rPr>
+                        <a:t>Numeric</a:t>
+                      </a:r>
+                      <a:endParaRPr lang="en-US" sz="1300">
+                        <a:effectLst/>
+                      </a:endParaRPr>
+                    </a:p>
+                  </a:txBody>
+                  <a:tcPr marL="48662" marR="48662" marT="32441" marB="32441">
+                    <a:lnL w="6350" cap="flat" cmpd="sng" algn="ctr">
+                      <a:solidFill>
+                        <a:srgbClr val="000000"/>
+                      </a:solidFill>
+                      <a:prstDash val="solid"/>
+                      <a:round/>
+                      <a:headEnd type="none" w="med" len="med"/>
+                      <a:tailEnd type="none" w="med" len="med"/>
+                    </a:lnL>
+                    <a:lnR w="6350" cap="flat" cmpd="sng" algn="ctr">
+                      <a:solidFill>
+                        <a:srgbClr val="000000"/>
+                      </a:solidFill>
+                      <a:prstDash val="solid"/>
+                      <a:round/>
+                      <a:headEnd type="none" w="med" len="med"/>
+                      <a:tailEnd type="none" w="med" len="med"/>
+                    </a:lnR>
+                    <a:lnT w="6350" cap="flat" cmpd="sng" algn="ctr">
+                      <a:solidFill>
+                        <a:srgbClr val="000000"/>
+                      </a:solidFill>
+                      <a:prstDash val="solid"/>
+                      <a:round/>
+                      <a:headEnd type="none" w="med" len="med"/>
+                      <a:tailEnd type="none" w="med" len="med"/>
+                    </a:lnT>
+                    <a:lnB w="6350" cap="flat" cmpd="sng" algn="ctr">
+                      <a:solidFill>
+                        <a:srgbClr val="000000"/>
+                      </a:solidFill>
+                      <a:prstDash val="solid"/>
+                      <a:round/>
+                      <a:headEnd type="none" w="med" len="med"/>
+                      <a:tailEnd type="none" w="med" len="med"/>
+                    </a:lnB>
+                  </a:tcPr>
+                </a:tc>
+                <a:extLst>
+                  <a:ext uri="{0D108BD9-81ED-4DB2-BD59-A6C34878D82A}">
+                    <a16:rowId xmlns:a16="http://schemas.microsoft.com/office/drawing/2014/main" val="3949549117"/>
+                  </a:ext>
+                </a:extLst>
+              </a:tr>
+              <a:tr h="194648">
+                <a:tc>
+                  <a:txBody>
+                    <a:bodyPr/>
+                    <a:lstStyle/>
+                    <a:p>
+                      <a:pPr algn="ctr" rtl="0" fontAlgn="t">
+                        <a:spcBef>
+                          <a:spcPts val="0"/>
+                        </a:spcBef>
+                        <a:spcAft>
+                          <a:spcPts val="0"/>
+                        </a:spcAft>
+                      </a:pPr>
+                      <a:r>
+                        <a:rPr lang="en-US" sz="900" b="0" i="0" u="none" strike="noStrike">
+                          <a:solidFill>
+                            <a:srgbClr val="000000"/>
+                          </a:solidFill>
+                          <a:effectLst/>
+                          <a:latin typeface="Times New Roman" panose="02020603050405020304" pitchFamily="18" charset="0"/>
+                        </a:rPr>
+                        <a:t>4</a:t>
+                      </a:r>
+                      <a:endParaRPr lang="en-US" sz="1300">
+                        <a:effectLst/>
+                      </a:endParaRPr>
+                    </a:p>
+                  </a:txBody>
+                  <a:tcPr marL="48662" marR="48662" marT="32441" marB="32441">
+                    <a:lnL w="6350" cap="flat" cmpd="sng" algn="ctr">
+                      <a:solidFill>
+                        <a:srgbClr val="000000"/>
+                      </a:solidFill>
+                      <a:prstDash val="solid"/>
+                      <a:round/>
+                      <a:headEnd type="none" w="med" len="med"/>
+                      <a:tailEnd type="none" w="med" len="med"/>
+                    </a:lnL>
+                    <a:lnR w="6350" cap="flat" cmpd="sng" algn="ctr">
+                      <a:solidFill>
+                        <a:srgbClr val="000000"/>
+                      </a:solidFill>
+                      <a:prstDash val="solid"/>
+                      <a:round/>
+                      <a:headEnd type="none" w="med" len="med"/>
+                      <a:tailEnd type="none" w="med" len="med"/>
+                    </a:lnR>
+                    <a:lnT w="6350" cap="flat" cmpd="sng" algn="ctr">
+                      <a:solidFill>
+                        <a:srgbClr val="000000"/>
+                      </a:solidFill>
+                      <a:prstDash val="solid"/>
+                      <a:round/>
+                      <a:headEnd type="none" w="med" len="med"/>
+                      <a:tailEnd type="none" w="med" len="med"/>
+                    </a:lnT>
+                    <a:lnB w="6350" cap="flat" cmpd="sng" algn="ctr">
+                      <a:solidFill>
+                        <a:srgbClr val="000000"/>
+                      </a:solidFill>
+                      <a:prstDash val="solid"/>
+                      <a:round/>
+                      <a:headEnd type="none" w="med" len="med"/>
+                      <a:tailEnd type="none" w="med" len="med"/>
+                    </a:lnB>
+                  </a:tcPr>
+                </a:tc>
+                <a:tc>
+                  <a:txBody>
+                    <a:bodyPr/>
+                    <a:lstStyle/>
+                    <a:p>
+                      <a:pPr rtl="0" fontAlgn="t">
+                        <a:spcBef>
+                          <a:spcPts val="0"/>
+                        </a:spcBef>
+                        <a:spcAft>
+                          <a:spcPts val="0"/>
+                        </a:spcAft>
+                      </a:pPr>
+                      <a:r>
+                        <a:rPr lang="en-US" sz="900" b="0" i="0" u="none" strike="noStrike">
+                          <a:solidFill>
+                            <a:srgbClr val="000000"/>
+                          </a:solidFill>
+                          <a:effectLst/>
+                          <a:latin typeface="Times New Roman" panose="02020603050405020304" pitchFamily="18" charset="0"/>
+                        </a:rPr>
+                        <a:t>Number of Primaries</a:t>
+                      </a:r>
+                      <a:endParaRPr lang="en-US" sz="1300">
+                        <a:effectLst/>
+                      </a:endParaRPr>
+                    </a:p>
+                  </a:txBody>
+                  <a:tcPr marL="48662" marR="48662" marT="32441" marB="32441">
+                    <a:lnL w="6350" cap="flat" cmpd="sng" algn="ctr">
+                      <a:solidFill>
+                        <a:srgbClr val="000000"/>
+                      </a:solidFill>
+                      <a:prstDash val="solid"/>
+                      <a:round/>
+                      <a:headEnd type="none" w="med" len="med"/>
+                      <a:tailEnd type="none" w="med" len="med"/>
+                    </a:lnL>
+                    <a:lnR w="6350" cap="flat" cmpd="sng" algn="ctr">
+                      <a:solidFill>
+                        <a:srgbClr val="000000"/>
+                      </a:solidFill>
+                      <a:prstDash val="solid"/>
+                      <a:round/>
+                      <a:headEnd type="none" w="med" len="med"/>
+                      <a:tailEnd type="none" w="med" len="med"/>
+                    </a:lnR>
+                    <a:lnT w="6350" cap="flat" cmpd="sng" algn="ctr">
+                      <a:solidFill>
+                        <a:srgbClr val="000000"/>
+                      </a:solidFill>
+                      <a:prstDash val="solid"/>
+                      <a:round/>
+                      <a:headEnd type="none" w="med" len="med"/>
+                      <a:tailEnd type="none" w="med" len="med"/>
+                    </a:lnT>
+                    <a:lnB w="6350" cap="flat" cmpd="sng" algn="ctr">
+                      <a:solidFill>
+                        <a:srgbClr val="000000"/>
+                      </a:solidFill>
+                      <a:prstDash val="solid"/>
+                      <a:round/>
+                      <a:headEnd type="none" w="med" len="med"/>
+                      <a:tailEnd type="none" w="med" len="med"/>
+                    </a:lnB>
+                  </a:tcPr>
+                </a:tc>
+                <a:tc>
+                  <a:txBody>
+                    <a:bodyPr/>
+                    <a:lstStyle/>
+                    <a:p>
+                      <a:pPr algn="ctr" rtl="0" fontAlgn="t">
+                        <a:spcBef>
+                          <a:spcPts val="0"/>
+                        </a:spcBef>
+                        <a:spcAft>
+                          <a:spcPts val="0"/>
+                        </a:spcAft>
+                      </a:pPr>
+                      <a:r>
+                        <a:rPr lang="en-US" sz="900" b="0" i="0" u="none" strike="noStrike">
+                          <a:solidFill>
+                            <a:srgbClr val="000000"/>
+                          </a:solidFill>
+                          <a:effectLst/>
+                          <a:latin typeface="Times New Roman" panose="02020603050405020304" pitchFamily="18" charset="0"/>
+                        </a:rPr>
+                        <a:t>Discrete</a:t>
+                      </a:r>
+                      <a:endParaRPr lang="en-US" sz="1300">
+                        <a:effectLst/>
+                      </a:endParaRPr>
+                    </a:p>
+                  </a:txBody>
+                  <a:tcPr marL="48662" marR="48662" marT="32441" marB="32441">
+                    <a:lnL w="6350" cap="flat" cmpd="sng" algn="ctr">
+                      <a:solidFill>
+                        <a:srgbClr val="000000"/>
+                      </a:solidFill>
+                      <a:prstDash val="solid"/>
+                      <a:round/>
+                      <a:headEnd type="none" w="med" len="med"/>
+                      <a:tailEnd type="none" w="med" len="med"/>
+                    </a:lnL>
+                    <a:lnR w="6350" cap="flat" cmpd="sng" algn="ctr">
+                      <a:solidFill>
+                        <a:srgbClr val="000000"/>
+                      </a:solidFill>
+                      <a:prstDash val="solid"/>
+                      <a:round/>
+                      <a:headEnd type="none" w="med" len="med"/>
+                      <a:tailEnd type="none" w="med" len="med"/>
+                    </a:lnR>
+                    <a:lnT w="6350" cap="flat" cmpd="sng" algn="ctr">
+                      <a:solidFill>
+                        <a:srgbClr val="000000"/>
+                      </a:solidFill>
+                      <a:prstDash val="solid"/>
+                      <a:round/>
+                      <a:headEnd type="none" w="med" len="med"/>
+                      <a:tailEnd type="none" w="med" len="med"/>
+                    </a:lnT>
+                    <a:lnB w="6350" cap="flat" cmpd="sng" algn="ctr">
+                      <a:solidFill>
+                        <a:srgbClr val="000000"/>
+                      </a:solidFill>
+                      <a:prstDash val="solid"/>
+                      <a:round/>
+                      <a:headEnd type="none" w="med" len="med"/>
+                      <a:tailEnd type="none" w="med" len="med"/>
+                    </a:lnB>
+                  </a:tcPr>
+                </a:tc>
+                <a:extLst>
+                  <a:ext uri="{0D108BD9-81ED-4DB2-BD59-A6C34878D82A}">
+                    <a16:rowId xmlns:a16="http://schemas.microsoft.com/office/drawing/2014/main" val="602342418"/>
+                  </a:ext>
+                </a:extLst>
+              </a:tr>
+              <a:tr h="194648">
+                <a:tc>
+                  <a:txBody>
+                    <a:bodyPr/>
+                    <a:lstStyle/>
+                    <a:p>
+                      <a:pPr algn="ctr" rtl="0" fontAlgn="t">
+                        <a:spcBef>
+                          <a:spcPts val="0"/>
+                        </a:spcBef>
+                        <a:spcAft>
+                          <a:spcPts val="0"/>
+                        </a:spcAft>
+                      </a:pPr>
+                      <a:r>
+                        <a:rPr lang="en-US" sz="900" b="0" i="0" u="none" strike="noStrike">
+                          <a:solidFill>
+                            <a:srgbClr val="000000"/>
+                          </a:solidFill>
+                          <a:effectLst/>
+                          <a:latin typeface="Times New Roman" panose="02020603050405020304" pitchFamily="18" charset="0"/>
+                        </a:rPr>
+                        <a:t>5</a:t>
+                      </a:r>
+                      <a:endParaRPr lang="en-US" sz="1300">
+                        <a:effectLst/>
+                      </a:endParaRPr>
+                    </a:p>
+                  </a:txBody>
+                  <a:tcPr marL="48662" marR="48662" marT="32441" marB="32441">
+                    <a:lnL w="6350" cap="flat" cmpd="sng" algn="ctr">
+                      <a:solidFill>
+                        <a:srgbClr val="000000"/>
+                      </a:solidFill>
+                      <a:prstDash val="solid"/>
+                      <a:round/>
+                      <a:headEnd type="none" w="med" len="med"/>
+                      <a:tailEnd type="none" w="med" len="med"/>
+                    </a:lnL>
+                    <a:lnR w="6350" cap="flat" cmpd="sng" algn="ctr">
+                      <a:solidFill>
+                        <a:srgbClr val="000000"/>
+                      </a:solidFill>
+                      <a:prstDash val="solid"/>
+                      <a:round/>
+                      <a:headEnd type="none" w="med" len="med"/>
+                      <a:tailEnd type="none" w="med" len="med"/>
+                    </a:lnR>
+                    <a:lnT w="6350" cap="flat" cmpd="sng" algn="ctr">
+                      <a:solidFill>
+                        <a:srgbClr val="000000"/>
+                      </a:solidFill>
+                      <a:prstDash val="solid"/>
+                      <a:round/>
+                      <a:headEnd type="none" w="med" len="med"/>
+                      <a:tailEnd type="none" w="med" len="med"/>
+                    </a:lnT>
+                    <a:lnB w="6350" cap="flat" cmpd="sng" algn="ctr">
+                      <a:solidFill>
+                        <a:srgbClr val="000000"/>
+                      </a:solidFill>
+                      <a:prstDash val="solid"/>
+                      <a:round/>
+                      <a:headEnd type="none" w="med" len="med"/>
+                      <a:tailEnd type="none" w="med" len="med"/>
+                    </a:lnB>
+                  </a:tcPr>
+                </a:tc>
+                <a:tc>
+                  <a:txBody>
+                    <a:bodyPr/>
+                    <a:lstStyle/>
+                    <a:p>
+                      <a:pPr rtl="0" fontAlgn="t">
+                        <a:spcBef>
+                          <a:spcPts val="0"/>
+                        </a:spcBef>
+                        <a:spcAft>
+                          <a:spcPts val="0"/>
+                        </a:spcAft>
+                      </a:pPr>
+                      <a:r>
+                        <a:rPr lang="en-US" sz="900" b="0" i="0" u="none" strike="noStrike">
+                          <a:solidFill>
+                            <a:srgbClr val="000000"/>
+                          </a:solidFill>
+                          <a:effectLst/>
+                          <a:latin typeface="Times New Roman" panose="02020603050405020304" pitchFamily="18" charset="0"/>
+                        </a:rPr>
+                        <a:t>T</a:t>
+                      </a:r>
+                      <a:endParaRPr lang="en-US" sz="1300">
+                        <a:effectLst/>
+                      </a:endParaRPr>
+                    </a:p>
+                  </a:txBody>
+                  <a:tcPr marL="48662" marR="48662" marT="32441" marB="32441">
+                    <a:lnL w="6350" cap="flat" cmpd="sng" algn="ctr">
+                      <a:solidFill>
+                        <a:srgbClr val="000000"/>
+                      </a:solidFill>
+                      <a:prstDash val="solid"/>
+                      <a:round/>
+                      <a:headEnd type="none" w="med" len="med"/>
+                      <a:tailEnd type="none" w="med" len="med"/>
+                    </a:lnL>
+                    <a:lnR w="6350" cap="flat" cmpd="sng" algn="ctr">
+                      <a:solidFill>
+                        <a:srgbClr val="000000"/>
+                      </a:solidFill>
+                      <a:prstDash val="solid"/>
+                      <a:round/>
+                      <a:headEnd type="none" w="med" len="med"/>
+                      <a:tailEnd type="none" w="med" len="med"/>
+                    </a:lnR>
+                    <a:lnT w="6350" cap="flat" cmpd="sng" algn="ctr">
+                      <a:solidFill>
+                        <a:srgbClr val="000000"/>
+                      </a:solidFill>
+                      <a:prstDash val="solid"/>
+                      <a:round/>
+                      <a:headEnd type="none" w="med" len="med"/>
+                      <a:tailEnd type="none" w="med" len="med"/>
+                    </a:lnT>
+                    <a:lnB w="6350" cap="flat" cmpd="sng" algn="ctr">
+                      <a:solidFill>
+                        <a:srgbClr val="000000"/>
+                      </a:solidFill>
+                      <a:prstDash val="solid"/>
+                      <a:round/>
+                      <a:headEnd type="none" w="med" len="med"/>
+                      <a:tailEnd type="none" w="med" len="med"/>
+                    </a:lnB>
+                  </a:tcPr>
+                </a:tc>
+                <a:tc>
+                  <a:txBody>
+                    <a:bodyPr/>
+                    <a:lstStyle/>
+                    <a:p>
+                      <a:pPr algn="ctr" rtl="0" fontAlgn="t">
+                        <a:spcBef>
+                          <a:spcPts val="0"/>
+                        </a:spcBef>
+                        <a:spcAft>
+                          <a:spcPts val="0"/>
+                        </a:spcAft>
+                      </a:pPr>
+                      <a:r>
+                        <a:rPr lang="en-US" sz="900" b="0" i="0" u="none" strike="noStrike">
+                          <a:solidFill>
+                            <a:srgbClr val="000000"/>
+                          </a:solidFill>
+                          <a:effectLst/>
+                          <a:latin typeface="Times New Roman" panose="02020603050405020304" pitchFamily="18" charset="0"/>
+                        </a:rPr>
+                        <a:t>Numeric</a:t>
+                      </a:r>
+                      <a:endParaRPr lang="en-US" sz="1300">
+                        <a:effectLst/>
+                      </a:endParaRPr>
+                    </a:p>
+                  </a:txBody>
+                  <a:tcPr marL="48662" marR="48662" marT="32441" marB="32441">
+                    <a:lnL w="6350" cap="flat" cmpd="sng" algn="ctr">
+                      <a:solidFill>
+                        <a:srgbClr val="000000"/>
+                      </a:solidFill>
+                      <a:prstDash val="solid"/>
+                      <a:round/>
+                      <a:headEnd type="none" w="med" len="med"/>
+                      <a:tailEnd type="none" w="med" len="med"/>
+                    </a:lnL>
+                    <a:lnR w="6350" cap="flat" cmpd="sng" algn="ctr">
+                      <a:solidFill>
+                        <a:srgbClr val="000000"/>
+                      </a:solidFill>
+                      <a:prstDash val="solid"/>
+                      <a:round/>
+                      <a:headEnd type="none" w="med" len="med"/>
+                      <a:tailEnd type="none" w="med" len="med"/>
+                    </a:lnR>
+                    <a:lnT w="6350" cap="flat" cmpd="sng" algn="ctr">
+                      <a:solidFill>
+                        <a:srgbClr val="000000"/>
+                      </a:solidFill>
+                      <a:prstDash val="solid"/>
+                      <a:round/>
+                      <a:headEnd type="none" w="med" len="med"/>
+                      <a:tailEnd type="none" w="med" len="med"/>
+                    </a:lnT>
+                    <a:lnB w="6350" cap="flat" cmpd="sng" algn="ctr">
+                      <a:solidFill>
+                        <a:srgbClr val="000000"/>
+                      </a:solidFill>
+                      <a:prstDash val="solid"/>
+                      <a:round/>
+                      <a:headEnd type="none" w="med" len="med"/>
+                      <a:tailEnd type="none" w="med" len="med"/>
+                    </a:lnB>
+                  </a:tcPr>
+                </a:tc>
+                <a:extLst>
+                  <a:ext uri="{0D108BD9-81ED-4DB2-BD59-A6C34878D82A}">
+                    <a16:rowId xmlns:a16="http://schemas.microsoft.com/office/drawing/2014/main" val="2465592830"/>
+                  </a:ext>
+                </a:extLst>
+              </a:tr>
+              <a:tr h="194648">
+                <a:tc>
+                  <a:txBody>
+                    <a:bodyPr/>
+                    <a:lstStyle/>
+                    <a:p>
+                      <a:pPr algn="ctr" rtl="0" fontAlgn="t">
+                        <a:spcBef>
+                          <a:spcPts val="0"/>
+                        </a:spcBef>
+                        <a:spcAft>
+                          <a:spcPts val="0"/>
+                        </a:spcAft>
+                      </a:pPr>
+                      <a:r>
+                        <a:rPr lang="en-US" sz="900" b="0" i="0" u="none" strike="noStrike">
+                          <a:solidFill>
+                            <a:srgbClr val="000000"/>
+                          </a:solidFill>
+                          <a:effectLst/>
+                          <a:latin typeface="Times New Roman" panose="02020603050405020304" pitchFamily="18" charset="0"/>
+                        </a:rPr>
+                        <a:t>6</a:t>
+                      </a:r>
+                      <a:endParaRPr lang="en-US" sz="1300">
+                        <a:effectLst/>
+                      </a:endParaRPr>
+                    </a:p>
+                  </a:txBody>
+                  <a:tcPr marL="48662" marR="48662" marT="32441" marB="32441">
+                    <a:lnL w="6350" cap="flat" cmpd="sng" algn="ctr">
+                      <a:solidFill>
+                        <a:srgbClr val="000000"/>
+                      </a:solidFill>
+                      <a:prstDash val="solid"/>
+                      <a:round/>
+                      <a:headEnd type="none" w="med" len="med"/>
+                      <a:tailEnd type="none" w="med" len="med"/>
+                    </a:lnL>
+                    <a:lnR w="6350" cap="flat" cmpd="sng" algn="ctr">
+                      <a:solidFill>
+                        <a:srgbClr val="000000"/>
+                      </a:solidFill>
+                      <a:prstDash val="solid"/>
+                      <a:round/>
+                      <a:headEnd type="none" w="med" len="med"/>
+                      <a:tailEnd type="none" w="med" len="med"/>
+                    </a:lnR>
+                    <a:lnT w="6350" cap="flat" cmpd="sng" algn="ctr">
+                      <a:solidFill>
+                        <a:srgbClr val="000000"/>
+                      </a:solidFill>
+                      <a:prstDash val="solid"/>
+                      <a:round/>
+                      <a:headEnd type="none" w="med" len="med"/>
+                      <a:tailEnd type="none" w="med" len="med"/>
+                    </a:lnT>
+                    <a:lnB w="6350" cap="flat" cmpd="sng" algn="ctr">
+                      <a:solidFill>
+                        <a:srgbClr val="000000"/>
+                      </a:solidFill>
+                      <a:prstDash val="solid"/>
+                      <a:round/>
+                      <a:headEnd type="none" w="med" len="med"/>
+                      <a:tailEnd type="none" w="med" len="med"/>
+                    </a:lnB>
+                  </a:tcPr>
+                </a:tc>
+                <a:tc>
+                  <a:txBody>
+                    <a:bodyPr/>
+                    <a:lstStyle/>
+                    <a:p>
+                      <a:pPr rtl="0" fontAlgn="t">
+                        <a:spcBef>
+                          <a:spcPts val="0"/>
+                        </a:spcBef>
+                        <a:spcAft>
+                          <a:spcPts val="0"/>
+                        </a:spcAft>
+                      </a:pPr>
+                      <a:r>
+                        <a:rPr lang="en-US" sz="900" b="0" i="0" u="none" strike="noStrike">
+                          <a:solidFill>
+                            <a:srgbClr val="000000"/>
+                          </a:solidFill>
+                          <a:effectLst/>
+                          <a:latin typeface="Times New Roman" panose="02020603050405020304" pitchFamily="18" charset="0"/>
+                        </a:rPr>
+                        <a:t>N</a:t>
+                      </a:r>
+                      <a:endParaRPr lang="en-US" sz="1300">
+                        <a:effectLst/>
+                      </a:endParaRPr>
+                    </a:p>
+                  </a:txBody>
+                  <a:tcPr marL="48662" marR="48662" marT="32441" marB="32441">
+                    <a:lnL w="6350" cap="flat" cmpd="sng" algn="ctr">
+                      <a:solidFill>
+                        <a:srgbClr val="000000"/>
+                      </a:solidFill>
+                      <a:prstDash val="solid"/>
+                      <a:round/>
+                      <a:headEnd type="none" w="med" len="med"/>
+                      <a:tailEnd type="none" w="med" len="med"/>
+                    </a:lnL>
+                    <a:lnR w="6350" cap="flat" cmpd="sng" algn="ctr">
+                      <a:solidFill>
+                        <a:srgbClr val="000000"/>
+                      </a:solidFill>
+                      <a:prstDash val="solid"/>
+                      <a:round/>
+                      <a:headEnd type="none" w="med" len="med"/>
+                      <a:tailEnd type="none" w="med" len="med"/>
+                    </a:lnR>
+                    <a:lnT w="6350" cap="flat" cmpd="sng" algn="ctr">
+                      <a:solidFill>
+                        <a:srgbClr val="000000"/>
+                      </a:solidFill>
+                      <a:prstDash val="solid"/>
+                      <a:round/>
+                      <a:headEnd type="none" w="med" len="med"/>
+                      <a:tailEnd type="none" w="med" len="med"/>
+                    </a:lnT>
+                    <a:lnB w="6350" cap="flat" cmpd="sng" algn="ctr">
+                      <a:solidFill>
+                        <a:srgbClr val="000000"/>
+                      </a:solidFill>
+                      <a:prstDash val="solid"/>
+                      <a:round/>
+                      <a:headEnd type="none" w="med" len="med"/>
+                      <a:tailEnd type="none" w="med" len="med"/>
+                    </a:lnB>
+                  </a:tcPr>
+                </a:tc>
+                <a:tc>
+                  <a:txBody>
+                    <a:bodyPr/>
+                    <a:lstStyle/>
+                    <a:p>
+                      <a:pPr algn="ctr" rtl="0" fontAlgn="t">
+                        <a:spcBef>
+                          <a:spcPts val="0"/>
+                        </a:spcBef>
+                        <a:spcAft>
+                          <a:spcPts val="0"/>
+                        </a:spcAft>
+                      </a:pPr>
+                      <a:r>
+                        <a:rPr lang="en-US" sz="900" b="0" i="0" u="none" strike="noStrike">
+                          <a:solidFill>
+                            <a:srgbClr val="000000"/>
+                          </a:solidFill>
+                          <a:effectLst/>
+                          <a:latin typeface="Times New Roman" panose="02020603050405020304" pitchFamily="18" charset="0"/>
+                        </a:rPr>
+                        <a:t>Numeric</a:t>
+                      </a:r>
+                      <a:endParaRPr lang="en-US" sz="1300">
+                        <a:effectLst/>
+                      </a:endParaRPr>
+                    </a:p>
+                  </a:txBody>
+                  <a:tcPr marL="48662" marR="48662" marT="32441" marB="32441">
+                    <a:lnL w="6350" cap="flat" cmpd="sng" algn="ctr">
+                      <a:solidFill>
+                        <a:srgbClr val="000000"/>
+                      </a:solidFill>
+                      <a:prstDash val="solid"/>
+                      <a:round/>
+                      <a:headEnd type="none" w="med" len="med"/>
+                      <a:tailEnd type="none" w="med" len="med"/>
+                    </a:lnL>
+                    <a:lnR w="6350" cap="flat" cmpd="sng" algn="ctr">
+                      <a:solidFill>
+                        <a:srgbClr val="000000"/>
+                      </a:solidFill>
+                      <a:prstDash val="solid"/>
+                      <a:round/>
+                      <a:headEnd type="none" w="med" len="med"/>
+                      <a:tailEnd type="none" w="med" len="med"/>
+                    </a:lnR>
+                    <a:lnT w="6350" cap="flat" cmpd="sng" algn="ctr">
+                      <a:solidFill>
+                        <a:srgbClr val="000000"/>
+                      </a:solidFill>
+                      <a:prstDash val="solid"/>
+                      <a:round/>
+                      <a:headEnd type="none" w="med" len="med"/>
+                      <a:tailEnd type="none" w="med" len="med"/>
+                    </a:lnT>
+                    <a:lnB w="6350" cap="flat" cmpd="sng" algn="ctr">
+                      <a:solidFill>
+                        <a:srgbClr val="000000"/>
+                      </a:solidFill>
+                      <a:prstDash val="solid"/>
+                      <a:round/>
+                      <a:headEnd type="none" w="med" len="med"/>
+                      <a:tailEnd type="none" w="med" len="med"/>
+                    </a:lnB>
+                  </a:tcPr>
+                </a:tc>
+                <a:extLst>
+                  <a:ext uri="{0D108BD9-81ED-4DB2-BD59-A6C34878D82A}">
+                    <a16:rowId xmlns:a16="http://schemas.microsoft.com/office/drawing/2014/main" val="4104859651"/>
+                  </a:ext>
+                </a:extLst>
+              </a:tr>
+              <a:tr h="194648">
+                <a:tc>
+                  <a:txBody>
+                    <a:bodyPr/>
+                    <a:lstStyle/>
+                    <a:p>
+                      <a:pPr algn="ctr" rtl="0" fontAlgn="t">
+                        <a:spcBef>
+                          <a:spcPts val="0"/>
+                        </a:spcBef>
+                        <a:spcAft>
+                          <a:spcPts val="0"/>
+                        </a:spcAft>
+                      </a:pPr>
+                      <a:r>
+                        <a:rPr lang="en-US" sz="900" b="0" i="0" u="none" strike="noStrike">
+                          <a:solidFill>
+                            <a:srgbClr val="000000"/>
+                          </a:solidFill>
+                          <a:effectLst/>
+                          <a:latin typeface="Times New Roman" panose="02020603050405020304" pitchFamily="18" charset="0"/>
+                        </a:rPr>
+                        <a:t>7</a:t>
+                      </a:r>
+                      <a:endParaRPr lang="en-US" sz="1300">
+                        <a:effectLst/>
+                      </a:endParaRPr>
+                    </a:p>
+                  </a:txBody>
+                  <a:tcPr marL="48662" marR="48662" marT="32441" marB="32441">
+                    <a:lnL w="6350" cap="flat" cmpd="sng" algn="ctr">
+                      <a:solidFill>
+                        <a:srgbClr val="000000"/>
+                      </a:solidFill>
+                      <a:prstDash val="solid"/>
+                      <a:round/>
+                      <a:headEnd type="none" w="med" len="med"/>
+                      <a:tailEnd type="none" w="med" len="med"/>
+                    </a:lnL>
+                    <a:lnR w="6350" cap="flat" cmpd="sng" algn="ctr">
+                      <a:solidFill>
+                        <a:srgbClr val="000000"/>
+                      </a:solidFill>
+                      <a:prstDash val="solid"/>
+                      <a:round/>
+                      <a:headEnd type="none" w="med" len="med"/>
+                      <a:tailEnd type="none" w="med" len="med"/>
+                    </a:lnR>
+                    <a:lnT w="6350" cap="flat" cmpd="sng" algn="ctr">
+                      <a:solidFill>
+                        <a:srgbClr val="000000"/>
+                      </a:solidFill>
+                      <a:prstDash val="solid"/>
+                      <a:round/>
+                      <a:headEnd type="none" w="med" len="med"/>
+                      <a:tailEnd type="none" w="med" len="med"/>
+                    </a:lnT>
+                    <a:lnB w="6350" cap="flat" cmpd="sng" algn="ctr">
+                      <a:solidFill>
+                        <a:srgbClr val="000000"/>
+                      </a:solidFill>
+                      <a:prstDash val="solid"/>
+                      <a:round/>
+                      <a:headEnd type="none" w="med" len="med"/>
+                      <a:tailEnd type="none" w="med" len="med"/>
+                    </a:lnB>
+                  </a:tcPr>
+                </a:tc>
+                <a:tc>
+                  <a:txBody>
+                    <a:bodyPr/>
+                    <a:lstStyle/>
+                    <a:p>
+                      <a:pPr rtl="0" fontAlgn="t">
+                        <a:spcBef>
+                          <a:spcPts val="0"/>
+                        </a:spcBef>
+                        <a:spcAft>
+                          <a:spcPts val="0"/>
+                        </a:spcAft>
+                      </a:pPr>
+                      <a:r>
+                        <a:rPr lang="en-US" sz="900" b="0" i="0" u="none" strike="noStrike">
+                          <a:solidFill>
+                            <a:srgbClr val="000000"/>
+                          </a:solidFill>
+                          <a:effectLst/>
+                          <a:latin typeface="Times New Roman" panose="02020603050405020304" pitchFamily="18" charset="0"/>
+                        </a:rPr>
+                        <a:t>M</a:t>
+                      </a:r>
+                      <a:endParaRPr lang="en-US" sz="1300">
+                        <a:effectLst/>
+                      </a:endParaRPr>
+                    </a:p>
+                  </a:txBody>
+                  <a:tcPr marL="48662" marR="48662" marT="32441" marB="32441">
+                    <a:lnL w="6350" cap="flat" cmpd="sng" algn="ctr">
+                      <a:solidFill>
+                        <a:srgbClr val="000000"/>
+                      </a:solidFill>
+                      <a:prstDash val="solid"/>
+                      <a:round/>
+                      <a:headEnd type="none" w="med" len="med"/>
+                      <a:tailEnd type="none" w="med" len="med"/>
+                    </a:lnL>
+                    <a:lnR w="6350" cap="flat" cmpd="sng" algn="ctr">
+                      <a:solidFill>
+                        <a:srgbClr val="000000"/>
+                      </a:solidFill>
+                      <a:prstDash val="solid"/>
+                      <a:round/>
+                      <a:headEnd type="none" w="med" len="med"/>
+                      <a:tailEnd type="none" w="med" len="med"/>
+                    </a:lnR>
+                    <a:lnT w="6350" cap="flat" cmpd="sng" algn="ctr">
+                      <a:solidFill>
+                        <a:srgbClr val="000000"/>
+                      </a:solidFill>
+                      <a:prstDash val="solid"/>
+                      <a:round/>
+                      <a:headEnd type="none" w="med" len="med"/>
+                      <a:tailEnd type="none" w="med" len="med"/>
+                    </a:lnT>
+                    <a:lnB w="6350" cap="flat" cmpd="sng" algn="ctr">
+                      <a:solidFill>
+                        <a:srgbClr val="000000"/>
+                      </a:solidFill>
+                      <a:prstDash val="solid"/>
+                      <a:round/>
+                      <a:headEnd type="none" w="med" len="med"/>
+                      <a:tailEnd type="none" w="med" len="med"/>
+                    </a:lnB>
+                  </a:tcPr>
+                </a:tc>
+                <a:tc>
+                  <a:txBody>
+                    <a:bodyPr/>
+                    <a:lstStyle/>
+                    <a:p>
+                      <a:pPr algn="ctr" rtl="0" fontAlgn="t">
+                        <a:spcBef>
+                          <a:spcPts val="0"/>
+                        </a:spcBef>
+                        <a:spcAft>
+                          <a:spcPts val="0"/>
+                        </a:spcAft>
+                      </a:pPr>
+                      <a:r>
+                        <a:rPr lang="en-US" sz="900" b="0" i="0" u="none" strike="noStrike">
+                          <a:solidFill>
+                            <a:srgbClr val="000000"/>
+                          </a:solidFill>
+                          <a:effectLst/>
+                          <a:latin typeface="Times New Roman" panose="02020603050405020304" pitchFamily="18" charset="0"/>
+                        </a:rPr>
+                        <a:t>Numeric</a:t>
+                      </a:r>
+                      <a:endParaRPr lang="en-US" sz="1300">
+                        <a:effectLst/>
+                      </a:endParaRPr>
+                    </a:p>
+                  </a:txBody>
+                  <a:tcPr marL="48662" marR="48662" marT="32441" marB="32441">
+                    <a:lnL w="6350" cap="flat" cmpd="sng" algn="ctr">
+                      <a:solidFill>
+                        <a:srgbClr val="000000"/>
+                      </a:solidFill>
+                      <a:prstDash val="solid"/>
+                      <a:round/>
+                      <a:headEnd type="none" w="med" len="med"/>
+                      <a:tailEnd type="none" w="med" len="med"/>
+                    </a:lnL>
+                    <a:lnR w="6350" cap="flat" cmpd="sng" algn="ctr">
+                      <a:solidFill>
+                        <a:srgbClr val="000000"/>
+                      </a:solidFill>
+                      <a:prstDash val="solid"/>
+                      <a:round/>
+                      <a:headEnd type="none" w="med" len="med"/>
+                      <a:tailEnd type="none" w="med" len="med"/>
+                    </a:lnR>
+                    <a:lnT w="6350" cap="flat" cmpd="sng" algn="ctr">
+                      <a:solidFill>
+                        <a:srgbClr val="000000"/>
+                      </a:solidFill>
+                      <a:prstDash val="solid"/>
+                      <a:round/>
+                      <a:headEnd type="none" w="med" len="med"/>
+                      <a:tailEnd type="none" w="med" len="med"/>
+                    </a:lnT>
+                    <a:lnB w="6350" cap="flat" cmpd="sng" algn="ctr">
+                      <a:solidFill>
+                        <a:srgbClr val="000000"/>
+                      </a:solidFill>
+                      <a:prstDash val="solid"/>
+                      <a:round/>
+                      <a:headEnd type="none" w="med" len="med"/>
+                      <a:tailEnd type="none" w="med" len="med"/>
+                    </a:lnB>
+                  </a:tcPr>
+                </a:tc>
+                <a:extLst>
+                  <a:ext uri="{0D108BD9-81ED-4DB2-BD59-A6C34878D82A}">
+                    <a16:rowId xmlns:a16="http://schemas.microsoft.com/office/drawing/2014/main" val="3817807705"/>
+                  </a:ext>
+                </a:extLst>
+              </a:tr>
+              <a:tr h="194648">
+                <a:tc>
+                  <a:txBody>
+                    <a:bodyPr/>
+                    <a:lstStyle/>
+                    <a:p>
+                      <a:pPr algn="ctr" rtl="0" fontAlgn="t">
+                        <a:spcBef>
+                          <a:spcPts val="0"/>
+                        </a:spcBef>
+                        <a:spcAft>
+                          <a:spcPts val="0"/>
+                        </a:spcAft>
+                      </a:pPr>
+                      <a:r>
+                        <a:rPr lang="en-US" sz="900" b="0" i="0" u="none" strike="noStrike">
+                          <a:solidFill>
+                            <a:srgbClr val="000000"/>
+                          </a:solidFill>
+                          <a:effectLst/>
+                          <a:latin typeface="Times New Roman" panose="02020603050405020304" pitchFamily="18" charset="0"/>
+                        </a:rPr>
+                        <a:t>8</a:t>
+                      </a:r>
+                      <a:endParaRPr lang="en-US" sz="1300">
+                        <a:effectLst/>
+                      </a:endParaRPr>
+                    </a:p>
+                  </a:txBody>
+                  <a:tcPr marL="48662" marR="48662" marT="32441" marB="32441">
+                    <a:lnL w="6350" cap="flat" cmpd="sng" algn="ctr">
+                      <a:solidFill>
+                        <a:srgbClr val="000000"/>
+                      </a:solidFill>
+                      <a:prstDash val="solid"/>
+                      <a:round/>
+                      <a:headEnd type="none" w="med" len="med"/>
+                      <a:tailEnd type="none" w="med" len="med"/>
+                    </a:lnL>
+                    <a:lnR w="6350" cap="flat" cmpd="sng" algn="ctr">
+                      <a:solidFill>
+                        <a:srgbClr val="000000"/>
+                      </a:solidFill>
+                      <a:prstDash val="solid"/>
+                      <a:round/>
+                      <a:headEnd type="none" w="med" len="med"/>
+                      <a:tailEnd type="none" w="med" len="med"/>
+                    </a:lnR>
+                    <a:lnT w="6350" cap="flat" cmpd="sng" algn="ctr">
+                      <a:solidFill>
+                        <a:srgbClr val="000000"/>
+                      </a:solidFill>
+                      <a:prstDash val="solid"/>
+                      <a:round/>
+                      <a:headEnd type="none" w="med" len="med"/>
+                      <a:tailEnd type="none" w="med" len="med"/>
+                    </a:lnT>
+                    <a:lnB w="6350" cap="flat" cmpd="sng" algn="ctr">
+                      <a:solidFill>
+                        <a:srgbClr val="000000"/>
+                      </a:solidFill>
+                      <a:prstDash val="solid"/>
+                      <a:round/>
+                      <a:headEnd type="none" w="med" len="med"/>
+                      <a:tailEnd type="none" w="med" len="med"/>
+                    </a:lnB>
+                  </a:tcPr>
+                </a:tc>
+                <a:tc>
+                  <a:txBody>
+                    <a:bodyPr/>
+                    <a:lstStyle/>
+                    <a:p>
+                      <a:pPr rtl="0" fontAlgn="t">
+                        <a:spcBef>
+                          <a:spcPts val="0"/>
+                        </a:spcBef>
+                        <a:spcAft>
+                          <a:spcPts val="0"/>
+                        </a:spcAft>
+                      </a:pPr>
+                      <a:r>
+                        <a:rPr lang="en-US" sz="900" b="0" i="0" u="none" strike="noStrike">
+                          <a:solidFill>
+                            <a:srgbClr val="000000"/>
+                          </a:solidFill>
+                          <a:effectLst/>
+                          <a:latin typeface="Times New Roman" panose="02020603050405020304" pitchFamily="18" charset="0"/>
+                        </a:rPr>
+                        <a:t>Radiation</a:t>
+                      </a:r>
+                      <a:endParaRPr lang="en-US" sz="1300">
+                        <a:effectLst/>
+                      </a:endParaRPr>
+                    </a:p>
+                  </a:txBody>
+                  <a:tcPr marL="48662" marR="48662" marT="32441" marB="32441">
+                    <a:lnL w="6350" cap="flat" cmpd="sng" algn="ctr">
+                      <a:solidFill>
+                        <a:srgbClr val="000000"/>
+                      </a:solidFill>
+                      <a:prstDash val="solid"/>
+                      <a:round/>
+                      <a:headEnd type="none" w="med" len="med"/>
+                      <a:tailEnd type="none" w="med" len="med"/>
+                    </a:lnL>
+                    <a:lnR w="6350" cap="flat" cmpd="sng" algn="ctr">
+                      <a:solidFill>
+                        <a:srgbClr val="000000"/>
+                      </a:solidFill>
+                      <a:prstDash val="solid"/>
+                      <a:round/>
+                      <a:headEnd type="none" w="med" len="med"/>
+                      <a:tailEnd type="none" w="med" len="med"/>
+                    </a:lnR>
+                    <a:lnT w="6350" cap="flat" cmpd="sng" algn="ctr">
+                      <a:solidFill>
+                        <a:srgbClr val="000000"/>
+                      </a:solidFill>
+                      <a:prstDash val="solid"/>
+                      <a:round/>
+                      <a:headEnd type="none" w="med" len="med"/>
+                      <a:tailEnd type="none" w="med" len="med"/>
+                    </a:lnT>
+                    <a:lnB w="6350" cap="flat" cmpd="sng" algn="ctr">
+                      <a:solidFill>
+                        <a:srgbClr val="000000"/>
+                      </a:solidFill>
+                      <a:prstDash val="solid"/>
+                      <a:round/>
+                      <a:headEnd type="none" w="med" len="med"/>
+                      <a:tailEnd type="none" w="med" len="med"/>
+                    </a:lnB>
+                  </a:tcPr>
+                </a:tc>
+                <a:tc>
+                  <a:txBody>
+                    <a:bodyPr/>
+                    <a:lstStyle/>
+                    <a:p>
+                      <a:pPr algn="ctr" rtl="0" fontAlgn="t">
+                        <a:spcBef>
+                          <a:spcPts val="0"/>
+                        </a:spcBef>
+                        <a:spcAft>
+                          <a:spcPts val="0"/>
+                        </a:spcAft>
+                      </a:pPr>
+                      <a:r>
+                        <a:rPr lang="en-US" sz="900" b="0" i="0" u="none" strike="noStrike">
+                          <a:solidFill>
+                            <a:srgbClr val="000000"/>
+                          </a:solidFill>
+                          <a:effectLst/>
+                          <a:latin typeface="Times New Roman" panose="02020603050405020304" pitchFamily="18" charset="0"/>
+                        </a:rPr>
+                        <a:t>Numeric</a:t>
+                      </a:r>
+                      <a:endParaRPr lang="en-US" sz="1300">
+                        <a:effectLst/>
+                      </a:endParaRPr>
+                    </a:p>
+                  </a:txBody>
+                  <a:tcPr marL="48662" marR="48662" marT="32441" marB="32441">
+                    <a:lnL w="6350" cap="flat" cmpd="sng" algn="ctr">
+                      <a:solidFill>
+                        <a:srgbClr val="000000"/>
+                      </a:solidFill>
+                      <a:prstDash val="solid"/>
+                      <a:round/>
+                      <a:headEnd type="none" w="med" len="med"/>
+                      <a:tailEnd type="none" w="med" len="med"/>
+                    </a:lnL>
+                    <a:lnR w="6350" cap="flat" cmpd="sng" algn="ctr">
+                      <a:solidFill>
+                        <a:srgbClr val="000000"/>
+                      </a:solidFill>
+                      <a:prstDash val="solid"/>
+                      <a:round/>
+                      <a:headEnd type="none" w="med" len="med"/>
+                      <a:tailEnd type="none" w="med" len="med"/>
+                    </a:lnR>
+                    <a:lnT w="6350" cap="flat" cmpd="sng" algn="ctr">
+                      <a:solidFill>
+                        <a:srgbClr val="000000"/>
+                      </a:solidFill>
+                      <a:prstDash val="solid"/>
+                      <a:round/>
+                      <a:headEnd type="none" w="med" len="med"/>
+                      <a:tailEnd type="none" w="med" len="med"/>
+                    </a:lnT>
+                    <a:lnB w="6350" cap="flat" cmpd="sng" algn="ctr">
+                      <a:solidFill>
+                        <a:srgbClr val="000000"/>
+                      </a:solidFill>
+                      <a:prstDash val="solid"/>
+                      <a:round/>
+                      <a:headEnd type="none" w="med" len="med"/>
+                      <a:tailEnd type="none" w="med" len="med"/>
+                    </a:lnB>
+                  </a:tcPr>
+                </a:tc>
+                <a:extLst>
+                  <a:ext uri="{0D108BD9-81ED-4DB2-BD59-A6C34878D82A}">
+                    <a16:rowId xmlns:a16="http://schemas.microsoft.com/office/drawing/2014/main" val="4270185081"/>
+                  </a:ext>
+                </a:extLst>
+              </a:tr>
+              <a:tr h="194648">
+                <a:tc>
+                  <a:txBody>
+                    <a:bodyPr/>
+                    <a:lstStyle/>
+                    <a:p>
+                      <a:pPr algn="ctr" rtl="0" fontAlgn="t">
+                        <a:spcBef>
+                          <a:spcPts val="0"/>
+                        </a:spcBef>
+                        <a:spcAft>
+                          <a:spcPts val="0"/>
+                        </a:spcAft>
+                      </a:pPr>
+                      <a:r>
+                        <a:rPr lang="en-US" sz="900" b="0" i="0" u="none" strike="noStrike">
+                          <a:solidFill>
+                            <a:srgbClr val="000000"/>
+                          </a:solidFill>
+                          <a:effectLst/>
+                          <a:latin typeface="Times New Roman" panose="02020603050405020304" pitchFamily="18" charset="0"/>
+                        </a:rPr>
+                        <a:t>9</a:t>
+                      </a:r>
+                      <a:endParaRPr lang="en-US" sz="1300">
+                        <a:effectLst/>
+                      </a:endParaRPr>
+                    </a:p>
+                  </a:txBody>
+                  <a:tcPr marL="48662" marR="48662" marT="32441" marB="32441">
+                    <a:lnL w="6350" cap="flat" cmpd="sng" algn="ctr">
+                      <a:solidFill>
+                        <a:srgbClr val="000000"/>
+                      </a:solidFill>
+                      <a:prstDash val="solid"/>
+                      <a:round/>
+                      <a:headEnd type="none" w="med" len="med"/>
+                      <a:tailEnd type="none" w="med" len="med"/>
+                    </a:lnL>
+                    <a:lnR w="6350" cap="flat" cmpd="sng" algn="ctr">
+                      <a:solidFill>
+                        <a:srgbClr val="000000"/>
+                      </a:solidFill>
+                      <a:prstDash val="solid"/>
+                      <a:round/>
+                      <a:headEnd type="none" w="med" len="med"/>
+                      <a:tailEnd type="none" w="med" len="med"/>
+                    </a:lnR>
+                    <a:lnT w="6350" cap="flat" cmpd="sng" algn="ctr">
+                      <a:solidFill>
+                        <a:srgbClr val="000000"/>
+                      </a:solidFill>
+                      <a:prstDash val="solid"/>
+                      <a:round/>
+                      <a:headEnd type="none" w="med" len="med"/>
+                      <a:tailEnd type="none" w="med" len="med"/>
+                    </a:lnT>
+                    <a:lnB w="6350" cap="flat" cmpd="sng" algn="ctr">
+                      <a:solidFill>
+                        <a:srgbClr val="000000"/>
+                      </a:solidFill>
+                      <a:prstDash val="solid"/>
+                      <a:round/>
+                      <a:headEnd type="none" w="med" len="med"/>
+                      <a:tailEnd type="none" w="med" len="med"/>
+                    </a:lnB>
+                  </a:tcPr>
+                </a:tc>
+                <a:tc>
+                  <a:txBody>
+                    <a:bodyPr/>
+                    <a:lstStyle/>
+                    <a:p>
+                      <a:pPr rtl="0" fontAlgn="t">
+                        <a:spcBef>
+                          <a:spcPts val="0"/>
+                        </a:spcBef>
+                        <a:spcAft>
+                          <a:spcPts val="0"/>
+                        </a:spcAft>
+                      </a:pPr>
+                      <a:r>
+                        <a:rPr lang="en-US" sz="900" b="0" i="0" u="none" strike="noStrike">
+                          <a:solidFill>
+                            <a:srgbClr val="000000"/>
+                          </a:solidFill>
+                          <a:effectLst/>
+                          <a:latin typeface="Times New Roman" panose="02020603050405020304" pitchFamily="18" charset="0"/>
+                        </a:rPr>
+                        <a:t>Stage</a:t>
+                      </a:r>
+                      <a:endParaRPr lang="en-US" sz="1300">
+                        <a:effectLst/>
+                      </a:endParaRPr>
+                    </a:p>
+                  </a:txBody>
+                  <a:tcPr marL="48662" marR="48662" marT="32441" marB="32441">
+                    <a:lnL w="6350" cap="flat" cmpd="sng" algn="ctr">
+                      <a:solidFill>
+                        <a:srgbClr val="000000"/>
+                      </a:solidFill>
+                      <a:prstDash val="solid"/>
+                      <a:round/>
+                      <a:headEnd type="none" w="med" len="med"/>
+                      <a:tailEnd type="none" w="med" len="med"/>
+                    </a:lnL>
+                    <a:lnR w="6350" cap="flat" cmpd="sng" algn="ctr">
+                      <a:solidFill>
+                        <a:srgbClr val="000000"/>
+                      </a:solidFill>
+                      <a:prstDash val="solid"/>
+                      <a:round/>
+                      <a:headEnd type="none" w="med" len="med"/>
+                      <a:tailEnd type="none" w="med" len="med"/>
+                    </a:lnR>
+                    <a:lnT w="6350" cap="flat" cmpd="sng" algn="ctr">
+                      <a:solidFill>
+                        <a:srgbClr val="000000"/>
+                      </a:solidFill>
+                      <a:prstDash val="solid"/>
+                      <a:round/>
+                      <a:headEnd type="none" w="med" len="med"/>
+                      <a:tailEnd type="none" w="med" len="med"/>
+                    </a:lnT>
+                    <a:lnB w="6350" cap="flat" cmpd="sng" algn="ctr">
+                      <a:solidFill>
+                        <a:srgbClr val="000000"/>
+                      </a:solidFill>
+                      <a:prstDash val="solid"/>
+                      <a:round/>
+                      <a:headEnd type="none" w="med" len="med"/>
+                      <a:tailEnd type="none" w="med" len="med"/>
+                    </a:lnB>
+                  </a:tcPr>
+                </a:tc>
+                <a:tc>
+                  <a:txBody>
+                    <a:bodyPr/>
+                    <a:lstStyle/>
+                    <a:p>
+                      <a:pPr algn="ctr" rtl="0" fontAlgn="t">
+                        <a:spcBef>
+                          <a:spcPts val="0"/>
+                        </a:spcBef>
+                        <a:spcAft>
+                          <a:spcPts val="0"/>
+                        </a:spcAft>
+                      </a:pPr>
+                      <a:r>
+                        <a:rPr lang="en-US" sz="900" b="0" i="0" u="none" strike="noStrike">
+                          <a:solidFill>
+                            <a:srgbClr val="000000"/>
+                          </a:solidFill>
+                          <a:effectLst/>
+                          <a:latin typeface="Times New Roman" panose="02020603050405020304" pitchFamily="18" charset="0"/>
+                        </a:rPr>
+                        <a:t>Numeric</a:t>
+                      </a:r>
+                      <a:endParaRPr lang="en-US" sz="1300">
+                        <a:effectLst/>
+                      </a:endParaRPr>
+                    </a:p>
+                  </a:txBody>
+                  <a:tcPr marL="48662" marR="48662" marT="32441" marB="32441">
+                    <a:lnL w="6350" cap="flat" cmpd="sng" algn="ctr">
+                      <a:solidFill>
+                        <a:srgbClr val="000000"/>
+                      </a:solidFill>
+                      <a:prstDash val="solid"/>
+                      <a:round/>
+                      <a:headEnd type="none" w="med" len="med"/>
+                      <a:tailEnd type="none" w="med" len="med"/>
+                    </a:lnL>
+                    <a:lnR w="6350" cap="flat" cmpd="sng" algn="ctr">
+                      <a:solidFill>
+                        <a:srgbClr val="000000"/>
+                      </a:solidFill>
+                      <a:prstDash val="solid"/>
+                      <a:round/>
+                      <a:headEnd type="none" w="med" len="med"/>
+                      <a:tailEnd type="none" w="med" len="med"/>
+                    </a:lnR>
+                    <a:lnT w="6350" cap="flat" cmpd="sng" algn="ctr">
+                      <a:solidFill>
+                        <a:srgbClr val="000000"/>
+                      </a:solidFill>
+                      <a:prstDash val="solid"/>
+                      <a:round/>
+                      <a:headEnd type="none" w="med" len="med"/>
+                      <a:tailEnd type="none" w="med" len="med"/>
+                    </a:lnT>
+                    <a:lnB w="6350" cap="flat" cmpd="sng" algn="ctr">
+                      <a:solidFill>
+                        <a:srgbClr val="000000"/>
+                      </a:solidFill>
+                      <a:prstDash val="solid"/>
+                      <a:round/>
+                      <a:headEnd type="none" w="med" len="med"/>
+                      <a:tailEnd type="none" w="med" len="med"/>
+                    </a:lnB>
+                  </a:tcPr>
+                </a:tc>
+                <a:extLst>
+                  <a:ext uri="{0D108BD9-81ED-4DB2-BD59-A6C34878D82A}">
+                    <a16:rowId xmlns:a16="http://schemas.microsoft.com/office/drawing/2014/main" val="4065610284"/>
+                  </a:ext>
+                </a:extLst>
+              </a:tr>
+              <a:tr h="194648">
+                <a:tc>
+                  <a:txBody>
+                    <a:bodyPr/>
+                    <a:lstStyle/>
+                    <a:p>
+                      <a:pPr algn="ctr" rtl="0" fontAlgn="t">
+                        <a:spcBef>
+                          <a:spcPts val="0"/>
+                        </a:spcBef>
+                        <a:spcAft>
+                          <a:spcPts val="0"/>
+                        </a:spcAft>
+                      </a:pPr>
+                      <a:r>
+                        <a:rPr lang="en-US" sz="900" b="0" i="0" u="none" strike="noStrike">
+                          <a:solidFill>
+                            <a:srgbClr val="000000"/>
+                          </a:solidFill>
+                          <a:effectLst/>
+                          <a:latin typeface="Times New Roman" panose="02020603050405020304" pitchFamily="18" charset="0"/>
+                        </a:rPr>
+                        <a:t>10</a:t>
+                      </a:r>
+                      <a:endParaRPr lang="en-US" sz="1300">
+                        <a:effectLst/>
+                      </a:endParaRPr>
+                    </a:p>
+                  </a:txBody>
+                  <a:tcPr marL="48662" marR="48662" marT="32441" marB="32441">
+                    <a:lnL w="6350" cap="flat" cmpd="sng" algn="ctr">
+                      <a:solidFill>
+                        <a:srgbClr val="000000"/>
+                      </a:solidFill>
+                      <a:prstDash val="solid"/>
+                      <a:round/>
+                      <a:headEnd type="none" w="med" len="med"/>
+                      <a:tailEnd type="none" w="med" len="med"/>
+                    </a:lnL>
+                    <a:lnR w="6350" cap="flat" cmpd="sng" algn="ctr">
+                      <a:solidFill>
+                        <a:srgbClr val="000000"/>
+                      </a:solidFill>
+                      <a:prstDash val="solid"/>
+                      <a:round/>
+                      <a:headEnd type="none" w="med" len="med"/>
+                      <a:tailEnd type="none" w="med" len="med"/>
+                    </a:lnR>
+                    <a:lnT w="6350" cap="flat" cmpd="sng" algn="ctr">
+                      <a:solidFill>
+                        <a:srgbClr val="000000"/>
+                      </a:solidFill>
+                      <a:prstDash val="solid"/>
+                      <a:round/>
+                      <a:headEnd type="none" w="med" len="med"/>
+                      <a:tailEnd type="none" w="med" len="med"/>
+                    </a:lnT>
+                    <a:lnB w="6350" cap="flat" cmpd="sng" algn="ctr">
+                      <a:solidFill>
+                        <a:srgbClr val="000000"/>
+                      </a:solidFill>
+                      <a:prstDash val="solid"/>
+                      <a:round/>
+                      <a:headEnd type="none" w="med" len="med"/>
+                      <a:tailEnd type="none" w="med" len="med"/>
+                    </a:lnB>
+                  </a:tcPr>
+                </a:tc>
+                <a:tc>
+                  <a:txBody>
+                    <a:bodyPr/>
+                    <a:lstStyle/>
+                    <a:p>
+                      <a:pPr rtl="0" fontAlgn="t">
+                        <a:spcBef>
+                          <a:spcPts val="0"/>
+                        </a:spcBef>
+                        <a:spcAft>
+                          <a:spcPts val="0"/>
+                        </a:spcAft>
+                      </a:pPr>
+                      <a:r>
+                        <a:rPr lang="en-US" sz="900" b="0" i="0" u="none" strike="noStrike">
+                          <a:solidFill>
+                            <a:srgbClr val="000000"/>
+                          </a:solidFill>
+                          <a:effectLst/>
+                          <a:latin typeface="Times New Roman" panose="02020603050405020304" pitchFamily="18" charset="0"/>
+                        </a:rPr>
+                        <a:t>Primary Site</a:t>
+                      </a:r>
+                      <a:endParaRPr lang="en-US" sz="1300">
+                        <a:effectLst/>
+                      </a:endParaRPr>
+                    </a:p>
+                  </a:txBody>
+                  <a:tcPr marL="48662" marR="48662" marT="32441" marB="32441">
+                    <a:lnL w="6350" cap="flat" cmpd="sng" algn="ctr">
+                      <a:solidFill>
+                        <a:srgbClr val="000000"/>
+                      </a:solidFill>
+                      <a:prstDash val="solid"/>
+                      <a:round/>
+                      <a:headEnd type="none" w="med" len="med"/>
+                      <a:tailEnd type="none" w="med" len="med"/>
+                    </a:lnL>
+                    <a:lnR w="6350" cap="flat" cmpd="sng" algn="ctr">
+                      <a:solidFill>
+                        <a:srgbClr val="000000"/>
+                      </a:solidFill>
+                      <a:prstDash val="solid"/>
+                      <a:round/>
+                      <a:headEnd type="none" w="med" len="med"/>
+                      <a:tailEnd type="none" w="med" len="med"/>
+                    </a:lnR>
+                    <a:lnT w="6350" cap="flat" cmpd="sng" algn="ctr">
+                      <a:solidFill>
+                        <a:srgbClr val="000000"/>
+                      </a:solidFill>
+                      <a:prstDash val="solid"/>
+                      <a:round/>
+                      <a:headEnd type="none" w="med" len="med"/>
+                      <a:tailEnd type="none" w="med" len="med"/>
+                    </a:lnT>
+                    <a:lnB w="6350" cap="flat" cmpd="sng" algn="ctr">
+                      <a:solidFill>
+                        <a:srgbClr val="000000"/>
+                      </a:solidFill>
+                      <a:prstDash val="solid"/>
+                      <a:round/>
+                      <a:headEnd type="none" w="med" len="med"/>
+                      <a:tailEnd type="none" w="med" len="med"/>
+                    </a:lnB>
+                  </a:tcPr>
+                </a:tc>
+                <a:tc>
+                  <a:txBody>
+                    <a:bodyPr/>
+                    <a:lstStyle/>
+                    <a:p>
+                      <a:pPr algn="ctr" rtl="0" fontAlgn="t">
+                        <a:spcBef>
+                          <a:spcPts val="0"/>
+                        </a:spcBef>
+                        <a:spcAft>
+                          <a:spcPts val="0"/>
+                        </a:spcAft>
+                      </a:pPr>
+                      <a:r>
+                        <a:rPr lang="en-US" sz="900" b="0" i="0" u="none" strike="noStrike">
+                          <a:solidFill>
+                            <a:srgbClr val="000000"/>
+                          </a:solidFill>
+                          <a:effectLst/>
+                          <a:latin typeface="Times New Roman" panose="02020603050405020304" pitchFamily="18" charset="0"/>
+                        </a:rPr>
+                        <a:t>Numeric</a:t>
+                      </a:r>
+                      <a:endParaRPr lang="en-US" sz="1300">
+                        <a:effectLst/>
+                      </a:endParaRPr>
+                    </a:p>
+                  </a:txBody>
+                  <a:tcPr marL="48662" marR="48662" marT="32441" marB="32441">
+                    <a:lnL w="6350" cap="flat" cmpd="sng" algn="ctr">
+                      <a:solidFill>
+                        <a:srgbClr val="000000"/>
+                      </a:solidFill>
+                      <a:prstDash val="solid"/>
+                      <a:round/>
+                      <a:headEnd type="none" w="med" len="med"/>
+                      <a:tailEnd type="none" w="med" len="med"/>
+                    </a:lnL>
+                    <a:lnR w="6350" cap="flat" cmpd="sng" algn="ctr">
+                      <a:solidFill>
+                        <a:srgbClr val="000000"/>
+                      </a:solidFill>
+                      <a:prstDash val="solid"/>
+                      <a:round/>
+                      <a:headEnd type="none" w="med" len="med"/>
+                      <a:tailEnd type="none" w="med" len="med"/>
+                    </a:lnR>
+                    <a:lnT w="6350" cap="flat" cmpd="sng" algn="ctr">
+                      <a:solidFill>
+                        <a:srgbClr val="000000"/>
+                      </a:solidFill>
+                      <a:prstDash val="solid"/>
+                      <a:round/>
+                      <a:headEnd type="none" w="med" len="med"/>
+                      <a:tailEnd type="none" w="med" len="med"/>
+                    </a:lnT>
+                    <a:lnB w="6350" cap="flat" cmpd="sng" algn="ctr">
+                      <a:solidFill>
+                        <a:srgbClr val="000000"/>
+                      </a:solidFill>
+                      <a:prstDash val="solid"/>
+                      <a:round/>
+                      <a:headEnd type="none" w="med" len="med"/>
+                      <a:tailEnd type="none" w="med" len="med"/>
+                    </a:lnB>
+                  </a:tcPr>
+                </a:tc>
+                <a:extLst>
+                  <a:ext uri="{0D108BD9-81ED-4DB2-BD59-A6C34878D82A}">
+                    <a16:rowId xmlns:a16="http://schemas.microsoft.com/office/drawing/2014/main" val="2131111582"/>
+                  </a:ext>
+                </a:extLst>
+              </a:tr>
+              <a:tr h="194648">
+                <a:tc>
+                  <a:txBody>
+                    <a:bodyPr/>
+                    <a:lstStyle/>
+                    <a:p>
+                      <a:pPr algn="ctr" rtl="0" fontAlgn="t">
+                        <a:spcBef>
+                          <a:spcPts val="0"/>
+                        </a:spcBef>
+                        <a:spcAft>
+                          <a:spcPts val="0"/>
+                        </a:spcAft>
+                      </a:pPr>
+                      <a:r>
+                        <a:rPr lang="en-US" sz="900" b="0" i="0" u="none" strike="noStrike">
+                          <a:solidFill>
+                            <a:srgbClr val="000000"/>
+                          </a:solidFill>
+                          <a:effectLst/>
+                          <a:latin typeface="Times New Roman" panose="02020603050405020304" pitchFamily="18" charset="0"/>
+                        </a:rPr>
+                        <a:t>11</a:t>
+                      </a:r>
+                      <a:endParaRPr lang="en-US" sz="1300">
+                        <a:effectLst/>
+                      </a:endParaRPr>
+                    </a:p>
+                  </a:txBody>
+                  <a:tcPr marL="48662" marR="48662" marT="32441" marB="32441">
+                    <a:lnL w="6350" cap="flat" cmpd="sng" algn="ctr">
+                      <a:solidFill>
+                        <a:srgbClr val="000000"/>
+                      </a:solidFill>
+                      <a:prstDash val="solid"/>
+                      <a:round/>
+                      <a:headEnd type="none" w="med" len="med"/>
+                      <a:tailEnd type="none" w="med" len="med"/>
+                    </a:lnL>
+                    <a:lnR w="6350" cap="flat" cmpd="sng" algn="ctr">
+                      <a:solidFill>
+                        <a:srgbClr val="000000"/>
+                      </a:solidFill>
+                      <a:prstDash val="solid"/>
+                      <a:round/>
+                      <a:headEnd type="none" w="med" len="med"/>
+                      <a:tailEnd type="none" w="med" len="med"/>
+                    </a:lnR>
+                    <a:lnT w="6350" cap="flat" cmpd="sng" algn="ctr">
+                      <a:solidFill>
+                        <a:srgbClr val="000000"/>
+                      </a:solidFill>
+                      <a:prstDash val="solid"/>
+                      <a:round/>
+                      <a:headEnd type="none" w="med" len="med"/>
+                      <a:tailEnd type="none" w="med" len="med"/>
+                    </a:lnT>
+                    <a:lnB w="6350" cap="flat" cmpd="sng" algn="ctr">
+                      <a:solidFill>
+                        <a:srgbClr val="000000"/>
+                      </a:solidFill>
+                      <a:prstDash val="solid"/>
+                      <a:round/>
+                      <a:headEnd type="none" w="med" len="med"/>
+                      <a:tailEnd type="none" w="med" len="med"/>
+                    </a:lnB>
+                  </a:tcPr>
+                </a:tc>
+                <a:tc>
+                  <a:txBody>
+                    <a:bodyPr/>
+                    <a:lstStyle/>
+                    <a:p>
+                      <a:pPr rtl="0" fontAlgn="t">
+                        <a:spcBef>
+                          <a:spcPts val="0"/>
+                        </a:spcBef>
+                        <a:spcAft>
+                          <a:spcPts val="0"/>
+                        </a:spcAft>
+                      </a:pPr>
+                      <a:r>
+                        <a:rPr lang="en-US" sz="900" b="0" i="0" u="none" strike="noStrike">
+                          <a:solidFill>
+                            <a:srgbClr val="000000"/>
+                          </a:solidFill>
+                          <a:effectLst/>
+                          <a:latin typeface="Times New Roman" panose="02020603050405020304" pitchFamily="18" charset="0"/>
+                        </a:rPr>
+                        <a:t>First Malignant Primary Indicator</a:t>
+                      </a:r>
+                      <a:endParaRPr lang="en-US" sz="1300">
+                        <a:effectLst/>
+                      </a:endParaRPr>
+                    </a:p>
+                  </a:txBody>
+                  <a:tcPr marL="48662" marR="48662" marT="32441" marB="32441">
+                    <a:lnL w="6350" cap="flat" cmpd="sng" algn="ctr">
+                      <a:solidFill>
+                        <a:srgbClr val="000000"/>
+                      </a:solidFill>
+                      <a:prstDash val="solid"/>
+                      <a:round/>
+                      <a:headEnd type="none" w="med" len="med"/>
+                      <a:tailEnd type="none" w="med" len="med"/>
+                    </a:lnL>
+                    <a:lnR w="6350" cap="flat" cmpd="sng" algn="ctr">
+                      <a:solidFill>
+                        <a:srgbClr val="000000"/>
+                      </a:solidFill>
+                      <a:prstDash val="solid"/>
+                      <a:round/>
+                      <a:headEnd type="none" w="med" len="med"/>
+                      <a:tailEnd type="none" w="med" len="med"/>
+                    </a:lnR>
+                    <a:lnT w="6350" cap="flat" cmpd="sng" algn="ctr">
+                      <a:solidFill>
+                        <a:srgbClr val="000000"/>
+                      </a:solidFill>
+                      <a:prstDash val="solid"/>
+                      <a:round/>
+                      <a:headEnd type="none" w="med" len="med"/>
+                      <a:tailEnd type="none" w="med" len="med"/>
+                    </a:lnT>
+                    <a:lnB w="6350" cap="flat" cmpd="sng" algn="ctr">
+                      <a:solidFill>
+                        <a:srgbClr val="000000"/>
+                      </a:solidFill>
+                      <a:prstDash val="solid"/>
+                      <a:round/>
+                      <a:headEnd type="none" w="med" len="med"/>
+                      <a:tailEnd type="none" w="med" len="med"/>
+                    </a:lnB>
+                  </a:tcPr>
+                </a:tc>
+                <a:tc>
+                  <a:txBody>
+                    <a:bodyPr/>
+                    <a:lstStyle/>
+                    <a:p>
+                      <a:pPr algn="ctr" rtl="0" fontAlgn="t">
+                        <a:spcBef>
+                          <a:spcPts val="0"/>
+                        </a:spcBef>
+                        <a:spcAft>
+                          <a:spcPts val="0"/>
+                        </a:spcAft>
+                      </a:pPr>
+                      <a:r>
+                        <a:rPr lang="en-US" sz="900" b="0" i="0" u="none" strike="noStrike">
+                          <a:solidFill>
+                            <a:srgbClr val="000000"/>
+                          </a:solidFill>
+                          <a:effectLst/>
+                          <a:latin typeface="Times New Roman" panose="02020603050405020304" pitchFamily="18" charset="0"/>
+                        </a:rPr>
+                        <a:t>Numeric</a:t>
+                      </a:r>
+                      <a:endParaRPr lang="en-US" sz="1300">
+                        <a:effectLst/>
+                      </a:endParaRPr>
+                    </a:p>
+                  </a:txBody>
+                  <a:tcPr marL="48662" marR="48662" marT="32441" marB="32441">
+                    <a:lnL w="6350" cap="flat" cmpd="sng" algn="ctr">
+                      <a:solidFill>
+                        <a:srgbClr val="000000"/>
+                      </a:solidFill>
+                      <a:prstDash val="solid"/>
+                      <a:round/>
+                      <a:headEnd type="none" w="med" len="med"/>
+                      <a:tailEnd type="none" w="med" len="med"/>
+                    </a:lnL>
+                    <a:lnR w="6350" cap="flat" cmpd="sng" algn="ctr">
+                      <a:solidFill>
+                        <a:srgbClr val="000000"/>
+                      </a:solidFill>
+                      <a:prstDash val="solid"/>
+                      <a:round/>
+                      <a:headEnd type="none" w="med" len="med"/>
+                      <a:tailEnd type="none" w="med" len="med"/>
+                    </a:lnR>
+                    <a:lnT w="6350" cap="flat" cmpd="sng" algn="ctr">
+                      <a:solidFill>
+                        <a:srgbClr val="000000"/>
+                      </a:solidFill>
+                      <a:prstDash val="solid"/>
+                      <a:round/>
+                      <a:headEnd type="none" w="med" len="med"/>
+                      <a:tailEnd type="none" w="med" len="med"/>
+                    </a:lnT>
+                    <a:lnB w="6350" cap="flat" cmpd="sng" algn="ctr">
+                      <a:solidFill>
+                        <a:srgbClr val="000000"/>
+                      </a:solidFill>
+                      <a:prstDash val="solid"/>
+                      <a:round/>
+                      <a:headEnd type="none" w="med" len="med"/>
+                      <a:tailEnd type="none" w="med" len="med"/>
+                    </a:lnB>
+                  </a:tcPr>
+                </a:tc>
+                <a:extLst>
+                  <a:ext uri="{0D108BD9-81ED-4DB2-BD59-A6C34878D82A}">
+                    <a16:rowId xmlns:a16="http://schemas.microsoft.com/office/drawing/2014/main" val="3628126586"/>
+                  </a:ext>
+                </a:extLst>
+              </a:tr>
+              <a:tr h="194648">
+                <a:tc>
+                  <a:txBody>
+                    <a:bodyPr/>
+                    <a:lstStyle/>
+                    <a:p>
+                      <a:pPr algn="ctr" rtl="0" fontAlgn="t">
+                        <a:spcBef>
+                          <a:spcPts val="0"/>
+                        </a:spcBef>
+                        <a:spcAft>
+                          <a:spcPts val="0"/>
+                        </a:spcAft>
+                      </a:pPr>
+                      <a:r>
+                        <a:rPr lang="en-US" sz="900" b="0" i="0" u="none" strike="noStrike">
+                          <a:solidFill>
+                            <a:srgbClr val="000000"/>
+                          </a:solidFill>
+                          <a:effectLst/>
+                          <a:latin typeface="Times New Roman" panose="02020603050405020304" pitchFamily="18" charset="0"/>
+                        </a:rPr>
+                        <a:t>12</a:t>
+                      </a:r>
+                      <a:endParaRPr lang="en-US" sz="1300">
+                        <a:effectLst/>
+                      </a:endParaRPr>
+                    </a:p>
+                  </a:txBody>
+                  <a:tcPr marL="48662" marR="48662" marT="32441" marB="32441">
+                    <a:lnL w="6350" cap="flat" cmpd="sng" algn="ctr">
+                      <a:solidFill>
+                        <a:srgbClr val="000000"/>
+                      </a:solidFill>
+                      <a:prstDash val="solid"/>
+                      <a:round/>
+                      <a:headEnd type="none" w="med" len="med"/>
+                      <a:tailEnd type="none" w="med" len="med"/>
+                    </a:lnL>
+                    <a:lnR w="6350" cap="flat" cmpd="sng" algn="ctr">
+                      <a:solidFill>
+                        <a:srgbClr val="000000"/>
+                      </a:solidFill>
+                      <a:prstDash val="solid"/>
+                      <a:round/>
+                      <a:headEnd type="none" w="med" len="med"/>
+                      <a:tailEnd type="none" w="med" len="med"/>
+                    </a:lnR>
+                    <a:lnT w="6350" cap="flat" cmpd="sng" algn="ctr">
+                      <a:solidFill>
+                        <a:srgbClr val="000000"/>
+                      </a:solidFill>
+                      <a:prstDash val="solid"/>
+                      <a:round/>
+                      <a:headEnd type="none" w="med" len="med"/>
+                      <a:tailEnd type="none" w="med" len="med"/>
+                    </a:lnT>
+                    <a:lnB w="6350" cap="flat" cmpd="sng" algn="ctr">
+                      <a:solidFill>
+                        <a:srgbClr val="000000"/>
+                      </a:solidFill>
+                      <a:prstDash val="solid"/>
+                      <a:round/>
+                      <a:headEnd type="none" w="med" len="med"/>
+                      <a:tailEnd type="none" w="med" len="med"/>
+                    </a:lnB>
+                  </a:tcPr>
+                </a:tc>
+                <a:tc>
+                  <a:txBody>
+                    <a:bodyPr/>
+                    <a:lstStyle/>
+                    <a:p>
+                      <a:pPr rtl="0" fontAlgn="t">
+                        <a:spcBef>
+                          <a:spcPts val="0"/>
+                        </a:spcBef>
+                        <a:spcAft>
+                          <a:spcPts val="0"/>
+                        </a:spcAft>
+                      </a:pPr>
+                      <a:r>
+                        <a:rPr lang="en-US" sz="900" b="0" i="0" u="none" strike="noStrike">
+                          <a:solidFill>
+                            <a:srgbClr val="000000"/>
+                          </a:solidFill>
+                          <a:effectLst/>
+                          <a:latin typeface="Times New Roman" panose="02020603050405020304" pitchFamily="18" charset="0"/>
+                        </a:rPr>
+                        <a:t>Sequence Number</a:t>
+                      </a:r>
+                      <a:endParaRPr lang="en-US" sz="1300">
+                        <a:effectLst/>
+                      </a:endParaRPr>
+                    </a:p>
+                  </a:txBody>
+                  <a:tcPr marL="48662" marR="48662" marT="32441" marB="32441">
+                    <a:lnL w="6350" cap="flat" cmpd="sng" algn="ctr">
+                      <a:solidFill>
+                        <a:srgbClr val="000000"/>
+                      </a:solidFill>
+                      <a:prstDash val="solid"/>
+                      <a:round/>
+                      <a:headEnd type="none" w="med" len="med"/>
+                      <a:tailEnd type="none" w="med" len="med"/>
+                    </a:lnL>
+                    <a:lnR w="6350" cap="flat" cmpd="sng" algn="ctr">
+                      <a:solidFill>
+                        <a:srgbClr val="000000"/>
+                      </a:solidFill>
+                      <a:prstDash val="solid"/>
+                      <a:round/>
+                      <a:headEnd type="none" w="med" len="med"/>
+                      <a:tailEnd type="none" w="med" len="med"/>
+                    </a:lnR>
+                    <a:lnT w="6350" cap="flat" cmpd="sng" algn="ctr">
+                      <a:solidFill>
+                        <a:srgbClr val="000000"/>
+                      </a:solidFill>
+                      <a:prstDash val="solid"/>
+                      <a:round/>
+                      <a:headEnd type="none" w="med" len="med"/>
+                      <a:tailEnd type="none" w="med" len="med"/>
+                    </a:lnT>
+                    <a:lnB w="6350" cap="flat" cmpd="sng" algn="ctr">
+                      <a:solidFill>
+                        <a:srgbClr val="000000"/>
+                      </a:solidFill>
+                      <a:prstDash val="solid"/>
+                      <a:round/>
+                      <a:headEnd type="none" w="med" len="med"/>
+                      <a:tailEnd type="none" w="med" len="med"/>
+                    </a:lnB>
+                  </a:tcPr>
+                </a:tc>
+                <a:tc>
+                  <a:txBody>
+                    <a:bodyPr/>
+                    <a:lstStyle/>
+                    <a:p>
+                      <a:pPr algn="ctr" rtl="0" fontAlgn="t">
+                        <a:spcBef>
+                          <a:spcPts val="0"/>
+                        </a:spcBef>
+                        <a:spcAft>
+                          <a:spcPts val="0"/>
+                        </a:spcAft>
+                      </a:pPr>
+                      <a:r>
+                        <a:rPr lang="en-US" sz="900" b="0" i="0" u="none" strike="noStrike">
+                          <a:solidFill>
+                            <a:srgbClr val="000000"/>
+                          </a:solidFill>
+                          <a:effectLst/>
+                          <a:latin typeface="Times New Roman" panose="02020603050405020304" pitchFamily="18" charset="0"/>
+                        </a:rPr>
+                        <a:t>Discrete</a:t>
+                      </a:r>
+                      <a:endParaRPr lang="en-US" sz="1300">
+                        <a:effectLst/>
+                      </a:endParaRPr>
+                    </a:p>
+                  </a:txBody>
+                  <a:tcPr marL="48662" marR="48662" marT="32441" marB="32441">
+                    <a:lnL w="6350" cap="flat" cmpd="sng" algn="ctr">
+                      <a:solidFill>
+                        <a:srgbClr val="000000"/>
+                      </a:solidFill>
+                      <a:prstDash val="solid"/>
+                      <a:round/>
+                      <a:headEnd type="none" w="med" len="med"/>
+                      <a:tailEnd type="none" w="med" len="med"/>
+                    </a:lnL>
+                    <a:lnR w="6350" cap="flat" cmpd="sng" algn="ctr">
+                      <a:solidFill>
+                        <a:srgbClr val="000000"/>
+                      </a:solidFill>
+                      <a:prstDash val="solid"/>
+                      <a:round/>
+                      <a:headEnd type="none" w="med" len="med"/>
+                      <a:tailEnd type="none" w="med" len="med"/>
+                    </a:lnR>
+                    <a:lnT w="6350" cap="flat" cmpd="sng" algn="ctr">
+                      <a:solidFill>
+                        <a:srgbClr val="000000"/>
+                      </a:solidFill>
+                      <a:prstDash val="solid"/>
+                      <a:round/>
+                      <a:headEnd type="none" w="med" len="med"/>
+                      <a:tailEnd type="none" w="med" len="med"/>
+                    </a:lnT>
+                    <a:lnB w="6350" cap="flat" cmpd="sng" algn="ctr">
+                      <a:solidFill>
+                        <a:srgbClr val="000000"/>
+                      </a:solidFill>
+                      <a:prstDash val="solid"/>
+                      <a:round/>
+                      <a:headEnd type="none" w="med" len="med"/>
+                      <a:tailEnd type="none" w="med" len="med"/>
+                    </a:lnB>
+                  </a:tcPr>
+                </a:tc>
+                <a:extLst>
+                  <a:ext uri="{0D108BD9-81ED-4DB2-BD59-A6C34878D82A}">
+                    <a16:rowId xmlns:a16="http://schemas.microsoft.com/office/drawing/2014/main" val="1764680465"/>
+                  </a:ext>
+                </a:extLst>
+              </a:tr>
+              <a:tr h="194648">
+                <a:tc>
+                  <a:txBody>
+                    <a:bodyPr/>
+                    <a:lstStyle/>
+                    <a:p>
+                      <a:pPr algn="ctr" rtl="0" fontAlgn="t">
+                        <a:spcBef>
+                          <a:spcPts val="0"/>
+                        </a:spcBef>
+                        <a:spcAft>
+                          <a:spcPts val="0"/>
+                        </a:spcAft>
+                      </a:pPr>
+                      <a:r>
+                        <a:rPr lang="en-US" sz="900" b="0" i="0" u="none" strike="noStrike">
+                          <a:solidFill>
+                            <a:srgbClr val="000000"/>
+                          </a:solidFill>
+                          <a:effectLst/>
+                          <a:latin typeface="Times New Roman" panose="02020603050405020304" pitchFamily="18" charset="0"/>
+                        </a:rPr>
+                        <a:t>13</a:t>
+                      </a:r>
+                      <a:endParaRPr lang="en-US" sz="1300">
+                        <a:effectLst/>
+                      </a:endParaRPr>
+                    </a:p>
+                  </a:txBody>
+                  <a:tcPr marL="48662" marR="48662" marT="32441" marB="32441">
+                    <a:lnL w="6350" cap="flat" cmpd="sng" algn="ctr">
+                      <a:solidFill>
+                        <a:srgbClr val="000000"/>
+                      </a:solidFill>
+                      <a:prstDash val="solid"/>
+                      <a:round/>
+                      <a:headEnd type="none" w="med" len="med"/>
+                      <a:tailEnd type="none" w="med" len="med"/>
+                    </a:lnL>
+                    <a:lnR w="6350" cap="flat" cmpd="sng" algn="ctr">
+                      <a:solidFill>
+                        <a:srgbClr val="000000"/>
+                      </a:solidFill>
+                      <a:prstDash val="solid"/>
+                      <a:round/>
+                      <a:headEnd type="none" w="med" len="med"/>
+                      <a:tailEnd type="none" w="med" len="med"/>
+                    </a:lnR>
+                    <a:lnT w="6350" cap="flat" cmpd="sng" algn="ctr">
+                      <a:solidFill>
+                        <a:srgbClr val="000000"/>
+                      </a:solidFill>
+                      <a:prstDash val="solid"/>
+                      <a:round/>
+                      <a:headEnd type="none" w="med" len="med"/>
+                      <a:tailEnd type="none" w="med" len="med"/>
+                    </a:lnT>
+                    <a:lnB w="6350" cap="flat" cmpd="sng" algn="ctr">
+                      <a:solidFill>
+                        <a:srgbClr val="000000"/>
+                      </a:solidFill>
+                      <a:prstDash val="solid"/>
+                      <a:round/>
+                      <a:headEnd type="none" w="med" len="med"/>
+                      <a:tailEnd type="none" w="med" len="med"/>
+                    </a:lnB>
+                  </a:tcPr>
+                </a:tc>
+                <a:tc>
+                  <a:txBody>
+                    <a:bodyPr/>
+                    <a:lstStyle/>
+                    <a:p>
+                      <a:pPr rtl="0" fontAlgn="t">
+                        <a:spcBef>
+                          <a:spcPts val="0"/>
+                        </a:spcBef>
+                        <a:spcAft>
+                          <a:spcPts val="0"/>
+                        </a:spcAft>
+                      </a:pPr>
+                      <a:r>
+                        <a:rPr lang="en-US" sz="900" b="0" i="0" u="none" strike="noStrike">
+                          <a:solidFill>
+                            <a:srgbClr val="000000"/>
+                          </a:solidFill>
+                          <a:effectLst/>
+                          <a:latin typeface="Times New Roman" panose="02020603050405020304" pitchFamily="18" charset="0"/>
+                        </a:rPr>
+                        <a:t>CS Lymphnodes</a:t>
+                      </a:r>
+                      <a:endParaRPr lang="en-US" sz="1300">
+                        <a:effectLst/>
+                      </a:endParaRPr>
+                    </a:p>
+                  </a:txBody>
+                  <a:tcPr marL="48662" marR="48662" marT="32441" marB="32441">
+                    <a:lnL w="6350" cap="flat" cmpd="sng" algn="ctr">
+                      <a:solidFill>
+                        <a:srgbClr val="000000"/>
+                      </a:solidFill>
+                      <a:prstDash val="solid"/>
+                      <a:round/>
+                      <a:headEnd type="none" w="med" len="med"/>
+                      <a:tailEnd type="none" w="med" len="med"/>
+                    </a:lnL>
+                    <a:lnR w="6350" cap="flat" cmpd="sng" algn="ctr">
+                      <a:solidFill>
+                        <a:srgbClr val="000000"/>
+                      </a:solidFill>
+                      <a:prstDash val="solid"/>
+                      <a:round/>
+                      <a:headEnd type="none" w="med" len="med"/>
+                      <a:tailEnd type="none" w="med" len="med"/>
+                    </a:lnR>
+                    <a:lnT w="6350" cap="flat" cmpd="sng" algn="ctr">
+                      <a:solidFill>
+                        <a:srgbClr val="000000"/>
+                      </a:solidFill>
+                      <a:prstDash val="solid"/>
+                      <a:round/>
+                      <a:headEnd type="none" w="med" len="med"/>
+                      <a:tailEnd type="none" w="med" len="med"/>
+                    </a:lnT>
+                    <a:lnB w="6350" cap="flat" cmpd="sng" algn="ctr">
+                      <a:solidFill>
+                        <a:srgbClr val="000000"/>
+                      </a:solidFill>
+                      <a:prstDash val="solid"/>
+                      <a:round/>
+                      <a:headEnd type="none" w="med" len="med"/>
+                      <a:tailEnd type="none" w="med" len="med"/>
+                    </a:lnB>
+                  </a:tcPr>
+                </a:tc>
+                <a:tc>
+                  <a:txBody>
+                    <a:bodyPr/>
+                    <a:lstStyle/>
+                    <a:p>
+                      <a:pPr algn="ctr" rtl="0" fontAlgn="t">
+                        <a:spcBef>
+                          <a:spcPts val="0"/>
+                        </a:spcBef>
+                        <a:spcAft>
+                          <a:spcPts val="0"/>
+                        </a:spcAft>
+                      </a:pPr>
+                      <a:r>
+                        <a:rPr lang="en-US" sz="900" b="0" i="0" u="none" strike="noStrike">
+                          <a:solidFill>
+                            <a:srgbClr val="000000"/>
+                          </a:solidFill>
+                          <a:effectLst/>
+                          <a:latin typeface="Times New Roman" panose="02020603050405020304" pitchFamily="18" charset="0"/>
+                        </a:rPr>
+                        <a:t>Numeric</a:t>
+                      </a:r>
+                      <a:endParaRPr lang="en-US" sz="1300">
+                        <a:effectLst/>
+                      </a:endParaRPr>
+                    </a:p>
+                  </a:txBody>
+                  <a:tcPr marL="48662" marR="48662" marT="32441" marB="32441">
+                    <a:lnL w="6350" cap="flat" cmpd="sng" algn="ctr">
+                      <a:solidFill>
+                        <a:srgbClr val="000000"/>
+                      </a:solidFill>
+                      <a:prstDash val="solid"/>
+                      <a:round/>
+                      <a:headEnd type="none" w="med" len="med"/>
+                      <a:tailEnd type="none" w="med" len="med"/>
+                    </a:lnL>
+                    <a:lnR w="6350" cap="flat" cmpd="sng" algn="ctr">
+                      <a:solidFill>
+                        <a:srgbClr val="000000"/>
+                      </a:solidFill>
+                      <a:prstDash val="solid"/>
+                      <a:round/>
+                      <a:headEnd type="none" w="med" len="med"/>
+                      <a:tailEnd type="none" w="med" len="med"/>
+                    </a:lnR>
+                    <a:lnT w="6350" cap="flat" cmpd="sng" algn="ctr">
+                      <a:solidFill>
+                        <a:srgbClr val="000000"/>
+                      </a:solidFill>
+                      <a:prstDash val="solid"/>
+                      <a:round/>
+                      <a:headEnd type="none" w="med" len="med"/>
+                      <a:tailEnd type="none" w="med" len="med"/>
+                    </a:lnT>
+                    <a:lnB w="6350" cap="flat" cmpd="sng" algn="ctr">
+                      <a:solidFill>
+                        <a:srgbClr val="000000"/>
+                      </a:solidFill>
+                      <a:prstDash val="solid"/>
+                      <a:round/>
+                      <a:headEnd type="none" w="med" len="med"/>
+                      <a:tailEnd type="none" w="med" len="med"/>
+                    </a:lnB>
+                  </a:tcPr>
+                </a:tc>
+                <a:extLst>
+                  <a:ext uri="{0D108BD9-81ED-4DB2-BD59-A6C34878D82A}">
+                    <a16:rowId xmlns:a16="http://schemas.microsoft.com/office/drawing/2014/main" val="3138733354"/>
+                  </a:ext>
+                </a:extLst>
+              </a:tr>
+              <a:tr h="194648">
+                <a:tc>
+                  <a:txBody>
+                    <a:bodyPr/>
+                    <a:lstStyle/>
+                    <a:p>
+                      <a:pPr algn="ctr" rtl="0" fontAlgn="t">
+                        <a:spcBef>
+                          <a:spcPts val="0"/>
+                        </a:spcBef>
+                        <a:spcAft>
+                          <a:spcPts val="0"/>
+                        </a:spcAft>
+                      </a:pPr>
+                      <a:r>
+                        <a:rPr lang="en-US" sz="900" b="0" i="0" u="none" strike="noStrike">
+                          <a:solidFill>
+                            <a:srgbClr val="000000"/>
+                          </a:solidFill>
+                          <a:effectLst/>
+                          <a:latin typeface="Times New Roman" panose="02020603050405020304" pitchFamily="18" charset="0"/>
+                        </a:rPr>
+                        <a:t>14</a:t>
+                      </a:r>
+                      <a:endParaRPr lang="en-US" sz="1300">
+                        <a:effectLst/>
+                      </a:endParaRPr>
+                    </a:p>
+                  </a:txBody>
+                  <a:tcPr marL="48662" marR="48662" marT="32441" marB="32441">
+                    <a:lnL w="6350" cap="flat" cmpd="sng" algn="ctr">
+                      <a:solidFill>
+                        <a:srgbClr val="000000"/>
+                      </a:solidFill>
+                      <a:prstDash val="solid"/>
+                      <a:round/>
+                      <a:headEnd type="none" w="med" len="med"/>
+                      <a:tailEnd type="none" w="med" len="med"/>
+                    </a:lnL>
+                    <a:lnR w="6350" cap="flat" cmpd="sng" algn="ctr">
+                      <a:solidFill>
+                        <a:srgbClr val="000000"/>
+                      </a:solidFill>
+                      <a:prstDash val="solid"/>
+                      <a:round/>
+                      <a:headEnd type="none" w="med" len="med"/>
+                      <a:tailEnd type="none" w="med" len="med"/>
+                    </a:lnR>
+                    <a:lnT w="6350" cap="flat" cmpd="sng" algn="ctr">
+                      <a:solidFill>
+                        <a:srgbClr val="000000"/>
+                      </a:solidFill>
+                      <a:prstDash val="solid"/>
+                      <a:round/>
+                      <a:headEnd type="none" w="med" len="med"/>
+                      <a:tailEnd type="none" w="med" len="med"/>
+                    </a:lnT>
+                    <a:lnB w="6350" cap="flat" cmpd="sng" algn="ctr">
+                      <a:solidFill>
+                        <a:srgbClr val="000000"/>
+                      </a:solidFill>
+                      <a:prstDash val="solid"/>
+                      <a:round/>
+                      <a:headEnd type="none" w="med" len="med"/>
+                      <a:tailEnd type="none" w="med" len="med"/>
+                    </a:lnB>
+                  </a:tcPr>
+                </a:tc>
+                <a:tc>
+                  <a:txBody>
+                    <a:bodyPr/>
+                    <a:lstStyle/>
+                    <a:p>
+                      <a:pPr rtl="0" fontAlgn="t">
+                        <a:spcBef>
+                          <a:spcPts val="0"/>
+                        </a:spcBef>
+                        <a:spcAft>
+                          <a:spcPts val="0"/>
+                        </a:spcAft>
+                      </a:pPr>
+                      <a:r>
+                        <a:rPr lang="en-US" sz="900" b="0" i="0" u="none" strike="noStrike">
+                          <a:solidFill>
+                            <a:srgbClr val="000000"/>
+                          </a:solidFill>
+                          <a:effectLst/>
+                          <a:latin typeface="Times New Roman" panose="02020603050405020304" pitchFamily="18" charset="0"/>
+                        </a:rPr>
+                        <a:t>Histology Recode – Broad Groupings</a:t>
+                      </a:r>
+                      <a:endParaRPr lang="en-US" sz="1300">
+                        <a:effectLst/>
+                      </a:endParaRPr>
+                    </a:p>
+                  </a:txBody>
+                  <a:tcPr marL="48662" marR="48662" marT="32441" marB="32441">
+                    <a:lnL w="6350" cap="flat" cmpd="sng" algn="ctr">
+                      <a:solidFill>
+                        <a:srgbClr val="000000"/>
+                      </a:solidFill>
+                      <a:prstDash val="solid"/>
+                      <a:round/>
+                      <a:headEnd type="none" w="med" len="med"/>
+                      <a:tailEnd type="none" w="med" len="med"/>
+                    </a:lnL>
+                    <a:lnR w="6350" cap="flat" cmpd="sng" algn="ctr">
+                      <a:solidFill>
+                        <a:srgbClr val="000000"/>
+                      </a:solidFill>
+                      <a:prstDash val="solid"/>
+                      <a:round/>
+                      <a:headEnd type="none" w="med" len="med"/>
+                      <a:tailEnd type="none" w="med" len="med"/>
+                    </a:lnR>
+                    <a:lnT w="6350" cap="flat" cmpd="sng" algn="ctr">
+                      <a:solidFill>
+                        <a:srgbClr val="000000"/>
+                      </a:solidFill>
+                      <a:prstDash val="solid"/>
+                      <a:round/>
+                      <a:headEnd type="none" w="med" len="med"/>
+                      <a:tailEnd type="none" w="med" len="med"/>
+                    </a:lnT>
+                    <a:lnB w="6350" cap="flat" cmpd="sng" algn="ctr">
+                      <a:solidFill>
+                        <a:srgbClr val="000000"/>
+                      </a:solidFill>
+                      <a:prstDash val="solid"/>
+                      <a:round/>
+                      <a:headEnd type="none" w="med" len="med"/>
+                      <a:tailEnd type="none" w="med" len="med"/>
+                    </a:lnB>
+                  </a:tcPr>
+                </a:tc>
+                <a:tc>
+                  <a:txBody>
+                    <a:bodyPr/>
+                    <a:lstStyle/>
+                    <a:p>
+                      <a:pPr algn="ctr" rtl="0" fontAlgn="t">
+                        <a:spcBef>
+                          <a:spcPts val="0"/>
+                        </a:spcBef>
+                        <a:spcAft>
+                          <a:spcPts val="0"/>
+                        </a:spcAft>
+                      </a:pPr>
+                      <a:r>
+                        <a:rPr lang="en-US" sz="900" b="0" i="0" u="none" strike="noStrike">
+                          <a:solidFill>
+                            <a:srgbClr val="000000"/>
+                          </a:solidFill>
+                          <a:effectLst/>
+                          <a:latin typeface="Times New Roman" panose="02020603050405020304" pitchFamily="18" charset="0"/>
+                        </a:rPr>
+                        <a:t>Numeric</a:t>
+                      </a:r>
+                      <a:endParaRPr lang="en-US" sz="1300">
+                        <a:effectLst/>
+                      </a:endParaRPr>
+                    </a:p>
+                  </a:txBody>
+                  <a:tcPr marL="48662" marR="48662" marT="32441" marB="32441">
+                    <a:lnL w="6350" cap="flat" cmpd="sng" algn="ctr">
+                      <a:solidFill>
+                        <a:srgbClr val="000000"/>
+                      </a:solidFill>
+                      <a:prstDash val="solid"/>
+                      <a:round/>
+                      <a:headEnd type="none" w="med" len="med"/>
+                      <a:tailEnd type="none" w="med" len="med"/>
+                    </a:lnL>
+                    <a:lnR w="6350" cap="flat" cmpd="sng" algn="ctr">
+                      <a:solidFill>
+                        <a:srgbClr val="000000"/>
+                      </a:solidFill>
+                      <a:prstDash val="solid"/>
+                      <a:round/>
+                      <a:headEnd type="none" w="med" len="med"/>
+                      <a:tailEnd type="none" w="med" len="med"/>
+                    </a:lnR>
+                    <a:lnT w="6350" cap="flat" cmpd="sng" algn="ctr">
+                      <a:solidFill>
+                        <a:srgbClr val="000000"/>
+                      </a:solidFill>
+                      <a:prstDash val="solid"/>
+                      <a:round/>
+                      <a:headEnd type="none" w="med" len="med"/>
+                      <a:tailEnd type="none" w="med" len="med"/>
+                    </a:lnT>
+                    <a:lnB w="6350" cap="flat" cmpd="sng" algn="ctr">
+                      <a:solidFill>
+                        <a:srgbClr val="000000"/>
+                      </a:solidFill>
+                      <a:prstDash val="solid"/>
+                      <a:round/>
+                      <a:headEnd type="none" w="med" len="med"/>
+                      <a:tailEnd type="none" w="med" len="med"/>
+                    </a:lnB>
+                  </a:tcPr>
+                </a:tc>
+                <a:extLst>
+                  <a:ext uri="{0D108BD9-81ED-4DB2-BD59-A6C34878D82A}">
+                    <a16:rowId xmlns:a16="http://schemas.microsoft.com/office/drawing/2014/main" val="302397850"/>
+                  </a:ext>
+                </a:extLst>
+              </a:tr>
+              <a:tr h="324413">
+                <a:tc>
+                  <a:txBody>
+                    <a:bodyPr/>
+                    <a:lstStyle/>
+                    <a:p>
+                      <a:pPr algn="ctr" rtl="0" fontAlgn="t">
+                        <a:spcBef>
+                          <a:spcPts val="0"/>
+                        </a:spcBef>
+                        <a:spcAft>
+                          <a:spcPts val="0"/>
+                        </a:spcAft>
+                      </a:pPr>
+                      <a:r>
+                        <a:rPr lang="en-US" sz="900" b="0" i="0" u="none" strike="noStrike">
+                          <a:solidFill>
+                            <a:srgbClr val="000000"/>
+                          </a:solidFill>
+                          <a:effectLst/>
+                          <a:latin typeface="Times New Roman" panose="02020603050405020304" pitchFamily="18" charset="0"/>
+                        </a:rPr>
+                        <a:t>15</a:t>
+                      </a:r>
+                      <a:endParaRPr lang="en-US" sz="1300">
+                        <a:effectLst/>
+                      </a:endParaRPr>
+                    </a:p>
+                  </a:txBody>
+                  <a:tcPr marL="48662" marR="48662" marT="32441" marB="32441">
+                    <a:lnL w="6350" cap="flat" cmpd="sng" algn="ctr">
+                      <a:solidFill>
+                        <a:srgbClr val="000000"/>
+                      </a:solidFill>
+                      <a:prstDash val="solid"/>
+                      <a:round/>
+                      <a:headEnd type="none" w="med" len="med"/>
+                      <a:tailEnd type="none" w="med" len="med"/>
+                    </a:lnL>
+                    <a:lnR w="6350" cap="flat" cmpd="sng" algn="ctr">
+                      <a:solidFill>
+                        <a:srgbClr val="000000"/>
+                      </a:solidFill>
+                      <a:prstDash val="solid"/>
+                      <a:round/>
+                      <a:headEnd type="none" w="med" len="med"/>
+                      <a:tailEnd type="none" w="med" len="med"/>
+                    </a:lnR>
+                    <a:lnT w="6350" cap="flat" cmpd="sng" algn="ctr">
+                      <a:solidFill>
+                        <a:srgbClr val="000000"/>
+                      </a:solidFill>
+                      <a:prstDash val="solid"/>
+                      <a:round/>
+                      <a:headEnd type="none" w="med" len="med"/>
+                      <a:tailEnd type="none" w="med" len="med"/>
+                    </a:lnT>
+                    <a:lnB w="6350" cap="flat" cmpd="sng" algn="ctr">
+                      <a:solidFill>
+                        <a:srgbClr val="000000"/>
+                      </a:solidFill>
+                      <a:prstDash val="solid"/>
+                      <a:round/>
+                      <a:headEnd type="none" w="med" len="med"/>
+                      <a:tailEnd type="none" w="med" len="med"/>
+                    </a:lnB>
+                  </a:tcPr>
+                </a:tc>
+                <a:tc>
+                  <a:txBody>
+                    <a:bodyPr/>
+                    <a:lstStyle/>
+                    <a:p>
+                      <a:pPr rtl="0" fontAlgn="t">
+                        <a:spcBef>
+                          <a:spcPts val="0"/>
+                        </a:spcBef>
+                        <a:spcAft>
+                          <a:spcPts val="0"/>
+                        </a:spcAft>
+                      </a:pPr>
+                      <a:r>
+                        <a:rPr lang="en-US" sz="900" b="0" i="0" u="none" strike="noStrike">
+                          <a:solidFill>
+                            <a:srgbClr val="000000"/>
+                          </a:solidFill>
+                          <a:effectLst/>
+                          <a:latin typeface="Times New Roman" panose="02020603050405020304" pitchFamily="18" charset="0"/>
+                        </a:rPr>
+                        <a:t>RXSumm-ScopeRegLNSur(2003+) (Scope of Regional Lymph Node Surgery)</a:t>
+                      </a:r>
+                      <a:endParaRPr lang="en-US" sz="1300">
+                        <a:effectLst/>
+                      </a:endParaRPr>
+                    </a:p>
+                  </a:txBody>
+                  <a:tcPr marL="48662" marR="48662" marT="32441" marB="32441">
+                    <a:lnL w="6350" cap="flat" cmpd="sng" algn="ctr">
+                      <a:solidFill>
+                        <a:srgbClr val="000000"/>
+                      </a:solidFill>
+                      <a:prstDash val="solid"/>
+                      <a:round/>
+                      <a:headEnd type="none" w="med" len="med"/>
+                      <a:tailEnd type="none" w="med" len="med"/>
+                    </a:lnL>
+                    <a:lnR w="6350" cap="flat" cmpd="sng" algn="ctr">
+                      <a:solidFill>
+                        <a:srgbClr val="000000"/>
+                      </a:solidFill>
+                      <a:prstDash val="solid"/>
+                      <a:round/>
+                      <a:headEnd type="none" w="med" len="med"/>
+                      <a:tailEnd type="none" w="med" len="med"/>
+                    </a:lnR>
+                    <a:lnT w="6350" cap="flat" cmpd="sng" algn="ctr">
+                      <a:solidFill>
+                        <a:srgbClr val="000000"/>
+                      </a:solidFill>
+                      <a:prstDash val="solid"/>
+                      <a:round/>
+                      <a:headEnd type="none" w="med" len="med"/>
+                      <a:tailEnd type="none" w="med" len="med"/>
+                    </a:lnT>
+                    <a:lnB w="6350" cap="flat" cmpd="sng" algn="ctr">
+                      <a:solidFill>
+                        <a:srgbClr val="000000"/>
+                      </a:solidFill>
+                      <a:prstDash val="solid"/>
+                      <a:round/>
+                      <a:headEnd type="none" w="med" len="med"/>
+                      <a:tailEnd type="none" w="med" len="med"/>
+                    </a:lnB>
+                  </a:tcPr>
+                </a:tc>
+                <a:tc>
+                  <a:txBody>
+                    <a:bodyPr/>
+                    <a:lstStyle/>
+                    <a:p>
+                      <a:pPr algn="ctr" rtl="0" fontAlgn="t">
+                        <a:spcBef>
+                          <a:spcPts val="0"/>
+                        </a:spcBef>
+                        <a:spcAft>
+                          <a:spcPts val="0"/>
+                        </a:spcAft>
+                      </a:pPr>
+                      <a:r>
+                        <a:rPr lang="en-US" sz="900" b="0" i="0" u="none" strike="noStrike">
+                          <a:solidFill>
+                            <a:srgbClr val="000000"/>
+                          </a:solidFill>
+                          <a:effectLst/>
+                          <a:latin typeface="Times New Roman" panose="02020603050405020304" pitchFamily="18" charset="0"/>
+                        </a:rPr>
+                        <a:t>Numeric</a:t>
+                      </a:r>
+                      <a:endParaRPr lang="en-US" sz="1300">
+                        <a:effectLst/>
+                      </a:endParaRPr>
+                    </a:p>
+                  </a:txBody>
+                  <a:tcPr marL="48662" marR="48662" marT="32441" marB="32441">
+                    <a:lnL w="6350" cap="flat" cmpd="sng" algn="ctr">
+                      <a:solidFill>
+                        <a:srgbClr val="000000"/>
+                      </a:solidFill>
+                      <a:prstDash val="solid"/>
+                      <a:round/>
+                      <a:headEnd type="none" w="med" len="med"/>
+                      <a:tailEnd type="none" w="med" len="med"/>
+                    </a:lnL>
+                    <a:lnR w="6350" cap="flat" cmpd="sng" algn="ctr">
+                      <a:solidFill>
+                        <a:srgbClr val="000000"/>
+                      </a:solidFill>
+                      <a:prstDash val="solid"/>
+                      <a:round/>
+                      <a:headEnd type="none" w="med" len="med"/>
+                      <a:tailEnd type="none" w="med" len="med"/>
+                    </a:lnR>
+                    <a:lnT w="6350" cap="flat" cmpd="sng" algn="ctr">
+                      <a:solidFill>
+                        <a:srgbClr val="000000"/>
+                      </a:solidFill>
+                      <a:prstDash val="solid"/>
+                      <a:round/>
+                      <a:headEnd type="none" w="med" len="med"/>
+                      <a:tailEnd type="none" w="med" len="med"/>
+                    </a:lnT>
+                    <a:lnB w="6350" cap="flat" cmpd="sng" algn="ctr">
+                      <a:solidFill>
+                        <a:srgbClr val="000000"/>
+                      </a:solidFill>
+                      <a:prstDash val="solid"/>
+                      <a:round/>
+                      <a:headEnd type="none" w="med" len="med"/>
+                      <a:tailEnd type="none" w="med" len="med"/>
+                    </a:lnB>
+                  </a:tcPr>
+                </a:tc>
+                <a:extLst>
+                  <a:ext uri="{0D108BD9-81ED-4DB2-BD59-A6C34878D82A}">
+                    <a16:rowId xmlns:a16="http://schemas.microsoft.com/office/drawing/2014/main" val="64199368"/>
+                  </a:ext>
+                </a:extLst>
+              </a:tr>
+              <a:tr h="194648">
+                <a:tc>
+                  <a:txBody>
+                    <a:bodyPr/>
+                    <a:lstStyle/>
+                    <a:p>
+                      <a:pPr algn="ctr" rtl="0" fontAlgn="t">
+                        <a:spcBef>
+                          <a:spcPts val="0"/>
+                        </a:spcBef>
+                        <a:spcAft>
+                          <a:spcPts val="0"/>
+                        </a:spcAft>
+                      </a:pPr>
+                      <a:r>
+                        <a:rPr lang="en-US" sz="900" b="0" i="0" u="none" strike="noStrike">
+                          <a:solidFill>
+                            <a:srgbClr val="000000"/>
+                          </a:solidFill>
+                          <a:effectLst/>
+                          <a:latin typeface="Times New Roman" panose="02020603050405020304" pitchFamily="18" charset="0"/>
+                        </a:rPr>
+                        <a:t>16</a:t>
+                      </a:r>
+                      <a:endParaRPr lang="en-US" sz="1300">
+                        <a:effectLst/>
+                      </a:endParaRPr>
+                    </a:p>
+                  </a:txBody>
+                  <a:tcPr marL="48662" marR="48662" marT="32441" marB="32441">
+                    <a:lnL w="6350" cap="flat" cmpd="sng" algn="ctr">
+                      <a:solidFill>
+                        <a:srgbClr val="000000"/>
+                      </a:solidFill>
+                      <a:prstDash val="solid"/>
+                      <a:round/>
+                      <a:headEnd type="none" w="med" len="med"/>
+                      <a:tailEnd type="none" w="med" len="med"/>
+                    </a:lnL>
+                    <a:lnR w="6350" cap="flat" cmpd="sng" algn="ctr">
+                      <a:solidFill>
+                        <a:srgbClr val="000000"/>
+                      </a:solidFill>
+                      <a:prstDash val="solid"/>
+                      <a:round/>
+                      <a:headEnd type="none" w="med" len="med"/>
+                      <a:tailEnd type="none" w="med" len="med"/>
+                    </a:lnR>
+                    <a:lnT w="6350" cap="flat" cmpd="sng" algn="ctr">
+                      <a:solidFill>
+                        <a:srgbClr val="000000"/>
+                      </a:solidFill>
+                      <a:prstDash val="solid"/>
+                      <a:round/>
+                      <a:headEnd type="none" w="med" len="med"/>
+                      <a:tailEnd type="none" w="med" len="med"/>
+                    </a:lnT>
+                    <a:lnB w="6350" cap="flat" cmpd="sng" algn="ctr">
+                      <a:solidFill>
+                        <a:srgbClr val="000000"/>
+                      </a:solidFill>
+                      <a:prstDash val="solid"/>
+                      <a:round/>
+                      <a:headEnd type="none" w="med" len="med"/>
+                      <a:tailEnd type="none" w="med" len="med"/>
+                    </a:lnB>
+                  </a:tcPr>
+                </a:tc>
+                <a:tc>
+                  <a:txBody>
+                    <a:bodyPr/>
+                    <a:lstStyle/>
+                    <a:p>
+                      <a:pPr rtl="0" fontAlgn="t">
+                        <a:spcBef>
+                          <a:spcPts val="0"/>
+                        </a:spcBef>
+                        <a:spcAft>
+                          <a:spcPts val="0"/>
+                        </a:spcAft>
+                      </a:pPr>
+                      <a:r>
+                        <a:rPr lang="en-US" sz="900" b="0" i="0" u="none" strike="noStrike">
+                          <a:solidFill>
+                            <a:srgbClr val="000000"/>
+                          </a:solidFill>
+                          <a:effectLst/>
+                          <a:latin typeface="Times New Roman" panose="02020603050405020304" pitchFamily="18" charset="0"/>
+                        </a:rPr>
+                        <a:t>RXSumm-SurgPrimSite(1998+) (Surgery of Primary Site)</a:t>
+                      </a:r>
+                      <a:endParaRPr lang="en-US" sz="1300">
+                        <a:effectLst/>
+                      </a:endParaRPr>
+                    </a:p>
+                  </a:txBody>
+                  <a:tcPr marL="48662" marR="48662" marT="32441" marB="32441">
+                    <a:lnL w="6350" cap="flat" cmpd="sng" algn="ctr">
+                      <a:solidFill>
+                        <a:srgbClr val="000000"/>
+                      </a:solidFill>
+                      <a:prstDash val="solid"/>
+                      <a:round/>
+                      <a:headEnd type="none" w="med" len="med"/>
+                      <a:tailEnd type="none" w="med" len="med"/>
+                    </a:lnL>
+                    <a:lnR w="6350" cap="flat" cmpd="sng" algn="ctr">
+                      <a:solidFill>
+                        <a:srgbClr val="000000"/>
+                      </a:solidFill>
+                      <a:prstDash val="solid"/>
+                      <a:round/>
+                      <a:headEnd type="none" w="med" len="med"/>
+                      <a:tailEnd type="none" w="med" len="med"/>
+                    </a:lnR>
+                    <a:lnT w="6350" cap="flat" cmpd="sng" algn="ctr">
+                      <a:solidFill>
+                        <a:srgbClr val="000000"/>
+                      </a:solidFill>
+                      <a:prstDash val="solid"/>
+                      <a:round/>
+                      <a:headEnd type="none" w="med" len="med"/>
+                      <a:tailEnd type="none" w="med" len="med"/>
+                    </a:lnT>
+                    <a:lnB w="6350" cap="flat" cmpd="sng" algn="ctr">
+                      <a:solidFill>
+                        <a:srgbClr val="000000"/>
+                      </a:solidFill>
+                      <a:prstDash val="solid"/>
+                      <a:round/>
+                      <a:headEnd type="none" w="med" len="med"/>
+                      <a:tailEnd type="none" w="med" len="med"/>
+                    </a:lnB>
+                  </a:tcPr>
+                </a:tc>
+                <a:tc>
+                  <a:txBody>
+                    <a:bodyPr/>
+                    <a:lstStyle/>
+                    <a:p>
+                      <a:pPr algn="ctr" rtl="0" fontAlgn="t">
+                        <a:spcBef>
+                          <a:spcPts val="0"/>
+                        </a:spcBef>
+                        <a:spcAft>
+                          <a:spcPts val="0"/>
+                        </a:spcAft>
+                      </a:pPr>
+                      <a:r>
+                        <a:rPr lang="en-US" sz="900" b="0" i="0" u="none" strike="noStrike">
+                          <a:solidFill>
+                            <a:srgbClr val="000000"/>
+                          </a:solidFill>
+                          <a:effectLst/>
+                          <a:latin typeface="Times New Roman" panose="02020603050405020304" pitchFamily="18" charset="0"/>
+                        </a:rPr>
+                        <a:t>Numeric</a:t>
+                      </a:r>
+                      <a:endParaRPr lang="en-US" sz="1300">
+                        <a:effectLst/>
+                      </a:endParaRPr>
+                    </a:p>
+                  </a:txBody>
+                  <a:tcPr marL="48662" marR="48662" marT="32441" marB="32441">
+                    <a:lnL w="6350" cap="flat" cmpd="sng" algn="ctr">
+                      <a:solidFill>
+                        <a:srgbClr val="000000"/>
+                      </a:solidFill>
+                      <a:prstDash val="solid"/>
+                      <a:round/>
+                      <a:headEnd type="none" w="med" len="med"/>
+                      <a:tailEnd type="none" w="med" len="med"/>
+                    </a:lnL>
+                    <a:lnR w="6350" cap="flat" cmpd="sng" algn="ctr">
+                      <a:solidFill>
+                        <a:srgbClr val="000000"/>
+                      </a:solidFill>
+                      <a:prstDash val="solid"/>
+                      <a:round/>
+                      <a:headEnd type="none" w="med" len="med"/>
+                      <a:tailEnd type="none" w="med" len="med"/>
+                    </a:lnR>
+                    <a:lnT w="6350" cap="flat" cmpd="sng" algn="ctr">
+                      <a:solidFill>
+                        <a:srgbClr val="000000"/>
+                      </a:solidFill>
+                      <a:prstDash val="solid"/>
+                      <a:round/>
+                      <a:headEnd type="none" w="med" len="med"/>
+                      <a:tailEnd type="none" w="med" len="med"/>
+                    </a:lnT>
+                    <a:lnB w="6350" cap="flat" cmpd="sng" algn="ctr">
+                      <a:solidFill>
+                        <a:srgbClr val="000000"/>
+                      </a:solidFill>
+                      <a:prstDash val="solid"/>
+                      <a:round/>
+                      <a:headEnd type="none" w="med" len="med"/>
+                      <a:tailEnd type="none" w="med" len="med"/>
+                    </a:lnB>
+                  </a:tcPr>
+                </a:tc>
+                <a:extLst>
+                  <a:ext uri="{0D108BD9-81ED-4DB2-BD59-A6C34878D82A}">
+                    <a16:rowId xmlns:a16="http://schemas.microsoft.com/office/drawing/2014/main" val="2504171964"/>
+                  </a:ext>
+                </a:extLst>
+              </a:tr>
+              <a:tr h="194648">
+                <a:tc>
+                  <a:txBody>
+                    <a:bodyPr/>
+                    <a:lstStyle/>
+                    <a:p>
+                      <a:pPr algn="ctr" rtl="0" fontAlgn="t">
+                        <a:spcBef>
+                          <a:spcPts val="0"/>
+                        </a:spcBef>
+                        <a:spcAft>
+                          <a:spcPts val="0"/>
+                        </a:spcAft>
+                      </a:pPr>
+                      <a:r>
+                        <a:rPr lang="en-US" sz="900" b="0" i="0" u="none" strike="noStrike">
+                          <a:solidFill>
+                            <a:srgbClr val="000000"/>
+                          </a:solidFill>
+                          <a:effectLst/>
+                          <a:latin typeface="Times New Roman" panose="02020603050405020304" pitchFamily="18" charset="0"/>
+                        </a:rPr>
+                        <a:t>17</a:t>
+                      </a:r>
+                      <a:endParaRPr lang="en-US" sz="1300">
+                        <a:effectLst/>
+                      </a:endParaRPr>
+                    </a:p>
+                  </a:txBody>
+                  <a:tcPr marL="48662" marR="48662" marT="32441" marB="32441">
+                    <a:lnL w="6350" cap="flat" cmpd="sng" algn="ctr">
+                      <a:solidFill>
+                        <a:srgbClr val="000000"/>
+                      </a:solidFill>
+                      <a:prstDash val="solid"/>
+                      <a:round/>
+                      <a:headEnd type="none" w="med" len="med"/>
+                      <a:tailEnd type="none" w="med" len="med"/>
+                    </a:lnL>
+                    <a:lnR w="6350" cap="flat" cmpd="sng" algn="ctr">
+                      <a:solidFill>
+                        <a:srgbClr val="000000"/>
+                      </a:solidFill>
+                      <a:prstDash val="solid"/>
+                      <a:round/>
+                      <a:headEnd type="none" w="med" len="med"/>
+                      <a:tailEnd type="none" w="med" len="med"/>
+                    </a:lnR>
+                    <a:lnT w="6350" cap="flat" cmpd="sng" algn="ctr">
+                      <a:solidFill>
+                        <a:srgbClr val="000000"/>
+                      </a:solidFill>
+                      <a:prstDash val="solid"/>
+                      <a:round/>
+                      <a:headEnd type="none" w="med" len="med"/>
+                      <a:tailEnd type="none" w="med" len="med"/>
+                    </a:lnT>
+                    <a:lnB w="6350" cap="flat" cmpd="sng" algn="ctr">
+                      <a:solidFill>
+                        <a:srgbClr val="000000"/>
+                      </a:solidFill>
+                      <a:prstDash val="solid"/>
+                      <a:round/>
+                      <a:headEnd type="none" w="med" len="med"/>
+                      <a:tailEnd type="none" w="med" len="med"/>
+                    </a:lnB>
+                  </a:tcPr>
+                </a:tc>
+                <a:tc>
+                  <a:txBody>
+                    <a:bodyPr/>
+                    <a:lstStyle/>
+                    <a:p>
+                      <a:pPr rtl="0" fontAlgn="t">
+                        <a:spcBef>
+                          <a:spcPts val="0"/>
+                        </a:spcBef>
+                        <a:spcAft>
+                          <a:spcPts val="0"/>
+                        </a:spcAft>
+                      </a:pPr>
+                      <a:r>
+                        <a:rPr lang="en-US" sz="900" b="0" i="0" u="none" strike="noStrike">
+                          <a:solidFill>
+                            <a:srgbClr val="000000"/>
+                          </a:solidFill>
+                          <a:effectLst/>
+                          <a:latin typeface="Times New Roman" panose="02020603050405020304" pitchFamily="18" charset="0"/>
+                        </a:rPr>
+                        <a:t>DerivedSS1977</a:t>
+                      </a:r>
+                      <a:endParaRPr lang="en-US" sz="1300">
+                        <a:effectLst/>
+                      </a:endParaRPr>
+                    </a:p>
+                  </a:txBody>
+                  <a:tcPr marL="48662" marR="48662" marT="32441" marB="32441">
+                    <a:lnL w="6350" cap="flat" cmpd="sng" algn="ctr">
+                      <a:solidFill>
+                        <a:srgbClr val="000000"/>
+                      </a:solidFill>
+                      <a:prstDash val="solid"/>
+                      <a:round/>
+                      <a:headEnd type="none" w="med" len="med"/>
+                      <a:tailEnd type="none" w="med" len="med"/>
+                    </a:lnL>
+                    <a:lnR w="6350" cap="flat" cmpd="sng" algn="ctr">
+                      <a:solidFill>
+                        <a:srgbClr val="000000"/>
+                      </a:solidFill>
+                      <a:prstDash val="solid"/>
+                      <a:round/>
+                      <a:headEnd type="none" w="med" len="med"/>
+                      <a:tailEnd type="none" w="med" len="med"/>
+                    </a:lnR>
+                    <a:lnT w="6350" cap="flat" cmpd="sng" algn="ctr">
+                      <a:solidFill>
+                        <a:srgbClr val="000000"/>
+                      </a:solidFill>
+                      <a:prstDash val="solid"/>
+                      <a:round/>
+                      <a:headEnd type="none" w="med" len="med"/>
+                      <a:tailEnd type="none" w="med" len="med"/>
+                    </a:lnT>
+                    <a:lnB w="6350" cap="flat" cmpd="sng" algn="ctr">
+                      <a:solidFill>
+                        <a:srgbClr val="000000"/>
+                      </a:solidFill>
+                      <a:prstDash val="solid"/>
+                      <a:round/>
+                      <a:headEnd type="none" w="med" len="med"/>
+                      <a:tailEnd type="none" w="med" len="med"/>
+                    </a:lnB>
+                  </a:tcPr>
+                </a:tc>
+                <a:tc>
+                  <a:txBody>
+                    <a:bodyPr/>
+                    <a:lstStyle/>
+                    <a:p>
+                      <a:pPr algn="ctr" rtl="0" fontAlgn="t">
+                        <a:spcBef>
+                          <a:spcPts val="0"/>
+                        </a:spcBef>
+                        <a:spcAft>
+                          <a:spcPts val="0"/>
+                        </a:spcAft>
+                      </a:pPr>
+                      <a:r>
+                        <a:rPr lang="en-US" sz="900" b="0" i="0" u="none" strike="noStrike">
+                          <a:solidFill>
+                            <a:srgbClr val="000000"/>
+                          </a:solidFill>
+                          <a:effectLst/>
+                          <a:latin typeface="Times New Roman" panose="02020603050405020304" pitchFamily="18" charset="0"/>
+                        </a:rPr>
+                        <a:t>Numeric</a:t>
+                      </a:r>
+                      <a:endParaRPr lang="en-US" sz="1300">
+                        <a:effectLst/>
+                      </a:endParaRPr>
+                    </a:p>
+                  </a:txBody>
+                  <a:tcPr marL="48662" marR="48662" marT="32441" marB="32441">
+                    <a:lnL w="6350" cap="flat" cmpd="sng" algn="ctr">
+                      <a:solidFill>
+                        <a:srgbClr val="000000"/>
+                      </a:solidFill>
+                      <a:prstDash val="solid"/>
+                      <a:round/>
+                      <a:headEnd type="none" w="med" len="med"/>
+                      <a:tailEnd type="none" w="med" len="med"/>
+                    </a:lnL>
+                    <a:lnR w="6350" cap="flat" cmpd="sng" algn="ctr">
+                      <a:solidFill>
+                        <a:srgbClr val="000000"/>
+                      </a:solidFill>
+                      <a:prstDash val="solid"/>
+                      <a:round/>
+                      <a:headEnd type="none" w="med" len="med"/>
+                      <a:tailEnd type="none" w="med" len="med"/>
+                    </a:lnR>
+                    <a:lnT w="6350" cap="flat" cmpd="sng" algn="ctr">
+                      <a:solidFill>
+                        <a:srgbClr val="000000"/>
+                      </a:solidFill>
+                      <a:prstDash val="solid"/>
+                      <a:round/>
+                      <a:headEnd type="none" w="med" len="med"/>
+                      <a:tailEnd type="none" w="med" len="med"/>
+                    </a:lnT>
+                    <a:lnB w="6350" cap="flat" cmpd="sng" algn="ctr">
+                      <a:solidFill>
+                        <a:srgbClr val="000000"/>
+                      </a:solidFill>
+                      <a:prstDash val="solid"/>
+                      <a:round/>
+                      <a:headEnd type="none" w="med" len="med"/>
+                      <a:tailEnd type="none" w="med" len="med"/>
+                    </a:lnB>
+                  </a:tcPr>
+                </a:tc>
+                <a:extLst>
+                  <a:ext uri="{0D108BD9-81ED-4DB2-BD59-A6C34878D82A}">
+                    <a16:rowId xmlns:a16="http://schemas.microsoft.com/office/drawing/2014/main" val="3321667054"/>
+                  </a:ext>
+                </a:extLst>
+              </a:tr>
+              <a:tr h="194648">
+                <a:tc>
+                  <a:txBody>
+                    <a:bodyPr/>
+                    <a:lstStyle/>
+                    <a:p>
+                      <a:pPr algn="ctr" rtl="0" fontAlgn="t">
+                        <a:spcBef>
+                          <a:spcPts val="0"/>
+                        </a:spcBef>
+                        <a:spcAft>
+                          <a:spcPts val="0"/>
+                        </a:spcAft>
+                      </a:pPr>
+                      <a:r>
+                        <a:rPr lang="en-US" sz="900" b="0" i="0" u="none" strike="noStrike">
+                          <a:solidFill>
+                            <a:srgbClr val="000000"/>
+                          </a:solidFill>
+                          <a:effectLst/>
+                          <a:latin typeface="Times New Roman" panose="02020603050405020304" pitchFamily="18" charset="0"/>
+                        </a:rPr>
+                        <a:t>18</a:t>
+                      </a:r>
+                      <a:endParaRPr lang="en-US" sz="1300">
+                        <a:effectLst/>
+                      </a:endParaRPr>
+                    </a:p>
+                  </a:txBody>
+                  <a:tcPr marL="48662" marR="48662" marT="32441" marB="32441">
+                    <a:lnL w="6350" cap="flat" cmpd="sng" algn="ctr">
+                      <a:solidFill>
+                        <a:srgbClr val="000000"/>
+                      </a:solidFill>
+                      <a:prstDash val="solid"/>
+                      <a:round/>
+                      <a:headEnd type="none" w="med" len="med"/>
+                      <a:tailEnd type="none" w="med" len="med"/>
+                    </a:lnL>
+                    <a:lnR w="6350" cap="flat" cmpd="sng" algn="ctr">
+                      <a:solidFill>
+                        <a:srgbClr val="000000"/>
+                      </a:solidFill>
+                      <a:prstDash val="solid"/>
+                      <a:round/>
+                      <a:headEnd type="none" w="med" len="med"/>
+                      <a:tailEnd type="none" w="med" len="med"/>
+                    </a:lnR>
+                    <a:lnT w="6350" cap="flat" cmpd="sng" algn="ctr">
+                      <a:solidFill>
+                        <a:srgbClr val="000000"/>
+                      </a:solidFill>
+                      <a:prstDash val="solid"/>
+                      <a:round/>
+                      <a:headEnd type="none" w="med" len="med"/>
+                      <a:tailEnd type="none" w="med" len="med"/>
+                    </a:lnT>
+                    <a:lnB w="6350" cap="flat" cmpd="sng" algn="ctr">
+                      <a:solidFill>
+                        <a:srgbClr val="000000"/>
+                      </a:solidFill>
+                      <a:prstDash val="solid"/>
+                      <a:round/>
+                      <a:headEnd type="none" w="med" len="med"/>
+                      <a:tailEnd type="none" w="med" len="med"/>
+                    </a:lnB>
+                  </a:tcPr>
+                </a:tc>
+                <a:tc>
+                  <a:txBody>
+                    <a:bodyPr/>
+                    <a:lstStyle/>
+                    <a:p>
+                      <a:pPr rtl="0" fontAlgn="t">
+                        <a:spcBef>
+                          <a:spcPts val="0"/>
+                        </a:spcBef>
+                        <a:spcAft>
+                          <a:spcPts val="0"/>
+                        </a:spcAft>
+                      </a:pPr>
+                      <a:r>
+                        <a:rPr lang="en-US" sz="900" b="0" i="0" u="none" strike="noStrike">
+                          <a:solidFill>
+                            <a:srgbClr val="000000"/>
+                          </a:solidFill>
+                          <a:effectLst/>
+                          <a:latin typeface="Times New Roman" panose="02020603050405020304" pitchFamily="18" charset="0"/>
+                        </a:rPr>
+                        <a:t>Tumor Size</a:t>
+                      </a:r>
+                      <a:endParaRPr lang="en-US" sz="1300">
+                        <a:effectLst/>
+                      </a:endParaRPr>
+                    </a:p>
+                  </a:txBody>
+                  <a:tcPr marL="48662" marR="48662" marT="32441" marB="32441">
+                    <a:lnL w="6350" cap="flat" cmpd="sng" algn="ctr">
+                      <a:solidFill>
+                        <a:srgbClr val="000000"/>
+                      </a:solidFill>
+                      <a:prstDash val="solid"/>
+                      <a:round/>
+                      <a:headEnd type="none" w="med" len="med"/>
+                      <a:tailEnd type="none" w="med" len="med"/>
+                    </a:lnL>
+                    <a:lnR w="6350" cap="flat" cmpd="sng" algn="ctr">
+                      <a:solidFill>
+                        <a:srgbClr val="000000"/>
+                      </a:solidFill>
+                      <a:prstDash val="solid"/>
+                      <a:round/>
+                      <a:headEnd type="none" w="med" len="med"/>
+                      <a:tailEnd type="none" w="med" len="med"/>
+                    </a:lnR>
+                    <a:lnT w="6350" cap="flat" cmpd="sng" algn="ctr">
+                      <a:solidFill>
+                        <a:srgbClr val="000000"/>
+                      </a:solidFill>
+                      <a:prstDash val="solid"/>
+                      <a:round/>
+                      <a:headEnd type="none" w="med" len="med"/>
+                      <a:tailEnd type="none" w="med" len="med"/>
+                    </a:lnT>
+                    <a:lnB w="6350" cap="flat" cmpd="sng" algn="ctr">
+                      <a:solidFill>
+                        <a:srgbClr val="000000"/>
+                      </a:solidFill>
+                      <a:prstDash val="solid"/>
+                      <a:round/>
+                      <a:headEnd type="none" w="med" len="med"/>
+                      <a:tailEnd type="none" w="med" len="med"/>
+                    </a:lnB>
+                  </a:tcPr>
+                </a:tc>
+                <a:tc>
+                  <a:txBody>
+                    <a:bodyPr/>
+                    <a:lstStyle/>
+                    <a:p>
+                      <a:pPr algn="ctr" rtl="0" fontAlgn="t">
+                        <a:spcBef>
+                          <a:spcPts val="0"/>
+                        </a:spcBef>
+                        <a:spcAft>
+                          <a:spcPts val="0"/>
+                        </a:spcAft>
+                      </a:pPr>
+                      <a:r>
+                        <a:rPr lang="en-US" sz="900" b="0" i="0" u="none" strike="noStrike">
+                          <a:solidFill>
+                            <a:srgbClr val="000000"/>
+                          </a:solidFill>
+                          <a:effectLst/>
+                          <a:latin typeface="Times New Roman" panose="02020603050405020304" pitchFamily="18" charset="0"/>
+                        </a:rPr>
+                        <a:t>Numeric</a:t>
+                      </a:r>
+                      <a:endParaRPr lang="en-US" sz="1300">
+                        <a:effectLst/>
+                      </a:endParaRPr>
+                    </a:p>
+                  </a:txBody>
+                  <a:tcPr marL="48662" marR="48662" marT="32441" marB="32441">
+                    <a:lnL w="6350" cap="flat" cmpd="sng" algn="ctr">
+                      <a:solidFill>
+                        <a:srgbClr val="000000"/>
+                      </a:solidFill>
+                      <a:prstDash val="solid"/>
+                      <a:round/>
+                      <a:headEnd type="none" w="med" len="med"/>
+                      <a:tailEnd type="none" w="med" len="med"/>
+                    </a:lnL>
+                    <a:lnR w="6350" cap="flat" cmpd="sng" algn="ctr">
+                      <a:solidFill>
+                        <a:srgbClr val="000000"/>
+                      </a:solidFill>
+                      <a:prstDash val="solid"/>
+                      <a:round/>
+                      <a:headEnd type="none" w="med" len="med"/>
+                      <a:tailEnd type="none" w="med" len="med"/>
+                    </a:lnR>
+                    <a:lnT w="6350" cap="flat" cmpd="sng" algn="ctr">
+                      <a:solidFill>
+                        <a:srgbClr val="000000"/>
+                      </a:solidFill>
+                      <a:prstDash val="solid"/>
+                      <a:round/>
+                      <a:headEnd type="none" w="med" len="med"/>
+                      <a:tailEnd type="none" w="med" len="med"/>
+                    </a:lnT>
+                    <a:lnB w="6350" cap="flat" cmpd="sng" algn="ctr">
+                      <a:solidFill>
+                        <a:srgbClr val="000000"/>
+                      </a:solidFill>
+                      <a:prstDash val="solid"/>
+                      <a:round/>
+                      <a:headEnd type="none" w="med" len="med"/>
+                      <a:tailEnd type="none" w="med" len="med"/>
+                    </a:lnB>
+                  </a:tcPr>
+                </a:tc>
+                <a:extLst>
+                  <a:ext uri="{0D108BD9-81ED-4DB2-BD59-A6C34878D82A}">
+                    <a16:rowId xmlns:a16="http://schemas.microsoft.com/office/drawing/2014/main" val="2978836232"/>
+                  </a:ext>
+                </a:extLst>
+              </a:tr>
+              <a:tr h="194648">
+                <a:tc>
+                  <a:txBody>
+                    <a:bodyPr/>
+                    <a:lstStyle/>
+                    <a:p>
+                      <a:pPr algn="ctr" rtl="0" fontAlgn="t">
+                        <a:spcBef>
+                          <a:spcPts val="0"/>
+                        </a:spcBef>
+                        <a:spcAft>
+                          <a:spcPts val="0"/>
+                        </a:spcAft>
+                      </a:pPr>
+                      <a:r>
+                        <a:rPr lang="en-US" sz="900" b="0" i="0" u="none" strike="noStrike">
+                          <a:solidFill>
+                            <a:srgbClr val="000000"/>
+                          </a:solidFill>
+                          <a:effectLst/>
+                          <a:latin typeface="Times New Roman" panose="02020603050405020304" pitchFamily="18" charset="0"/>
+                        </a:rPr>
+                        <a:t>19</a:t>
+                      </a:r>
+                      <a:endParaRPr lang="en-US" sz="1300">
+                        <a:effectLst/>
+                      </a:endParaRPr>
+                    </a:p>
+                  </a:txBody>
+                  <a:tcPr marL="48662" marR="48662" marT="32441" marB="32441">
+                    <a:lnL w="6350" cap="flat" cmpd="sng" algn="ctr">
+                      <a:solidFill>
+                        <a:srgbClr val="000000"/>
+                      </a:solidFill>
+                      <a:prstDash val="solid"/>
+                      <a:round/>
+                      <a:headEnd type="none" w="med" len="med"/>
+                      <a:tailEnd type="none" w="med" len="med"/>
+                    </a:lnL>
+                    <a:lnR w="6350" cap="flat" cmpd="sng" algn="ctr">
+                      <a:solidFill>
+                        <a:srgbClr val="000000"/>
+                      </a:solidFill>
+                      <a:prstDash val="solid"/>
+                      <a:round/>
+                      <a:headEnd type="none" w="med" len="med"/>
+                      <a:tailEnd type="none" w="med" len="med"/>
+                    </a:lnR>
+                    <a:lnT w="6350" cap="flat" cmpd="sng" algn="ctr">
+                      <a:solidFill>
+                        <a:srgbClr val="000000"/>
+                      </a:solidFill>
+                      <a:prstDash val="solid"/>
+                      <a:round/>
+                      <a:headEnd type="none" w="med" len="med"/>
+                      <a:tailEnd type="none" w="med" len="med"/>
+                    </a:lnT>
+                    <a:lnB w="6350" cap="flat" cmpd="sng" algn="ctr">
+                      <a:solidFill>
+                        <a:srgbClr val="000000"/>
+                      </a:solidFill>
+                      <a:prstDash val="solid"/>
+                      <a:round/>
+                      <a:headEnd type="none" w="med" len="med"/>
+                      <a:tailEnd type="none" w="med" len="med"/>
+                    </a:lnB>
+                  </a:tcPr>
+                </a:tc>
+                <a:tc>
+                  <a:txBody>
+                    <a:bodyPr/>
+                    <a:lstStyle/>
+                    <a:p>
+                      <a:pPr rtl="0" fontAlgn="t">
+                        <a:spcBef>
+                          <a:spcPts val="0"/>
+                        </a:spcBef>
+                        <a:spcAft>
+                          <a:spcPts val="0"/>
+                        </a:spcAft>
+                      </a:pPr>
+                      <a:r>
+                        <a:rPr lang="en-US" sz="900" b="0" i="0" u="none" strike="noStrike">
+                          <a:solidFill>
+                            <a:srgbClr val="000000"/>
+                          </a:solidFill>
+                          <a:effectLst/>
+                          <a:latin typeface="Times New Roman" panose="02020603050405020304" pitchFamily="18" charset="0"/>
+                        </a:rPr>
+                        <a:t>Survival Time</a:t>
+                      </a:r>
+                      <a:endParaRPr lang="en-US" sz="1300">
+                        <a:effectLst/>
+                      </a:endParaRPr>
+                    </a:p>
+                  </a:txBody>
+                  <a:tcPr marL="48662" marR="48662" marT="32441" marB="32441">
+                    <a:lnL w="6350" cap="flat" cmpd="sng" algn="ctr">
+                      <a:solidFill>
+                        <a:srgbClr val="000000"/>
+                      </a:solidFill>
+                      <a:prstDash val="solid"/>
+                      <a:round/>
+                      <a:headEnd type="none" w="med" len="med"/>
+                      <a:tailEnd type="none" w="med" len="med"/>
+                    </a:lnL>
+                    <a:lnR w="6350" cap="flat" cmpd="sng" algn="ctr">
+                      <a:solidFill>
+                        <a:srgbClr val="000000"/>
+                      </a:solidFill>
+                      <a:prstDash val="solid"/>
+                      <a:round/>
+                      <a:headEnd type="none" w="med" len="med"/>
+                      <a:tailEnd type="none" w="med" len="med"/>
+                    </a:lnR>
+                    <a:lnT w="6350" cap="flat" cmpd="sng" algn="ctr">
+                      <a:solidFill>
+                        <a:srgbClr val="000000"/>
+                      </a:solidFill>
+                      <a:prstDash val="solid"/>
+                      <a:round/>
+                      <a:headEnd type="none" w="med" len="med"/>
+                      <a:tailEnd type="none" w="med" len="med"/>
+                    </a:lnT>
+                    <a:lnB w="6350" cap="flat" cmpd="sng" algn="ctr">
+                      <a:solidFill>
+                        <a:srgbClr val="000000"/>
+                      </a:solidFill>
+                      <a:prstDash val="solid"/>
+                      <a:round/>
+                      <a:headEnd type="none" w="med" len="med"/>
+                      <a:tailEnd type="none" w="med" len="med"/>
+                    </a:lnB>
+                  </a:tcPr>
+                </a:tc>
+                <a:tc>
+                  <a:txBody>
+                    <a:bodyPr/>
+                    <a:lstStyle/>
+                    <a:p>
+                      <a:pPr algn="ctr" rtl="0" fontAlgn="t">
+                        <a:spcBef>
+                          <a:spcPts val="0"/>
+                        </a:spcBef>
+                        <a:spcAft>
+                          <a:spcPts val="0"/>
+                        </a:spcAft>
+                      </a:pPr>
+                      <a:r>
+                        <a:rPr lang="en-US" sz="900" b="0" i="0" u="none" strike="noStrike" dirty="0">
+                          <a:solidFill>
+                            <a:srgbClr val="000000"/>
+                          </a:solidFill>
+                          <a:effectLst/>
+                          <a:latin typeface="Times New Roman" panose="02020603050405020304" pitchFamily="18" charset="0"/>
+                        </a:rPr>
+                        <a:t>Discrete</a:t>
+                      </a:r>
+                      <a:endParaRPr lang="en-US" sz="1300" dirty="0">
+                        <a:effectLst/>
+                      </a:endParaRPr>
+                    </a:p>
+                  </a:txBody>
+                  <a:tcPr marL="48662" marR="48662" marT="32441" marB="32441">
+                    <a:lnL w="6350" cap="flat" cmpd="sng" algn="ctr">
+                      <a:solidFill>
+                        <a:srgbClr val="000000"/>
+                      </a:solidFill>
+                      <a:prstDash val="solid"/>
+                      <a:round/>
+                      <a:headEnd type="none" w="med" len="med"/>
+                      <a:tailEnd type="none" w="med" len="med"/>
+                    </a:lnL>
+                    <a:lnR w="6350" cap="flat" cmpd="sng" algn="ctr">
+                      <a:solidFill>
+                        <a:srgbClr val="000000"/>
+                      </a:solidFill>
+                      <a:prstDash val="solid"/>
+                      <a:round/>
+                      <a:headEnd type="none" w="med" len="med"/>
+                      <a:tailEnd type="none" w="med" len="med"/>
+                    </a:lnR>
+                    <a:lnT w="6350" cap="flat" cmpd="sng" algn="ctr">
+                      <a:solidFill>
+                        <a:srgbClr val="000000"/>
+                      </a:solidFill>
+                      <a:prstDash val="solid"/>
+                      <a:round/>
+                      <a:headEnd type="none" w="med" len="med"/>
+                      <a:tailEnd type="none" w="med" len="med"/>
+                    </a:lnT>
+                    <a:lnB w="6350" cap="flat" cmpd="sng" algn="ctr">
+                      <a:solidFill>
+                        <a:srgbClr val="000000"/>
+                      </a:solidFill>
+                      <a:prstDash val="solid"/>
+                      <a:round/>
+                      <a:headEnd type="none" w="med" len="med"/>
+                      <a:tailEnd type="none" w="med" len="med"/>
+                    </a:lnB>
+                  </a:tcPr>
+                </a:tc>
+                <a:extLst>
+                  <a:ext uri="{0D108BD9-81ED-4DB2-BD59-A6C34878D82A}">
+                    <a16:rowId xmlns:a16="http://schemas.microsoft.com/office/drawing/2014/main" val="1116590266"/>
+                  </a:ext>
+                </a:extLst>
+              </a:tr>
+            </a:tbl>
+          </a:graphicData>
+        </a:graphic>
+      </p:graphicFrame>
     </p:spTree>
     <p:extLst>
       <p:ext uri="{BB962C8B-B14F-4D97-AF65-F5344CB8AC3E}">
-        <p14:creationId xmlns:p14="http://schemas.microsoft.com/office/powerpoint/2010/main" val="2556044572"/>
+        <p14:creationId xmlns:p14="http://schemas.microsoft.com/office/powerpoint/2010/main" val="480300914"/>
       </p:ext>
     </p:extLst>
   </p:cSld>
   <p:clrMapOvr>
     <a:masterClrMapping/>
   </p:clrMapOvr>
-  <p:timing>
-    <p:tnLst>
-      <p:par>
-        <p:cTn id="1" dur="indefinite" restart="never" nodeType="tmRoot"/>
-      </p:par>
-    </p:tnLst>
-  </p:timing>
 </p:sld>
 </file>
 
@@ -4718,7 +10487,103 @@
           <a:p>
             <a:r>
               <a:rPr lang="en-US" dirty="0" smtClean="0"/>
-              <a:t>Deep Learning</a:t>
+              <a:t>Experimental Framework</a:t>
+            </a:r>
+            <a:endParaRPr lang="en-US" dirty="0"/>
+          </a:p>
+        </p:txBody>
+      </p:sp>
+      <p:pic>
+        <p:nvPicPr>
+          <p:cNvPr id="2050" name="Picture 2" descr="C:\Users\Shreyansh\Downloads\Flow.png"/>
+          <p:cNvPicPr>
+            <a:picLocks noGrp="1" noChangeAspect="1" noChangeArrowheads="1"/>
+          </p:cNvPicPr>
+          <p:nvPr>
+            <p:ph idx="1"/>
+          </p:nvPr>
+        </p:nvPicPr>
+        <p:blipFill>
+          <a:blip r:embed="rId2">
+            <a:extLst>
+              <a:ext uri="{28A0092B-C50C-407E-A947-70E740481C1C}">
+                <a14:useLocalDpi xmlns:a14="http://schemas.microsoft.com/office/drawing/2010/main" val="0"/>
+              </a:ext>
+            </a:extLst>
+          </a:blip>
+          <a:srcRect/>
+          <a:stretch>
+            <a:fillRect/>
+          </a:stretch>
+        </p:blipFill>
+        <p:spPr bwMode="auto">
+          <a:xfrm>
+            <a:off x="2757055" y="2090738"/>
+            <a:ext cx="6483927" cy="3533775"/>
+          </a:xfrm>
+          <a:prstGeom prst="rect">
+            <a:avLst/>
+          </a:prstGeom>
+          <a:noFill/>
+          <a:extLst>
+            <a:ext uri="{909E8E84-426E-40DD-AFC4-6F175D3DCCD1}">
+              <a14:hiddenFill xmlns:a14="http://schemas.microsoft.com/office/drawing/2010/main">
+                <a:solidFill>
+                  <a:srgbClr val="FFFFFF"/>
+                </a:solidFill>
+              </a14:hiddenFill>
+            </a:ext>
+          </a:extLst>
+        </p:spPr>
+      </p:pic>
+    </p:spTree>
+    <p:extLst>
+      <p:ext uri="{BB962C8B-B14F-4D97-AF65-F5344CB8AC3E}">
+        <p14:creationId xmlns:p14="http://schemas.microsoft.com/office/powerpoint/2010/main" val="1431534156"/>
+      </p:ext>
+    </p:extLst>
+  </p:cSld>
+  <p:clrMapOvr>
+    <a:masterClrMapping/>
+  </p:clrMapOvr>
+</p:sld>
+</file>
+
+<file path=ppt/slides/slide7.xml><?xml version="1.0" encoding="utf-8"?>
+<p:sld xmlns:a="http://schemas.openxmlformats.org/drawingml/2006/main" xmlns:r="http://schemas.openxmlformats.org/officeDocument/2006/relationships" xmlns:p="http://schemas.openxmlformats.org/presentationml/2006/main">
+  <p:cSld>
+    <p:spTree>
+      <p:nvGrpSpPr>
+        <p:cNvPr id="1" name=""/>
+        <p:cNvGrpSpPr/>
+        <p:nvPr/>
+      </p:nvGrpSpPr>
+      <p:grpSpPr>
+        <a:xfrm>
+          <a:off x="0" y="0"/>
+          <a:ext cx="0" cy="0"/>
+          <a:chOff x="0" y="0"/>
+          <a:chExt cx="0" cy="0"/>
+        </a:xfrm>
+      </p:grpSpPr>
+      <p:sp>
+        <p:nvSpPr>
+          <p:cNvPr id="2" name="Title 1"/>
+          <p:cNvSpPr>
+            <a:spLocks noGrp="1"/>
+          </p:cNvSpPr>
+          <p:nvPr>
+            <p:ph type="title"/>
+          </p:nvPr>
+        </p:nvSpPr>
+        <p:spPr/>
+        <p:txBody>
+          <a:bodyPr/>
+          <a:lstStyle/>
+          <a:p>
+            <a:r>
+              <a:rPr lang="en-US" dirty="0" smtClean="0"/>
+              <a:t>Models	</a:t>
             </a:r>
             <a:endParaRPr lang="en-US" dirty="0"/>
           </a:p>
@@ -4739,14 +10604,416 @@
           <a:bodyPr/>
           <a:lstStyle/>
           <a:p>
-            <a:endParaRPr lang="en-US" dirty="0"/>
+            <a:pPr>
+              <a:buFont typeface="Wingdings" panose="05000000000000000000" pitchFamily="2" charset="2"/>
+              <a:buChar char="Ø"/>
+            </a:pPr>
+            <a:r>
+              <a:rPr lang="en-US" dirty="0" smtClean="0"/>
+              <a:t>Linear Regression</a:t>
+            </a:r>
+          </a:p>
+          <a:p>
+            <a:pPr>
+              <a:buFont typeface="Wingdings" panose="05000000000000000000" pitchFamily="2" charset="2"/>
+              <a:buChar char="Ø"/>
+            </a:pPr>
+            <a:r>
+              <a:rPr lang="en-US" dirty="0" smtClean="0"/>
+              <a:t>Decision Tree</a:t>
+            </a:r>
+          </a:p>
+          <a:p>
+            <a:pPr>
+              <a:buFont typeface="Wingdings" panose="05000000000000000000" pitchFamily="2" charset="2"/>
+              <a:buChar char="Ø"/>
+            </a:pPr>
+            <a:r>
+              <a:rPr lang="en-US" dirty="0" smtClean="0"/>
+              <a:t>Random Forest</a:t>
+            </a:r>
+          </a:p>
+          <a:p>
+            <a:pPr>
+              <a:buFont typeface="Wingdings" panose="05000000000000000000" pitchFamily="2" charset="2"/>
+              <a:buChar char="Ø"/>
+            </a:pPr>
+            <a:r>
+              <a:rPr lang="en-US" dirty="0" smtClean="0"/>
+              <a:t>Gradient Boosting Machine</a:t>
+            </a:r>
+          </a:p>
+          <a:p>
+            <a:pPr>
+              <a:buFont typeface="Wingdings" panose="05000000000000000000" pitchFamily="2" charset="2"/>
+              <a:buChar char="Ø"/>
+            </a:pPr>
+            <a:r>
+              <a:rPr lang="en-US" dirty="0" smtClean="0"/>
+              <a:t>Support Vector Machine</a:t>
+            </a:r>
+          </a:p>
+          <a:p>
+            <a:pPr>
+              <a:buFont typeface="Wingdings" panose="05000000000000000000" pitchFamily="2" charset="2"/>
+              <a:buChar char="Ø"/>
+            </a:pPr>
+            <a:r>
+              <a:rPr lang="en-US" dirty="0" smtClean="0"/>
+              <a:t>Ensemble</a:t>
+            </a:r>
+          </a:p>
+          <a:p>
+            <a:pPr>
+              <a:buFont typeface="Wingdings" panose="05000000000000000000" pitchFamily="2" charset="2"/>
+              <a:buChar char="Ø"/>
+            </a:pPr>
+            <a:r>
+              <a:rPr lang="en-US" dirty="0" smtClean="0"/>
+              <a:t>Deep Learning</a:t>
+            </a:r>
           </a:p>
         </p:txBody>
       </p:sp>
     </p:spTree>
     <p:extLst>
       <p:ext uri="{BB962C8B-B14F-4D97-AF65-F5344CB8AC3E}">
-        <p14:creationId xmlns:p14="http://schemas.microsoft.com/office/powerpoint/2010/main" val="3744584940"/>
+        <p14:creationId xmlns:p14="http://schemas.microsoft.com/office/powerpoint/2010/main" val="2712276856"/>
+      </p:ext>
+    </p:extLst>
+  </p:cSld>
+  <p:clrMapOvr>
+    <a:masterClrMapping/>
+  </p:clrMapOvr>
+</p:sld>
+</file>
+
+<file path=ppt/slides/slide8.xml><?xml version="1.0" encoding="utf-8"?>
+<p:sld xmlns:a="http://schemas.openxmlformats.org/drawingml/2006/main" xmlns:r="http://schemas.openxmlformats.org/officeDocument/2006/relationships" xmlns:p="http://schemas.openxmlformats.org/presentationml/2006/main">
+  <p:cSld>
+    <p:spTree>
+      <p:nvGrpSpPr>
+        <p:cNvPr id="1" name=""/>
+        <p:cNvGrpSpPr/>
+        <p:nvPr/>
+      </p:nvGrpSpPr>
+      <p:grpSpPr>
+        <a:xfrm>
+          <a:off x="0" y="0"/>
+          <a:ext cx="0" cy="0"/>
+          <a:chOff x="0" y="0"/>
+          <a:chExt cx="0" cy="0"/>
+        </a:xfrm>
+      </p:grpSpPr>
+      <p:sp>
+        <p:nvSpPr>
+          <p:cNvPr id="2" name="Title 1"/>
+          <p:cNvSpPr>
+            <a:spLocks noGrp="1"/>
+          </p:cNvSpPr>
+          <p:nvPr>
+            <p:ph type="title"/>
+          </p:nvPr>
+        </p:nvSpPr>
+        <p:spPr/>
+        <p:txBody>
+          <a:bodyPr/>
+          <a:lstStyle/>
+          <a:p>
+            <a:r>
+              <a:rPr lang="en-US" dirty="0" smtClean="0"/>
+              <a:t>Linear Regression</a:t>
+            </a:r>
+            <a:endParaRPr lang="en-US" dirty="0"/>
+          </a:p>
+        </p:txBody>
+      </p:sp>
+      <p:sp>
+        <p:nvSpPr>
+          <p:cNvPr id="3" name="Content Placeholder 2"/>
+          <p:cNvSpPr>
+            <a:spLocks noGrp="1"/>
+          </p:cNvSpPr>
+          <p:nvPr>
+            <p:ph idx="1"/>
+          </p:nvPr>
+        </p:nvSpPr>
+        <p:spPr/>
+        <p:txBody>
+          <a:bodyPr/>
+          <a:lstStyle/>
+          <a:p>
+            <a:pPr>
+              <a:buFont typeface="Wingdings" panose="05000000000000000000" pitchFamily="2" charset="2"/>
+              <a:buChar char="Ø"/>
+            </a:pPr>
+            <a:r>
+              <a:rPr lang="en-US" dirty="0"/>
+              <a:t>The simplest method implemented is linear regression, one of </a:t>
+            </a:r>
+            <a:r>
+              <a:rPr lang="en-US" dirty="0" smtClean="0"/>
+              <a:t>the oldest </a:t>
+            </a:r>
+            <a:r>
+              <a:rPr lang="en-US" dirty="0"/>
+              <a:t>and most widely used correlational techniques. </a:t>
+            </a:r>
+            <a:endParaRPr lang="en-US" dirty="0" smtClean="0"/>
+          </a:p>
+          <a:p>
+            <a:pPr>
+              <a:buFont typeface="Wingdings" panose="05000000000000000000" pitchFamily="2" charset="2"/>
+              <a:buChar char="Ø"/>
+            </a:pPr>
+            <a:r>
+              <a:rPr lang="en-US" dirty="0" smtClean="0"/>
+              <a:t>The </a:t>
+            </a:r>
+            <a:r>
+              <a:rPr lang="en-US" dirty="0"/>
+              <a:t>goal of the method is to fit </a:t>
+            </a:r>
+            <a:r>
+              <a:rPr lang="en-US" dirty="0" smtClean="0"/>
+              <a:t>a straight </a:t>
+            </a:r>
+            <a:r>
+              <a:rPr lang="en-US" dirty="0"/>
+              <a:t>line to a set of data points using a series of </a:t>
+            </a:r>
+            <a:r>
+              <a:rPr lang="en-US" dirty="0" smtClean="0"/>
+              <a:t>coefficients </a:t>
+            </a:r>
+            <a:r>
+              <a:rPr lang="en-US" dirty="0"/>
+              <a:t>multiplied to each input, </a:t>
+            </a:r>
+            <a:r>
+              <a:rPr lang="en-US" dirty="0" smtClean="0"/>
+              <a:t>like a </a:t>
+            </a:r>
+            <a:r>
+              <a:rPr lang="en-US" dirty="0"/>
+              <a:t>weighting function, and an intercept</a:t>
+            </a:r>
+            <a:r>
+              <a:rPr lang="en-US" dirty="0" smtClean="0"/>
+              <a:t>.</a:t>
+            </a:r>
+          </a:p>
+          <a:p>
+            <a:pPr>
+              <a:buFont typeface="Wingdings" panose="05000000000000000000" pitchFamily="2" charset="2"/>
+              <a:buChar char="Ø"/>
+            </a:pPr>
+            <a:r>
+              <a:rPr lang="en-US" dirty="0" smtClean="0"/>
+              <a:t> </a:t>
+            </a:r>
+            <a:r>
+              <a:rPr lang="en-US" dirty="0"/>
+              <a:t>The weights are decided within the linear </a:t>
+            </a:r>
+            <a:r>
+              <a:rPr lang="en-US" dirty="0" smtClean="0"/>
+              <a:t>regression function </a:t>
+            </a:r>
+            <a:r>
+              <a:rPr lang="en-US" dirty="0"/>
+              <a:t>in a way to minimize the mean error. These weight coefficients multiplied by </a:t>
+            </a:r>
+            <a:r>
+              <a:rPr lang="en-US" dirty="0" smtClean="0"/>
+              <a:t>the respective </a:t>
+            </a:r>
+            <a:r>
+              <a:rPr lang="en-US" dirty="0"/>
+              <a:t>inputs, plus an intercept, give a general function for the outcome, patient </a:t>
+            </a:r>
+            <a:r>
+              <a:rPr lang="en-US" dirty="0" smtClean="0"/>
+              <a:t>survival time</a:t>
+            </a:r>
+            <a:r>
+              <a:rPr lang="en-US" dirty="0"/>
+              <a:t>.</a:t>
+            </a:r>
+          </a:p>
+        </p:txBody>
+      </p:sp>
+    </p:spTree>
+    <p:extLst>
+      <p:ext uri="{BB962C8B-B14F-4D97-AF65-F5344CB8AC3E}">
+        <p14:creationId xmlns:p14="http://schemas.microsoft.com/office/powerpoint/2010/main" val="4288385440"/>
+      </p:ext>
+    </p:extLst>
+  </p:cSld>
+  <p:clrMapOvr>
+    <a:masterClrMapping/>
+  </p:clrMapOvr>
+</p:sld>
+</file>
+
+<file path=ppt/slides/slide9.xml><?xml version="1.0" encoding="utf-8"?>
+<p:sld xmlns:a="http://schemas.openxmlformats.org/drawingml/2006/main" xmlns:r="http://schemas.openxmlformats.org/officeDocument/2006/relationships" xmlns:p="http://schemas.openxmlformats.org/presentationml/2006/main">
+  <p:cSld>
+    <p:spTree>
+      <p:nvGrpSpPr>
+        <p:cNvPr id="1" name=""/>
+        <p:cNvGrpSpPr/>
+        <p:nvPr/>
+      </p:nvGrpSpPr>
+      <p:grpSpPr>
+        <a:xfrm>
+          <a:off x="0" y="0"/>
+          <a:ext cx="0" cy="0"/>
+          <a:chOff x="0" y="0"/>
+          <a:chExt cx="0" cy="0"/>
+        </a:xfrm>
+      </p:grpSpPr>
+      <p:sp>
+        <p:nvSpPr>
+          <p:cNvPr id="4" name="Title 3"/>
+          <p:cNvSpPr>
+            <a:spLocks noGrp="1"/>
+          </p:cNvSpPr>
+          <p:nvPr>
+            <p:ph type="title"/>
+          </p:nvPr>
+        </p:nvSpPr>
+        <p:spPr/>
+        <p:txBody>
+          <a:bodyPr/>
+          <a:lstStyle/>
+          <a:p>
+            <a:r>
+              <a:rPr lang="en-US" dirty="0" smtClean="0"/>
+              <a:t>Decision Tree</a:t>
+            </a:r>
+            <a:endParaRPr lang="en-US" dirty="0"/>
+          </a:p>
+        </p:txBody>
+      </p:sp>
+      <p:sp>
+        <p:nvSpPr>
+          <p:cNvPr id="5" name="Content Placeholder 4"/>
+          <p:cNvSpPr>
+            <a:spLocks noGrp="1"/>
+          </p:cNvSpPr>
+          <p:nvPr>
+            <p:ph idx="1"/>
+          </p:nvPr>
+        </p:nvSpPr>
+        <p:spPr/>
+        <p:txBody>
+          <a:bodyPr>
+            <a:normAutofit/>
+          </a:bodyPr>
+          <a:lstStyle/>
+          <a:p>
+            <a:pPr>
+              <a:buFont typeface="Wingdings" panose="05000000000000000000" pitchFamily="2" charset="2"/>
+              <a:buChar char="Ø"/>
+            </a:pPr>
+            <a:endParaRPr lang="en-US" dirty="0" smtClean="0"/>
+          </a:p>
+          <a:p>
+            <a:pPr lvl="1">
+              <a:buFont typeface="Wingdings" panose="05000000000000000000" pitchFamily="2" charset="2"/>
+              <a:buChar char="Ø"/>
+            </a:pPr>
+            <a:r>
+              <a:rPr lang="en-US" sz="2000" dirty="0" smtClean="0"/>
+              <a:t>Decision </a:t>
+            </a:r>
+            <a:r>
+              <a:rPr lang="en-US" sz="2000" dirty="0"/>
+              <a:t>tree builds regression </a:t>
+            </a:r>
+            <a:r>
+              <a:rPr lang="en-US" sz="2000" dirty="0" smtClean="0"/>
+              <a:t>models </a:t>
+            </a:r>
+            <a:r>
+              <a:rPr lang="en-US" sz="2000" dirty="0"/>
+              <a:t>in the form of a tree structure. It brakes down a dataset into smaller and smaller subsets while at the same time an associated decision tree is incrementally developed. The final result is a tree with </a:t>
+            </a:r>
+            <a:r>
+              <a:rPr lang="en-US" sz="2000" b="1" dirty="0"/>
+              <a:t>decision nodes</a:t>
+            </a:r>
+            <a:r>
+              <a:rPr lang="en-US" sz="2000" dirty="0"/>
+              <a:t> and </a:t>
+            </a:r>
+            <a:r>
+              <a:rPr lang="en-US" sz="2000" b="1" dirty="0"/>
+              <a:t>leaf nodes</a:t>
+            </a:r>
+            <a:r>
+              <a:rPr lang="en-US" sz="2000" dirty="0" smtClean="0"/>
+              <a:t>.</a:t>
+            </a:r>
+          </a:p>
+          <a:p>
+            <a:pPr lvl="1">
+              <a:buFont typeface="Wingdings" panose="05000000000000000000" pitchFamily="2" charset="2"/>
+              <a:buChar char="Ø"/>
+            </a:pPr>
+            <a:r>
+              <a:rPr lang="en-US" sz="2000" dirty="0" smtClean="0"/>
+              <a:t>Leaf nodes are nothing but indication of survival time.</a:t>
+            </a:r>
+          </a:p>
+          <a:p>
+            <a:pPr lvl="1">
+              <a:buFont typeface="Wingdings" panose="05000000000000000000" pitchFamily="2" charset="2"/>
+              <a:buChar char="Ø"/>
+            </a:pPr>
+            <a:r>
+              <a:rPr lang="en-US" sz="2000" dirty="0" smtClean="0"/>
+              <a:t>For </a:t>
+            </a:r>
+            <a:r>
+              <a:rPr lang="en-US" sz="2000" dirty="0"/>
+              <a:t>regression decision trees </a:t>
+            </a:r>
+            <a:r>
+              <a:rPr lang="en-US" sz="2000" dirty="0" smtClean="0"/>
+              <a:t>there are </a:t>
+            </a:r>
+            <a:r>
+              <a:rPr lang="en-US" sz="2000" dirty="0"/>
+              <a:t>more classifications than in a typical classification decision tree </a:t>
+            </a:r>
+            <a:r>
+              <a:rPr lang="en-US" sz="2000" dirty="0" smtClean="0"/>
+              <a:t>that makes </a:t>
+            </a:r>
+            <a:r>
+              <a:rPr lang="en-US" sz="2000" dirty="0"/>
+              <a:t>the outcomes near </a:t>
+            </a:r>
+            <a:r>
+              <a:rPr lang="en-US" sz="2000" dirty="0" smtClean="0"/>
+              <a:t>continuous.</a:t>
+            </a:r>
+          </a:p>
+          <a:p>
+            <a:pPr lvl="1">
+              <a:buFont typeface="Wingdings" panose="05000000000000000000" pitchFamily="2" charset="2"/>
+              <a:buChar char="Ø"/>
+            </a:pPr>
+            <a:endParaRPr lang="en-US" sz="2000" dirty="0"/>
+          </a:p>
+        </p:txBody>
+      </p:sp>
+    </p:spTree>
+    <p:extLst>
+      <p:ext uri="{BB962C8B-B14F-4D97-AF65-F5344CB8AC3E}">
+        <p14:creationId xmlns:p14="http://schemas.microsoft.com/office/powerpoint/2010/main" val="2275649481"/>
       </p:ext>
     </p:extLst>
   </p:cSld>
